--- a/1st March 25, 2019.pptx
+++ b/1st March 25, 2019.pptx
@@ -133,7 +133,7 @@
   </p:defaultTextStyle>
   <p:extLst>
     <p:ext uri="{EFAFB233-063F-42B5-8137-9DF3F51BA10A}">
-      <p15:sldGuideLst xmlns:p15="http://schemas.microsoft.com/office/powerpoint/2012/main" xmlns="">
+      <p15:sldGuideLst xmlns="" xmlns:p15="http://schemas.microsoft.com/office/powerpoint/2012/main">
         <p15:guide id="1" orient="horz" pos="2160">
           <p15:clr>
             <a:srgbClr val="A4A3A4"/>
@@ -147,7 +147,7 @@
       </p15:sldGuideLst>
     </p:ext>
     <p:ext uri="{2D200454-40CA-4A62-9FC3-DE9A4176ACB9}">
-      <p15:notesGuideLst xmlns:p15="http://schemas.microsoft.com/office/powerpoint/2012/main" xmlns="">
+      <p15:notesGuideLst xmlns="" xmlns:p15="http://schemas.microsoft.com/office/powerpoint/2012/main">
         <p15:guide id="1" orient="horz" pos="2880">
           <p15:clr>
             <a:srgbClr val="A4A3A4"/>
@@ -247,7 +247,7 @@
             <a:fld id="{0E4FF8FC-8473-4DFD-87CC-D576DA80B410}" type="datetimeFigureOut">
               <a:rPr lang="en-US" smtClean="0"/>
               <a:pPr/>
-              <a:t>3/19/2019</a:t>
+              <a:t>3/20/2019</a:t>
             </a:fld>
             <a:endParaRPr lang="en-US"/>
           </a:p>
@@ -414,7 +414,7 @@
             <a:fld id="{DBCEF50B-A2CD-498B-9049-5AC52B436F32}" type="datetimeFigureOut">
               <a:rPr lang="zh-CN" altLang="en-US" smtClean="0"/>
               <a:pPr/>
-              <a:t>2019/3/19</a:t>
+              <a:t>2019/3/20</a:t>
             </a:fld>
             <a:endParaRPr lang="zh-CN" altLang="en-US"/>
           </a:p>
@@ -7410,7 +7410,7 @@
             <a:fld id="{11188646-8CEC-4AE4-B1E7-ADF9D885FD96}" type="datetimeFigureOut">
               <a:rPr lang="en-US" smtClean="0"/>
               <a:pPr/>
-              <a:t>3/19/2019</a:t>
+              <a:t>3/20/2019</a:t>
             </a:fld>
             <a:endParaRPr lang="en-US"/>
           </a:p>
@@ -7577,7 +7577,7 @@
             <a:fld id="{11188646-8CEC-4AE4-B1E7-ADF9D885FD96}" type="datetimeFigureOut">
               <a:rPr lang="en-US" smtClean="0"/>
               <a:pPr/>
-              <a:t>3/19/2019</a:t>
+              <a:t>3/20/2019</a:t>
             </a:fld>
             <a:endParaRPr lang="en-US"/>
           </a:p>
@@ -7754,7 +7754,7 @@
             <a:fld id="{11188646-8CEC-4AE4-B1E7-ADF9D885FD96}" type="datetimeFigureOut">
               <a:rPr lang="en-US" smtClean="0"/>
               <a:pPr/>
-              <a:t>3/19/2019</a:t>
+              <a:t>3/20/2019</a:t>
             </a:fld>
             <a:endParaRPr lang="en-US"/>
           </a:p>
@@ -7991,7 +7991,7 @@
             <a:fld id="{16FF2618-C234-4528-BB60-72360CB0937F}" type="datetimeFigureOut">
               <a:rPr lang="en-US" smtClean="0"/>
               <a:pPr/>
-              <a:t>3/19/2019</a:t>
+              <a:t>3/20/2019</a:t>
             </a:fld>
             <a:endParaRPr lang="en-US"/>
           </a:p>
@@ -8156,7 +8156,7 @@
             <a:fld id="{16FF2618-C234-4528-BB60-72360CB0937F}" type="datetimeFigureOut">
               <a:rPr lang="en-US" smtClean="0"/>
               <a:pPr/>
-              <a:t>3/19/2019</a:t>
+              <a:t>3/20/2019</a:t>
             </a:fld>
             <a:endParaRPr lang="en-US"/>
           </a:p>
@@ -8398,7 +8398,7 @@
             <a:fld id="{16FF2618-C234-4528-BB60-72360CB0937F}" type="datetimeFigureOut">
               <a:rPr lang="en-US" smtClean="0"/>
               <a:pPr/>
-              <a:t>3/19/2019</a:t>
+              <a:t>3/20/2019</a:t>
             </a:fld>
             <a:endParaRPr lang="en-US"/>
           </a:p>
@@ -8680,7 +8680,7 @@
             <a:fld id="{16FF2618-C234-4528-BB60-72360CB0937F}" type="datetimeFigureOut">
               <a:rPr lang="en-US" smtClean="0"/>
               <a:pPr/>
-              <a:t>3/19/2019</a:t>
+              <a:t>3/20/2019</a:t>
             </a:fld>
             <a:endParaRPr lang="en-US"/>
           </a:p>
@@ -9096,7 +9096,7 @@
             <a:fld id="{16FF2618-C234-4528-BB60-72360CB0937F}" type="datetimeFigureOut">
               <a:rPr lang="en-US" smtClean="0"/>
               <a:pPr/>
-              <a:t>3/19/2019</a:t>
+              <a:t>3/20/2019</a:t>
             </a:fld>
             <a:endParaRPr lang="en-US"/>
           </a:p>
@@ -9210,7 +9210,7 @@
             <a:fld id="{16FF2618-C234-4528-BB60-72360CB0937F}" type="datetimeFigureOut">
               <a:rPr lang="en-US" smtClean="0"/>
               <a:pPr/>
-              <a:t>3/19/2019</a:t>
+              <a:t>3/20/2019</a:t>
             </a:fld>
             <a:endParaRPr lang="en-US"/>
           </a:p>
@@ -9302,7 +9302,7 @@
             <a:fld id="{16FF2618-C234-4528-BB60-72360CB0937F}" type="datetimeFigureOut">
               <a:rPr lang="en-US" smtClean="0"/>
               <a:pPr/>
-              <a:t>3/19/2019</a:t>
+              <a:t>3/20/2019</a:t>
             </a:fld>
             <a:endParaRPr lang="en-US"/>
           </a:p>
@@ -9574,7 +9574,7 @@
             <a:fld id="{16FF2618-C234-4528-BB60-72360CB0937F}" type="datetimeFigureOut">
               <a:rPr lang="en-US" smtClean="0"/>
               <a:pPr/>
-              <a:t>3/19/2019</a:t>
+              <a:t>3/20/2019</a:t>
             </a:fld>
             <a:endParaRPr lang="en-US"/>
           </a:p>
@@ -9741,7 +9741,7 @@
             <a:fld id="{11188646-8CEC-4AE4-B1E7-ADF9D885FD96}" type="datetimeFigureOut">
               <a:rPr lang="en-US" smtClean="0"/>
               <a:pPr/>
-              <a:t>3/19/2019</a:t>
+              <a:t>3/20/2019</a:t>
             </a:fld>
             <a:endParaRPr lang="en-US"/>
           </a:p>
@@ -9990,7 +9990,7 @@
             <a:fld id="{16FF2618-C234-4528-BB60-72360CB0937F}" type="datetimeFigureOut">
               <a:rPr lang="en-US" smtClean="0"/>
               <a:pPr/>
-              <a:t>3/19/2019</a:t>
+              <a:t>3/20/2019</a:t>
             </a:fld>
             <a:endParaRPr lang="en-US"/>
           </a:p>
@@ -10155,7 +10155,7 @@
             <a:fld id="{16FF2618-C234-4528-BB60-72360CB0937F}" type="datetimeFigureOut">
               <a:rPr lang="en-US" smtClean="0"/>
               <a:pPr/>
-              <a:t>3/19/2019</a:t>
+              <a:t>3/20/2019</a:t>
             </a:fld>
             <a:endParaRPr lang="en-US"/>
           </a:p>
@@ -10330,7 +10330,7 @@
             <a:fld id="{16FF2618-C234-4528-BB60-72360CB0937F}" type="datetimeFigureOut">
               <a:rPr lang="en-US" smtClean="0"/>
               <a:pPr/>
-              <a:t>3/19/2019</a:t>
+              <a:t>3/20/2019</a:t>
             </a:fld>
             <a:endParaRPr lang="en-US"/>
           </a:p>
@@ -10573,7 +10573,7 @@
             <a:fld id="{11188646-8CEC-4AE4-B1E7-ADF9D885FD96}" type="datetimeFigureOut">
               <a:rPr lang="en-US" smtClean="0"/>
               <a:pPr/>
-              <a:t>3/19/2019</a:t>
+              <a:t>3/20/2019</a:t>
             </a:fld>
             <a:endParaRPr lang="en-US"/>
           </a:p>
@@ -10858,7 +10858,7 @@
             <a:fld id="{11188646-8CEC-4AE4-B1E7-ADF9D885FD96}" type="datetimeFigureOut">
               <a:rPr lang="en-US" smtClean="0"/>
               <a:pPr/>
-              <a:t>3/19/2019</a:t>
+              <a:t>3/20/2019</a:t>
             </a:fld>
             <a:endParaRPr lang="en-US"/>
           </a:p>
@@ -11277,7 +11277,7 @@
             <a:fld id="{11188646-8CEC-4AE4-B1E7-ADF9D885FD96}" type="datetimeFigureOut">
               <a:rPr lang="en-US" smtClean="0"/>
               <a:pPr/>
-              <a:t>3/19/2019</a:t>
+              <a:t>3/20/2019</a:t>
             </a:fld>
             <a:endParaRPr lang="en-US"/>
           </a:p>
@@ -11392,7 +11392,7 @@
             <a:fld id="{11188646-8CEC-4AE4-B1E7-ADF9D885FD96}" type="datetimeFigureOut">
               <a:rPr lang="en-US" smtClean="0"/>
               <a:pPr/>
-              <a:t>3/19/2019</a:t>
+              <a:t>3/20/2019</a:t>
             </a:fld>
             <a:endParaRPr lang="en-US"/>
           </a:p>
@@ -11484,7 +11484,7 @@
             <a:fld id="{11188646-8CEC-4AE4-B1E7-ADF9D885FD96}" type="datetimeFigureOut">
               <a:rPr lang="en-US" smtClean="0"/>
               <a:pPr/>
-              <a:t>3/19/2019</a:t>
+              <a:t>3/20/2019</a:t>
             </a:fld>
             <a:endParaRPr lang="en-US"/>
           </a:p>
@@ -11758,7 +11758,7 @@
             <a:fld id="{11188646-8CEC-4AE4-B1E7-ADF9D885FD96}" type="datetimeFigureOut">
               <a:rPr lang="en-US" smtClean="0"/>
               <a:pPr/>
-              <a:t>3/19/2019</a:t>
+              <a:t>3/20/2019</a:t>
             </a:fld>
             <a:endParaRPr lang="en-US"/>
           </a:p>
@@ -12012,7 +12012,7 @@
             <a:fld id="{11188646-8CEC-4AE4-B1E7-ADF9D885FD96}" type="datetimeFigureOut">
               <a:rPr lang="en-US" smtClean="0"/>
               <a:pPr/>
-              <a:t>3/19/2019</a:t>
+              <a:t>3/20/2019</a:t>
             </a:fld>
             <a:endParaRPr lang="en-US"/>
           </a:p>
@@ -13651,7 +13651,7 @@
             <a:fld id="{11188646-8CEC-4AE4-B1E7-ADF9D885FD96}" type="datetimeFigureOut">
               <a:rPr lang="en-US" smtClean="0"/>
               <a:pPr/>
-              <a:t>3/19/2019</a:t>
+              <a:t>3/20/2019</a:t>
             </a:fld>
             <a:endParaRPr lang="en-US"/>
           </a:p>
@@ -14171,7 +14171,7 @@
             <a:fld id="{16FF2618-C234-4528-BB60-72360CB0937F}" type="datetimeFigureOut">
               <a:rPr lang="en-US" smtClean="0"/>
               <a:pPr/>
-              <a:t>3/19/2019</a:t>
+              <a:t>3/20/2019</a:t>
             </a:fld>
             <a:endParaRPr lang="en-US"/>
           </a:p>
@@ -14572,8 +14572,9 @@
                 <a:solidFill>
                   <a:srgbClr val="0070C0"/>
                 </a:solidFill>
-                <a:latin typeface="楷体" pitchFamily="49" charset="-122"/>
+                <a:latin typeface="Times New Roman" pitchFamily="18" charset="0"/>
                 <a:ea typeface="楷体" pitchFamily="49" charset="-122"/>
+                <a:cs typeface="Times New Roman" pitchFamily="18" charset="0"/>
                 <a:sym typeface="Wingdings" pitchFamily="2" charset="2"/>
               </a:rPr>
               <a:t>Reporter</a:t>
@@ -14583,8 +14584,9 @@
                 <a:solidFill>
                   <a:srgbClr val="0070C0"/>
                 </a:solidFill>
-                <a:latin typeface="楷体" pitchFamily="49" charset="-122"/>
+                <a:latin typeface="Times New Roman" pitchFamily="18" charset="0"/>
                 <a:ea typeface="楷体" pitchFamily="49" charset="-122"/>
+                <a:cs typeface="Times New Roman" pitchFamily="18" charset="0"/>
                 <a:sym typeface="Wingdings" pitchFamily="2" charset="2"/>
               </a:rPr>
               <a:t>：</a:t>
@@ -14594,8 +14596,9 @@
                 <a:solidFill>
                   <a:srgbClr val="0070C0"/>
                 </a:solidFill>
-                <a:latin typeface="楷体" pitchFamily="49" charset="-122"/>
+                <a:latin typeface="Times New Roman" pitchFamily="18" charset="0"/>
                 <a:ea typeface="楷体" pitchFamily="49" charset="-122"/>
+                <a:cs typeface="Times New Roman" pitchFamily="18" charset="0"/>
                 <a:sym typeface="Wingdings" pitchFamily="2" charset="2"/>
               </a:rPr>
               <a:t>Ge</a:t>
@@ -14605,8 +14608,9 @@
                 <a:solidFill>
                   <a:srgbClr val="0070C0"/>
                 </a:solidFill>
-                <a:latin typeface="楷体" pitchFamily="49" charset="-122"/>
+                <a:latin typeface="Times New Roman" pitchFamily="18" charset="0"/>
                 <a:ea typeface="楷体" pitchFamily="49" charset="-122"/>
+                <a:cs typeface="Times New Roman" pitchFamily="18" charset="0"/>
                 <a:sym typeface="Wingdings" pitchFamily="2" charset="2"/>
               </a:rPr>
               <a:t> </a:t>
@@ -14616,8 +14620,9 @@
                 <a:solidFill>
                   <a:srgbClr val="0070C0"/>
                 </a:solidFill>
-                <a:latin typeface="楷体" pitchFamily="49" charset="-122"/>
+                <a:latin typeface="Times New Roman" pitchFamily="18" charset="0"/>
                 <a:ea typeface="楷体" pitchFamily="49" charset="-122"/>
+                <a:cs typeface="Times New Roman" pitchFamily="18" charset="0"/>
                 <a:sym typeface="Wingdings" pitchFamily="2" charset="2"/>
               </a:rPr>
               <a:t>Linlin</a:t>
@@ -14626,8 +14631,9 @@
               <a:solidFill>
                 <a:srgbClr val="0070C0"/>
               </a:solidFill>
-              <a:latin typeface="楷体" pitchFamily="49" charset="-122"/>
+              <a:latin typeface="Times New Roman" pitchFamily="18" charset="0"/>
               <a:ea typeface="楷体" pitchFamily="49" charset="-122"/>
+              <a:cs typeface="Times New Roman" pitchFamily="18" charset="0"/>
               <a:sym typeface="Wingdings" pitchFamily="2" charset="2"/>
             </a:endParaRPr>
           </a:p>
@@ -14640,8 +14646,9 @@
                 <a:solidFill>
                   <a:srgbClr val="0070C0"/>
                 </a:solidFill>
-                <a:latin typeface="楷体" pitchFamily="49" charset="-122"/>
+                <a:latin typeface="Times New Roman" pitchFamily="18" charset="0"/>
                 <a:ea typeface="楷体" pitchFamily="49" charset="-122"/>
+                <a:cs typeface="Times New Roman" pitchFamily="18" charset="0"/>
                 <a:sym typeface="Wingdings" pitchFamily="2" charset="2"/>
               </a:rPr>
               <a:t>Date</a:t>
@@ -14651,8 +14658,9 @@
                 <a:solidFill>
                   <a:srgbClr val="0070C0"/>
                 </a:solidFill>
-                <a:latin typeface="楷体" pitchFamily="49" charset="-122"/>
+                <a:latin typeface="Times New Roman" pitchFamily="18" charset="0"/>
                 <a:ea typeface="楷体" pitchFamily="49" charset="-122"/>
+                <a:cs typeface="Times New Roman" pitchFamily="18" charset="0"/>
                 <a:sym typeface="Wingdings" pitchFamily="2" charset="2"/>
               </a:rPr>
               <a:t>：</a:t>
@@ -14662,8 +14670,9 @@
                 <a:solidFill>
                   <a:srgbClr val="0070C0"/>
                 </a:solidFill>
-                <a:latin typeface="楷体" pitchFamily="49" charset="-122"/>
+                <a:latin typeface="Times New Roman" pitchFamily="18" charset="0"/>
                 <a:ea typeface="楷体" pitchFamily="49" charset="-122"/>
+                <a:cs typeface="Times New Roman" pitchFamily="18" charset="0"/>
                 <a:sym typeface="Wingdings" pitchFamily="2" charset="2"/>
               </a:rPr>
               <a:t>2019.03.19</a:t>
@@ -14672,8 +14681,9 @@
               <a:solidFill>
                 <a:srgbClr val="0070C0"/>
               </a:solidFill>
-              <a:latin typeface="楷体" pitchFamily="49" charset="-122"/>
+              <a:latin typeface="Times New Roman" pitchFamily="18" charset="0"/>
               <a:ea typeface="楷体" pitchFamily="49" charset="-122"/>
+              <a:cs typeface="Times New Roman" pitchFamily="18" charset="0"/>
               <a:sym typeface="Wingdings" pitchFamily="2" charset="2"/>
             </a:endParaRPr>
           </a:p>
@@ -14689,7 +14699,7 @@
         </p:nvSpPr>
         <p:spPr bwMode="auto">
           <a:xfrm>
-            <a:off x="4167031" y="3834374"/>
+            <a:off x="4147503" y="4281830"/>
             <a:ext cx="4221393" cy="338554"/>
           </a:xfrm>
           <a:prstGeom prst="rect">
@@ -14747,8 +14757,70 @@
           </p:cNvPicPr>
           <p:nvPr/>
         </p:nvPicPr>
+        <p:blipFill rotWithShape="1">
+          <a:blip r:embed="rId3">
+            <a:extLst>
+              <a:ext uri="{28A0092B-C50C-407E-A947-70E740481C1C}">
+                <a14:useLocalDpi xmlns:a14="http://schemas.microsoft.com/office/drawing/2010/main" val="0"/>
+              </a:ext>
+            </a:extLst>
+          </a:blip>
+          <a:srcRect r="138" b="67685"/>
+          <a:stretch/>
+        </p:blipFill>
+        <p:spPr bwMode="auto">
+          <a:xfrm>
+            <a:off x="471373" y="1556914"/>
+            <a:ext cx="7750235" cy="533144"/>
+          </a:xfrm>
+          <a:prstGeom prst="rect">
+            <a:avLst/>
+          </a:prstGeom>
+          <a:noFill/>
+          <a:ln>
+            <a:noFill/>
+          </a:ln>
+          <a:effectLst/>
+          <a:extLst>
+            <a:ext uri="{909E8E84-426E-40DD-AFC4-6F175D3DCCD1}">
+              <a14:hiddenFill xmlns:a14="http://schemas.microsoft.com/office/drawing/2010/main">
+                <a:solidFill>
+                  <a:schemeClr val="accent1"/>
+                </a:solidFill>
+              </a14:hiddenFill>
+            </a:ext>
+            <a:ext uri="{91240B29-F687-4F45-9708-019B960494DF}">
+              <a14:hiddenLine xmlns:a14="http://schemas.microsoft.com/office/drawing/2010/main" w="9525">
+                <a:solidFill>
+                  <a:schemeClr val="tx1"/>
+                </a:solidFill>
+                <a:miter lim="800000"/>
+                <a:headEnd/>
+                <a:tailEnd/>
+              </a14:hiddenLine>
+            </a:ext>
+            <a:ext uri="{AF507438-7753-43E0-B8FC-AC1667EBCBE1}">
+              <a14:hiddenEffects xmlns:a14="http://schemas.microsoft.com/office/drawing/2010/main">
+                <a:effectLst>
+                  <a:outerShdw dist="35921" dir="2700000" algn="ctr" rotWithShape="0">
+                    <a:schemeClr val="bg2"/>
+                  </a:outerShdw>
+                </a:effectLst>
+              </a14:hiddenEffects>
+            </a:ext>
+          </a:extLst>
+        </p:spPr>
+      </p:pic>
+      <p:pic>
+        <p:nvPicPr>
+          <p:cNvPr id="1026" name="Picture 2"/>
+          <p:cNvPicPr>
+            <a:picLocks noChangeAspect="1" noChangeArrowheads="1"/>
+          </p:cNvPicPr>
+          <p:nvPr/>
+        </p:nvPicPr>
         <p:blipFill>
-          <a:blip r:embed="rId3">
+          <a:blip r:embed="rId4">
             <a:extLst>
               <a:ext uri="{28A0092B-C50C-407E-A947-70E740481C1C}">
                 <a14:useLocalDpi xmlns:a14="http://schemas.microsoft.com/office/drawing/2010/main" val="0"/>
@@ -14762,8 +14834,8 @@
         </p:blipFill>
         <p:spPr bwMode="auto">
           <a:xfrm>
-            <a:off x="471373" y="1556913"/>
-            <a:ext cx="7760940" cy="1649859"/>
+            <a:off x="2699792" y="2260748"/>
+            <a:ext cx="2895423" cy="1744316"/>
           </a:xfrm>
           <a:prstGeom prst="rect">
             <a:avLst/>
@@ -14808,6 +14880,13 @@
   <p:clrMapOvr>
     <a:masterClrMapping/>
   </p:clrMapOvr>
+  <p:timing>
+    <p:tnLst>
+      <p:par>
+        <p:cTn id="1" dur="indefinite" restart="never" nodeType="tmRoot"/>
+      </p:par>
+    </p:tnLst>
+  </p:timing>
 </p:sld>
 </file>
 
@@ -14870,7 +14949,7 @@
           <p:cNvPr id="7" name="标题 3">
             <a:extLst>
               <a:ext uri="{FF2B5EF4-FFF2-40B4-BE49-F238E27FC236}">
-                <a16:creationId xmlns:a16="http://schemas.microsoft.com/office/drawing/2014/main" xmlns="" id="{AAFAD872-B2FF-49B3-BD0A-FEA7C3C937B4}"/>
+                <a16:creationId xmlns="" xmlns:a16="http://schemas.microsoft.com/office/drawing/2014/main" id="{AAFAD872-B2FF-49B3-BD0A-FEA7C3C937B4}"/>
               </a:ext>
             </a:extLst>
           </p:cNvPr>
@@ -14929,7 +15008,7 @@
           <p:cNvPr id="3" name="矩形 2">
             <a:extLst>
               <a:ext uri="{FF2B5EF4-FFF2-40B4-BE49-F238E27FC236}">
-                <a16:creationId xmlns:a16="http://schemas.microsoft.com/office/drawing/2014/main" xmlns="" id="{35A150AD-A0AD-4135-A784-3CB0208945EE}"/>
+                <a16:creationId xmlns="" xmlns:a16="http://schemas.microsoft.com/office/drawing/2014/main" id="{35A150AD-A0AD-4135-A784-3CB0208945EE}"/>
               </a:ext>
             </a:extLst>
           </p:cNvPr>
@@ -15082,7 +15161,7 @@
           <p:cNvPr id="5" name="图片 4">
             <a:extLst>
               <a:ext uri="{FF2B5EF4-FFF2-40B4-BE49-F238E27FC236}">
-                <a16:creationId xmlns:a16="http://schemas.microsoft.com/office/drawing/2014/main" xmlns="" id="{29BFEBA0-D5F9-4FA5-918F-015FB9CAADFA}"/>
+                <a16:creationId xmlns="" xmlns:a16="http://schemas.microsoft.com/office/drawing/2014/main" id="{29BFEBA0-D5F9-4FA5-918F-015FB9CAADFA}"/>
               </a:ext>
             </a:extLst>
           </p:cNvPr>
@@ -15112,7 +15191,7 @@
           <p:cNvPr id="6" name="图片 5">
             <a:extLst>
               <a:ext uri="{FF2B5EF4-FFF2-40B4-BE49-F238E27FC236}">
-                <a16:creationId xmlns:a16="http://schemas.microsoft.com/office/drawing/2014/main" xmlns="" id="{0ED9F71E-71B4-4433-84F2-0DCCCDB62CC3}"/>
+                <a16:creationId xmlns="" xmlns:a16="http://schemas.microsoft.com/office/drawing/2014/main" id="{0ED9F71E-71B4-4433-84F2-0DCCCDB62CC3}"/>
               </a:ext>
             </a:extLst>
           </p:cNvPr>
@@ -15142,7 +15221,7 @@
           <p:cNvPr id="9" name="图片 8">
             <a:extLst>
               <a:ext uri="{FF2B5EF4-FFF2-40B4-BE49-F238E27FC236}">
-                <a16:creationId xmlns:a16="http://schemas.microsoft.com/office/drawing/2014/main" xmlns="" id="{2751DD13-5428-43B2-8702-52F30D1B1744}"/>
+                <a16:creationId xmlns="" xmlns:a16="http://schemas.microsoft.com/office/drawing/2014/main" id="{2751DD13-5428-43B2-8702-52F30D1B1744}"/>
               </a:ext>
             </a:extLst>
           </p:cNvPr>
@@ -15172,7 +15251,7 @@
           <p:cNvPr id="10" name="图片 9">
             <a:extLst>
               <a:ext uri="{FF2B5EF4-FFF2-40B4-BE49-F238E27FC236}">
-                <a16:creationId xmlns:a16="http://schemas.microsoft.com/office/drawing/2014/main" xmlns="" id="{1B5D15C3-22A4-4A71-972B-CC0593F4C3DB}"/>
+                <a16:creationId xmlns="" xmlns:a16="http://schemas.microsoft.com/office/drawing/2014/main" id="{1B5D15C3-22A4-4A71-972B-CC0593F4C3DB}"/>
               </a:ext>
             </a:extLst>
           </p:cNvPr>
@@ -15202,7 +15281,7 @@
           <p:cNvPr id="11" name="图片 10">
             <a:extLst>
               <a:ext uri="{FF2B5EF4-FFF2-40B4-BE49-F238E27FC236}">
-                <a16:creationId xmlns:a16="http://schemas.microsoft.com/office/drawing/2014/main" xmlns="" id="{2C744D10-E16A-4F45-877E-E2388F55AD9E}"/>
+                <a16:creationId xmlns="" xmlns:a16="http://schemas.microsoft.com/office/drawing/2014/main" id="{2C744D10-E16A-4F45-877E-E2388F55AD9E}"/>
               </a:ext>
             </a:extLst>
           </p:cNvPr>
@@ -15232,7 +15311,7 @@
           <p:cNvPr id="13" name="矩形 12">
             <a:extLst>
               <a:ext uri="{FF2B5EF4-FFF2-40B4-BE49-F238E27FC236}">
-                <a16:creationId xmlns:a16="http://schemas.microsoft.com/office/drawing/2014/main" xmlns="" id="{C901DBC9-7A63-4ABE-B557-8F89F392E3DF}"/>
+                <a16:creationId xmlns="" xmlns:a16="http://schemas.microsoft.com/office/drawing/2014/main" id="{C901DBC9-7A63-4ABE-B557-8F89F392E3DF}"/>
               </a:ext>
             </a:extLst>
           </p:cNvPr>
@@ -15300,7 +15379,7 @@
           <p:cNvPr id="14" name="矩形 13">
             <a:extLst>
               <a:ext uri="{FF2B5EF4-FFF2-40B4-BE49-F238E27FC236}">
-                <a16:creationId xmlns:a16="http://schemas.microsoft.com/office/drawing/2014/main" xmlns="" id="{2BE8B244-BA20-410C-9401-2789008B963A}"/>
+                <a16:creationId xmlns="" xmlns:a16="http://schemas.microsoft.com/office/drawing/2014/main" id="{2BE8B244-BA20-410C-9401-2789008B963A}"/>
               </a:ext>
             </a:extLst>
           </p:cNvPr>
@@ -15370,7 +15449,7 @@
               <p:cNvPr id="20" name="文本框 3">
                 <a:extLst>
                   <a:ext uri="{FF2B5EF4-FFF2-40B4-BE49-F238E27FC236}">
-                    <a16:creationId xmlns:a16="http://schemas.microsoft.com/office/drawing/2014/main" xmlns="" id="{E571047C-CBE4-4F35-B9FF-4C841093AD8E}"/>
+                    <a16:creationId xmlns="" xmlns:a16="http://schemas.microsoft.com/office/drawing/2014/main" id="{E571047C-CBE4-4F35-B9FF-4C841093AD8E}"/>
                   </a:ext>
                 </a:extLst>
               </p:cNvPr>
@@ -16010,7 +16089,7 @@
           <p:cNvPr id="15" name="图片 14">
             <a:extLst>
               <a:ext uri="{FF2B5EF4-FFF2-40B4-BE49-F238E27FC236}">
-                <a16:creationId xmlns:a16="http://schemas.microsoft.com/office/drawing/2014/main" xmlns="" id="{BEF4B279-AF0D-4902-87E8-695DBACEE1A0}"/>
+                <a16:creationId xmlns="" xmlns:a16="http://schemas.microsoft.com/office/drawing/2014/main" id="{BEF4B279-AF0D-4902-87E8-695DBACEE1A0}"/>
               </a:ext>
             </a:extLst>
           </p:cNvPr>
@@ -16188,7 +16267,7 @@
           <p:cNvPr id="7" name="标题 3">
             <a:extLst>
               <a:ext uri="{FF2B5EF4-FFF2-40B4-BE49-F238E27FC236}">
-                <a16:creationId xmlns:a16="http://schemas.microsoft.com/office/drawing/2014/main" xmlns="" id="{AAFAD872-B2FF-49B3-BD0A-FEA7C3C937B4}"/>
+                <a16:creationId xmlns="" xmlns:a16="http://schemas.microsoft.com/office/drawing/2014/main" id="{AAFAD872-B2FF-49B3-BD0A-FEA7C3C937B4}"/>
               </a:ext>
             </a:extLst>
           </p:cNvPr>
@@ -16247,7 +16326,7 @@
           <p:cNvPr id="12" name="Rectangle 17">
             <a:extLst>
               <a:ext uri="{FF2B5EF4-FFF2-40B4-BE49-F238E27FC236}">
-                <a16:creationId xmlns:a16="http://schemas.microsoft.com/office/drawing/2014/main" xmlns="" id="{9EDDFDB7-7085-4A03-A70A-E39BB6C14A26}"/>
+                <a16:creationId xmlns="" xmlns:a16="http://schemas.microsoft.com/office/drawing/2014/main" id="{9EDDFDB7-7085-4A03-A70A-E39BB6C14A26}"/>
               </a:ext>
             </a:extLst>
           </p:cNvPr>
@@ -16440,7 +16519,7 @@
           <p:cNvPr id="2" name="矩形 1">
             <a:extLst>
               <a:ext uri="{FF2B5EF4-FFF2-40B4-BE49-F238E27FC236}">
-                <a16:creationId xmlns:a16="http://schemas.microsoft.com/office/drawing/2014/main" xmlns="" id="{15F4509F-9EAC-40C8-AEE0-A3C55E1366FF}"/>
+                <a16:creationId xmlns="" xmlns:a16="http://schemas.microsoft.com/office/drawing/2014/main" id="{15F4509F-9EAC-40C8-AEE0-A3C55E1366FF}"/>
               </a:ext>
             </a:extLst>
           </p:cNvPr>
@@ -16520,7 +16599,7 @@
           <p:cNvPr id="15" name="Rectangle 17">
             <a:extLst>
               <a:ext uri="{FF2B5EF4-FFF2-40B4-BE49-F238E27FC236}">
-                <a16:creationId xmlns:a16="http://schemas.microsoft.com/office/drawing/2014/main" xmlns="" id="{D80FEA11-245F-4E2D-BAC9-4478938D8A9A}"/>
+                <a16:creationId xmlns="" xmlns:a16="http://schemas.microsoft.com/office/drawing/2014/main" id="{D80FEA11-245F-4E2D-BAC9-4478938D8A9A}"/>
               </a:ext>
             </a:extLst>
           </p:cNvPr>
@@ -16862,7 +16941,7 @@
           <p:cNvPr id="15" name="标题 3">
             <a:extLst>
               <a:ext uri="{FF2B5EF4-FFF2-40B4-BE49-F238E27FC236}">
-                <a16:creationId xmlns:a16="http://schemas.microsoft.com/office/drawing/2014/main" xmlns="" id="{F68BA453-3377-4256-A938-E7CF0F36192B}"/>
+                <a16:creationId xmlns="" xmlns:a16="http://schemas.microsoft.com/office/drawing/2014/main" id="{F68BA453-3377-4256-A938-E7CF0F36192B}"/>
               </a:ext>
             </a:extLst>
           </p:cNvPr>
@@ -16915,7 +16994,7 @@
           <p:cNvPr id="5" name="TextBox 16">
             <a:extLst>
               <a:ext uri="{FF2B5EF4-FFF2-40B4-BE49-F238E27FC236}">
-                <a16:creationId xmlns:a16="http://schemas.microsoft.com/office/drawing/2014/main" xmlns="" id="{B838591C-0CB1-49DD-9C4F-1592AE0331C6}"/>
+                <a16:creationId xmlns="" xmlns:a16="http://schemas.microsoft.com/office/drawing/2014/main" id="{B838591C-0CB1-49DD-9C4F-1592AE0331C6}"/>
               </a:ext>
             </a:extLst>
           </p:cNvPr>
@@ -16988,7 +17067,7 @@
           <p:cNvPr id="2" name="图片 1">
             <a:extLst>
               <a:ext uri="{FF2B5EF4-FFF2-40B4-BE49-F238E27FC236}">
-                <a16:creationId xmlns:a16="http://schemas.microsoft.com/office/drawing/2014/main" xmlns="" id="{5EE879CE-5704-44C7-B79C-F632DBDCA411}"/>
+                <a16:creationId xmlns="" xmlns:a16="http://schemas.microsoft.com/office/drawing/2014/main" id="{5EE879CE-5704-44C7-B79C-F632DBDCA411}"/>
               </a:ext>
             </a:extLst>
           </p:cNvPr>
@@ -17085,7 +17164,7 @@
           <p:cNvPr id="15" name="标题 3">
             <a:extLst>
               <a:ext uri="{FF2B5EF4-FFF2-40B4-BE49-F238E27FC236}">
-                <a16:creationId xmlns:a16="http://schemas.microsoft.com/office/drawing/2014/main" xmlns="" id="{F68BA453-3377-4256-A938-E7CF0F36192B}"/>
+                <a16:creationId xmlns="" xmlns:a16="http://schemas.microsoft.com/office/drawing/2014/main" id="{F68BA453-3377-4256-A938-E7CF0F36192B}"/>
               </a:ext>
             </a:extLst>
           </p:cNvPr>
@@ -17138,7 +17217,7 @@
           <p:cNvPr id="4" name="TextBox 16">
             <a:extLst>
               <a:ext uri="{FF2B5EF4-FFF2-40B4-BE49-F238E27FC236}">
-                <a16:creationId xmlns:a16="http://schemas.microsoft.com/office/drawing/2014/main" xmlns="" id="{DF9522B2-B195-4EA2-8FD9-1D8D6A22AD62}"/>
+                <a16:creationId xmlns="" xmlns:a16="http://schemas.microsoft.com/office/drawing/2014/main" id="{DF9522B2-B195-4EA2-8FD9-1D8D6A22AD62}"/>
               </a:ext>
             </a:extLst>
           </p:cNvPr>
@@ -17212,7 +17291,7 @@
           <p:cNvPr id="2" name="图片 1">
             <a:extLst>
               <a:ext uri="{FF2B5EF4-FFF2-40B4-BE49-F238E27FC236}">
-                <a16:creationId xmlns:a16="http://schemas.microsoft.com/office/drawing/2014/main" xmlns="" id="{03CC841E-159F-449F-A0E9-50E1E50DC668}"/>
+                <a16:creationId xmlns="" xmlns:a16="http://schemas.microsoft.com/office/drawing/2014/main" id="{03CC841E-159F-449F-A0E9-50E1E50DC668}"/>
               </a:ext>
             </a:extLst>
           </p:cNvPr>
@@ -17272,7 +17351,7 @@
           <p:cNvPr id="3" name="图片 2">
             <a:extLst>
               <a:ext uri="{FF2B5EF4-FFF2-40B4-BE49-F238E27FC236}">
-                <a16:creationId xmlns:a16="http://schemas.microsoft.com/office/drawing/2014/main" xmlns="" id="{BA55013D-10D4-4405-B570-0F48603A56DC}"/>
+                <a16:creationId xmlns="" xmlns:a16="http://schemas.microsoft.com/office/drawing/2014/main" id="{BA55013D-10D4-4405-B570-0F48603A56DC}"/>
               </a:ext>
             </a:extLst>
           </p:cNvPr>
@@ -17339,7 +17418,7 @@
           <p:cNvPr id="15" name="标题 3">
             <a:extLst>
               <a:ext uri="{FF2B5EF4-FFF2-40B4-BE49-F238E27FC236}">
-                <a16:creationId xmlns:a16="http://schemas.microsoft.com/office/drawing/2014/main" xmlns="" id="{F68BA453-3377-4256-A938-E7CF0F36192B}"/>
+                <a16:creationId xmlns="" xmlns:a16="http://schemas.microsoft.com/office/drawing/2014/main" id="{F68BA453-3377-4256-A938-E7CF0F36192B}"/>
               </a:ext>
             </a:extLst>
           </p:cNvPr>
@@ -17392,7 +17471,7 @@
           <p:cNvPr id="6" name="TextBox 16">
             <a:extLst>
               <a:ext uri="{FF2B5EF4-FFF2-40B4-BE49-F238E27FC236}">
-                <a16:creationId xmlns:a16="http://schemas.microsoft.com/office/drawing/2014/main" xmlns="" id="{EF88109A-EB66-41CC-84D1-40253C0A25FA}"/>
+                <a16:creationId xmlns="" xmlns:a16="http://schemas.microsoft.com/office/drawing/2014/main" id="{EF88109A-EB66-41CC-84D1-40253C0A25FA}"/>
               </a:ext>
             </a:extLst>
           </p:cNvPr>
@@ -17496,7 +17575,7 @@
           <p:cNvPr id="2" name="图片 1">
             <a:extLst>
               <a:ext uri="{FF2B5EF4-FFF2-40B4-BE49-F238E27FC236}">
-                <a16:creationId xmlns:a16="http://schemas.microsoft.com/office/drawing/2014/main" xmlns="" id="{753A40AA-FE46-48A5-988B-B732F54A75E3}"/>
+                <a16:creationId xmlns="" xmlns:a16="http://schemas.microsoft.com/office/drawing/2014/main" id="{753A40AA-FE46-48A5-988B-B732F54A75E3}"/>
               </a:ext>
             </a:extLst>
           </p:cNvPr>
@@ -17563,7 +17642,7 @@
           <p:cNvPr id="15" name="标题 3">
             <a:extLst>
               <a:ext uri="{FF2B5EF4-FFF2-40B4-BE49-F238E27FC236}">
-                <a16:creationId xmlns:a16="http://schemas.microsoft.com/office/drawing/2014/main" xmlns="" id="{F68BA453-3377-4256-A938-E7CF0F36192B}"/>
+                <a16:creationId xmlns="" xmlns:a16="http://schemas.microsoft.com/office/drawing/2014/main" id="{F68BA453-3377-4256-A938-E7CF0F36192B}"/>
               </a:ext>
             </a:extLst>
           </p:cNvPr>
@@ -17616,7 +17695,7 @@
           <p:cNvPr id="7" name="TextBox 16">
             <a:extLst>
               <a:ext uri="{FF2B5EF4-FFF2-40B4-BE49-F238E27FC236}">
-                <a16:creationId xmlns:a16="http://schemas.microsoft.com/office/drawing/2014/main" xmlns="" id="{EC28C2B4-1861-4967-A78B-CC234E008A94}"/>
+                <a16:creationId xmlns="" xmlns:a16="http://schemas.microsoft.com/office/drawing/2014/main" id="{EC28C2B4-1861-4967-A78B-CC234E008A94}"/>
               </a:ext>
             </a:extLst>
           </p:cNvPr>
@@ -17749,7 +17828,7 @@
           <p:cNvPr id="15" name="标题 3">
             <a:extLst>
               <a:ext uri="{FF2B5EF4-FFF2-40B4-BE49-F238E27FC236}">
-                <a16:creationId xmlns:a16="http://schemas.microsoft.com/office/drawing/2014/main" xmlns="" id="{F68BA453-3377-4256-A938-E7CF0F36192B}"/>
+                <a16:creationId xmlns="" xmlns:a16="http://schemas.microsoft.com/office/drawing/2014/main" id="{F68BA453-3377-4256-A938-E7CF0F36192B}"/>
               </a:ext>
             </a:extLst>
           </p:cNvPr>
@@ -17802,7 +17881,7 @@
           <p:cNvPr id="9" name="TextBox 16">
             <a:extLst>
               <a:ext uri="{FF2B5EF4-FFF2-40B4-BE49-F238E27FC236}">
-                <a16:creationId xmlns:a16="http://schemas.microsoft.com/office/drawing/2014/main" xmlns="" id="{D5617185-F20C-4289-87BB-94CEDC0F5226}"/>
+                <a16:creationId xmlns="" xmlns:a16="http://schemas.microsoft.com/office/drawing/2014/main" id="{D5617185-F20C-4289-87BB-94CEDC0F5226}"/>
               </a:ext>
             </a:extLst>
           </p:cNvPr>
@@ -17874,7 +17953,7 @@
           <p:cNvPr id="3" name="图片 2">
             <a:extLst>
               <a:ext uri="{FF2B5EF4-FFF2-40B4-BE49-F238E27FC236}">
-                <a16:creationId xmlns:a16="http://schemas.microsoft.com/office/drawing/2014/main" xmlns="" id="{5C2AA254-7573-420C-AC08-FC3EE6BC7AC4}"/>
+                <a16:creationId xmlns="" xmlns:a16="http://schemas.microsoft.com/office/drawing/2014/main" id="{5C2AA254-7573-420C-AC08-FC3EE6BC7AC4}"/>
               </a:ext>
             </a:extLst>
           </p:cNvPr>
@@ -17971,7 +18050,7 @@
           <p:cNvPr id="15" name="标题 3">
             <a:extLst>
               <a:ext uri="{FF2B5EF4-FFF2-40B4-BE49-F238E27FC236}">
-                <a16:creationId xmlns:a16="http://schemas.microsoft.com/office/drawing/2014/main" xmlns="" id="{F68BA453-3377-4256-A938-E7CF0F36192B}"/>
+                <a16:creationId xmlns="" xmlns:a16="http://schemas.microsoft.com/office/drawing/2014/main" id="{F68BA453-3377-4256-A938-E7CF0F36192B}"/>
               </a:ext>
             </a:extLst>
           </p:cNvPr>
@@ -18022,7 +18101,7 @@
           <p:cNvPr id="9" name="TextBox 16">
             <a:extLst>
               <a:ext uri="{FF2B5EF4-FFF2-40B4-BE49-F238E27FC236}">
-                <a16:creationId xmlns:a16="http://schemas.microsoft.com/office/drawing/2014/main" xmlns="" id="{D5617185-F20C-4289-87BB-94CEDC0F5226}"/>
+                <a16:creationId xmlns="" xmlns:a16="http://schemas.microsoft.com/office/drawing/2014/main" id="{D5617185-F20C-4289-87BB-94CEDC0F5226}"/>
               </a:ext>
             </a:extLst>
           </p:cNvPr>
@@ -18094,7 +18173,7 @@
           <p:cNvPr id="2" name="图片 1">
             <a:extLst>
               <a:ext uri="{FF2B5EF4-FFF2-40B4-BE49-F238E27FC236}">
-                <a16:creationId xmlns:a16="http://schemas.microsoft.com/office/drawing/2014/main" xmlns="" id="{B23F19BE-60E5-4629-8453-9EAB2BF90829}"/>
+                <a16:creationId xmlns="" xmlns:a16="http://schemas.microsoft.com/office/drawing/2014/main" id="{B23F19BE-60E5-4629-8453-9EAB2BF90829}"/>
               </a:ext>
             </a:extLst>
           </p:cNvPr>
@@ -18124,7 +18203,7 @@
           <p:cNvPr id="4" name="矩形 3">
             <a:extLst>
               <a:ext uri="{FF2B5EF4-FFF2-40B4-BE49-F238E27FC236}">
-                <a16:creationId xmlns:a16="http://schemas.microsoft.com/office/drawing/2014/main" xmlns="" id="{CB5BEAF9-C9CC-416F-92D0-3015F04A3871}"/>
+                <a16:creationId xmlns="" xmlns:a16="http://schemas.microsoft.com/office/drawing/2014/main" id="{CB5BEAF9-C9CC-416F-92D0-3015F04A3871}"/>
               </a:ext>
             </a:extLst>
           </p:cNvPr>
@@ -18168,7 +18247,7 @@
           <p:cNvPr id="5" name="矩形 4">
             <a:extLst>
               <a:ext uri="{FF2B5EF4-FFF2-40B4-BE49-F238E27FC236}">
-                <a16:creationId xmlns:a16="http://schemas.microsoft.com/office/drawing/2014/main" xmlns="" id="{2C8D109B-AC18-4E2F-A622-F69E07C53A04}"/>
+                <a16:creationId xmlns="" xmlns:a16="http://schemas.microsoft.com/office/drawing/2014/main" id="{2C8D109B-AC18-4E2F-A622-F69E07C53A04}"/>
               </a:ext>
             </a:extLst>
           </p:cNvPr>
@@ -18333,7 +18412,7 @@
           <p:cNvPr id="15" name="标题 3">
             <a:extLst>
               <a:ext uri="{FF2B5EF4-FFF2-40B4-BE49-F238E27FC236}">
-                <a16:creationId xmlns:a16="http://schemas.microsoft.com/office/drawing/2014/main" xmlns="" id="{F68BA453-3377-4256-A938-E7CF0F36192B}"/>
+                <a16:creationId xmlns="" xmlns:a16="http://schemas.microsoft.com/office/drawing/2014/main" id="{F68BA453-3377-4256-A938-E7CF0F36192B}"/>
               </a:ext>
             </a:extLst>
           </p:cNvPr>
@@ -18384,7 +18463,7 @@
           <p:cNvPr id="5" name="TextBox 16">
             <a:extLst>
               <a:ext uri="{FF2B5EF4-FFF2-40B4-BE49-F238E27FC236}">
-                <a16:creationId xmlns:a16="http://schemas.microsoft.com/office/drawing/2014/main" xmlns="" id="{7933C8E7-0B0C-4F30-8E36-4CA6D4717E20}"/>
+                <a16:creationId xmlns="" xmlns:a16="http://schemas.microsoft.com/office/drawing/2014/main" id="{7933C8E7-0B0C-4F30-8E36-4CA6D4717E20}"/>
               </a:ext>
             </a:extLst>
           </p:cNvPr>
@@ -18450,7 +18529,7 @@
           <p:cNvPr id="3" name="图片 2">
             <a:extLst>
               <a:ext uri="{FF2B5EF4-FFF2-40B4-BE49-F238E27FC236}">
-                <a16:creationId xmlns:a16="http://schemas.microsoft.com/office/drawing/2014/main" xmlns="" id="{E62885FA-2C3A-41D4-B747-4D5A396D79E7}"/>
+                <a16:creationId xmlns="" xmlns:a16="http://schemas.microsoft.com/office/drawing/2014/main" id="{E62885FA-2C3A-41D4-B747-4D5A396D79E7}"/>
               </a:ext>
             </a:extLst>
           </p:cNvPr>
@@ -18480,7 +18559,7 @@
           <p:cNvPr id="4" name="矩形 3">
             <a:extLst>
               <a:ext uri="{FF2B5EF4-FFF2-40B4-BE49-F238E27FC236}">
-                <a16:creationId xmlns:a16="http://schemas.microsoft.com/office/drawing/2014/main" xmlns="" id="{98DB3250-0E34-4CD9-9E6F-61D26A2D49C7}"/>
+                <a16:creationId xmlns="" xmlns:a16="http://schemas.microsoft.com/office/drawing/2014/main" id="{98DB3250-0E34-4CD9-9E6F-61D26A2D49C7}"/>
               </a:ext>
             </a:extLst>
           </p:cNvPr>
@@ -18524,7 +18603,7 @@
           <p:cNvPr id="6" name="图片 5">
             <a:extLst>
               <a:ext uri="{FF2B5EF4-FFF2-40B4-BE49-F238E27FC236}">
-                <a16:creationId xmlns:a16="http://schemas.microsoft.com/office/drawing/2014/main" xmlns="" id="{271B65B9-DAE2-4416-A1CA-568123FC1019}"/>
+                <a16:creationId xmlns="" xmlns:a16="http://schemas.microsoft.com/office/drawing/2014/main" id="{271B65B9-DAE2-4416-A1CA-568123FC1019}"/>
               </a:ext>
             </a:extLst>
           </p:cNvPr>
@@ -18554,7 +18633,7 @@
           <p:cNvPr id="9" name="矩形 8">
             <a:extLst>
               <a:ext uri="{FF2B5EF4-FFF2-40B4-BE49-F238E27FC236}">
-                <a16:creationId xmlns:a16="http://schemas.microsoft.com/office/drawing/2014/main" xmlns="" id="{969B001B-5F55-4FA2-BC76-B9AC24825CB2}"/>
+                <a16:creationId xmlns="" xmlns:a16="http://schemas.microsoft.com/office/drawing/2014/main" id="{969B001B-5F55-4FA2-BC76-B9AC24825CB2}"/>
               </a:ext>
             </a:extLst>
           </p:cNvPr>
@@ -18656,7 +18735,7 @@
           <p:cNvPr id="15" name="标题 3">
             <a:extLst>
               <a:ext uri="{FF2B5EF4-FFF2-40B4-BE49-F238E27FC236}">
-                <a16:creationId xmlns:a16="http://schemas.microsoft.com/office/drawing/2014/main" xmlns="" id="{F68BA453-3377-4256-A938-E7CF0F36192B}"/>
+                <a16:creationId xmlns="" xmlns:a16="http://schemas.microsoft.com/office/drawing/2014/main" id="{F68BA453-3377-4256-A938-E7CF0F36192B}"/>
               </a:ext>
             </a:extLst>
           </p:cNvPr>
@@ -18709,7 +18788,7 @@
           <p:cNvPr id="2" name="图片 1">
             <a:extLst>
               <a:ext uri="{FF2B5EF4-FFF2-40B4-BE49-F238E27FC236}">
-                <a16:creationId xmlns:a16="http://schemas.microsoft.com/office/drawing/2014/main" xmlns="" id="{9DBED304-291B-45FA-AF51-1C43BFDE08D0}"/>
+                <a16:creationId xmlns="" xmlns:a16="http://schemas.microsoft.com/office/drawing/2014/main" id="{9DBED304-291B-45FA-AF51-1C43BFDE08D0}"/>
               </a:ext>
             </a:extLst>
           </p:cNvPr>
@@ -18853,7 +18932,7 @@
           <p:cNvPr id="14" name="TextBox 16">
             <a:extLst>
               <a:ext uri="{FF2B5EF4-FFF2-40B4-BE49-F238E27FC236}">
-                <a16:creationId xmlns:a16="http://schemas.microsoft.com/office/drawing/2014/main" xmlns="" id="{9B1E28E6-FF69-463D-8EDA-9E844B7A2F1D}"/>
+                <a16:creationId xmlns="" xmlns:a16="http://schemas.microsoft.com/office/drawing/2014/main" id="{9B1E28E6-FF69-463D-8EDA-9E844B7A2F1D}"/>
               </a:ext>
             </a:extLst>
           </p:cNvPr>
@@ -18886,34 +18965,16 @@
           <a:lstStyle/>
           <a:p>
             <a:r>
-              <a:rPr lang="en-US" altLang="zh-CN" sz="2000" b="1" dirty="0">
+              <a:rPr lang="en-US" altLang="zh-CN" sz="2000" b="1" dirty="0" smtClean="0">
                 <a:latin typeface="Times New Roman" panose="02020603050405020304" pitchFamily="18" charset="0"/>
                 <a:ea typeface="楷体" pitchFamily="49" charset="-122"/>
                 <a:cs typeface="Times New Roman" panose="02020603050405020304" pitchFamily="18" charset="0"/>
                 <a:sym typeface="MoolBoran" pitchFamily="34" charset="0"/>
               </a:rPr>
-              <a:t>Main</a:t>
-            </a:r>
-            <a:r>
-              <a:rPr lang="zh-CN" altLang="en-US" sz="2000" b="1" dirty="0">
-                <a:latin typeface="Times New Roman" panose="02020603050405020304" pitchFamily="18" charset="0"/>
-                <a:ea typeface="楷体" pitchFamily="49" charset="-122"/>
-                <a:cs typeface="Times New Roman" panose="02020603050405020304" pitchFamily="18" charset="0"/>
-                <a:sym typeface="MoolBoran" pitchFamily="34" charset="0"/>
-              </a:rPr>
-              <a:t> </a:t>
-            </a:r>
-            <a:r>
-              <a:rPr lang="en-US" altLang="zh-CN" sz="2000" b="1" dirty="0">
-                <a:latin typeface="Times New Roman" panose="02020603050405020304" pitchFamily="18" charset="0"/>
-                <a:ea typeface="楷体" pitchFamily="49" charset="-122"/>
-                <a:cs typeface="Times New Roman" panose="02020603050405020304" pitchFamily="18" charset="0"/>
-                <a:sym typeface="MoolBoran" pitchFamily="34" charset="0"/>
-              </a:rPr>
-              <a:t>idea: </a:t>
-            </a:r>
-            <a:r>
-              <a:rPr lang="en-US" altLang="zh-CN" sz="2000" b="1" dirty="0">
+              <a:t>Advantages: </a:t>
+            </a:r>
+            <a:r>
+              <a:rPr lang="en-US" altLang="zh-CN" sz="2000" b="1" dirty="0" smtClean="0">
                 <a:solidFill>
                   <a:schemeClr val="accent5">
                     <a:lumMod val="75000"/>
@@ -18923,31 +18984,7 @@
                 <a:ea typeface="楷体" pitchFamily="49" charset="-122"/>
                 <a:cs typeface="Times New Roman" panose="02020603050405020304" pitchFamily="18" charset="0"/>
               </a:rPr>
-              <a:t>find </a:t>
-            </a:r>
-            <a:r>
-              <a:rPr lang="en-US" altLang="zh-CN" sz="2000" b="1" dirty="0">
-                <a:solidFill>
-                  <a:srgbClr val="FF0000"/>
-                </a:solidFill>
-                <a:latin typeface="Times New Roman" panose="02020603050405020304" pitchFamily="18" charset="0"/>
-                <a:ea typeface="楷体" pitchFamily="49" charset="-122"/>
-                <a:cs typeface="Times New Roman" panose="02020603050405020304" pitchFamily="18" charset="0"/>
-              </a:rPr>
-              <a:t>region-level correspondences </a:t>
-            </a:r>
-            <a:r>
-              <a:rPr lang="en-US" altLang="zh-CN" sz="2000" b="1" dirty="0">
-                <a:solidFill>
-                  <a:schemeClr val="accent5">
-                    <a:lumMod val="75000"/>
-                  </a:schemeClr>
-                </a:solidFill>
-                <a:latin typeface="Times New Roman" panose="02020603050405020304" pitchFamily="18" charset="0"/>
-                <a:ea typeface="楷体" pitchFamily="49" charset="-122"/>
-                <a:cs typeface="Times New Roman" panose="02020603050405020304" pitchFamily="18" charset="0"/>
-              </a:rPr>
-              <a:t>between shapes </a:t>
+              <a:t>Robust,  easy to implement and parallelize</a:t>
             </a:r>
             <a:endParaRPr lang="en-US" altLang="zh-CN" sz="2000" b="1" dirty="0">
               <a:solidFill>
@@ -18963,42 +19000,12 @@
           </a:p>
         </p:txBody>
       </p:sp>
-      <p:pic>
-        <p:nvPicPr>
-          <p:cNvPr id="2" name="图片 1">
-            <a:extLst>
-              <a:ext uri="{FF2B5EF4-FFF2-40B4-BE49-F238E27FC236}">
-                <a16:creationId xmlns:a16="http://schemas.microsoft.com/office/drawing/2014/main" xmlns="" id="{61C983D5-9911-4571-B63C-B898FA686271}"/>
-              </a:ext>
-            </a:extLst>
-          </p:cNvPr>
-          <p:cNvPicPr>
-            <a:picLocks noChangeAspect="1"/>
-          </p:cNvPicPr>
-          <p:nvPr/>
-        </p:nvPicPr>
-        <p:blipFill>
-          <a:blip r:embed="rId2"/>
-          <a:stretch>
-            <a:fillRect/>
-          </a:stretch>
-        </p:blipFill>
-        <p:spPr>
-          <a:xfrm>
-            <a:off x="1043608" y="1452846"/>
-            <a:ext cx="6336704" cy="4157592"/>
-          </a:xfrm>
-          <a:prstGeom prst="rect">
-            <a:avLst/>
-          </a:prstGeom>
-        </p:spPr>
-      </p:pic>
       <p:sp>
         <p:nvSpPr>
           <p:cNvPr id="8" name="TextBox 16">
             <a:extLst>
               <a:ext uri="{FF2B5EF4-FFF2-40B4-BE49-F238E27FC236}">
-                <a16:creationId xmlns:a16="http://schemas.microsoft.com/office/drawing/2014/main" xmlns="" id="{4C2282F9-32D3-4CE5-8838-A48B6F8A48B8}"/>
+                <a16:creationId xmlns="" xmlns:a16="http://schemas.microsoft.com/office/drawing/2014/main" id="{4C2282F9-32D3-4CE5-8838-A48B6F8A48B8}"/>
               </a:ext>
             </a:extLst>
           </p:cNvPr>
@@ -19010,7 +19017,7 @@
         <p:spPr bwMode="auto">
           <a:xfrm>
             <a:off x="430828" y="5440540"/>
-            <a:ext cx="6949484" cy="1142429"/>
+            <a:ext cx="6949484" cy="1246495"/>
           </a:xfrm>
           <a:prstGeom prst="rect">
             <a:avLst/>
@@ -19054,15 +19061,14 @@
               <a:buChar char="Ø"/>
             </a:pPr>
             <a:r>
-              <a:rPr lang="en-US" altLang="zh-CN" dirty="0"/>
-              <a:t>constraints to point-to-point maps</a:t>
+              <a:rPr lang="en-US" altLang="zh-CN" sz="2000" b="1" dirty="0" smtClean="0">
+                <a:latin typeface="Times New Roman" panose="02020603050405020304" pitchFamily="18" charset="0"/>
+                <a:ea typeface="楷体" pitchFamily="49" charset="-122"/>
+                <a:cs typeface="Times New Roman" panose="02020603050405020304" pitchFamily="18" charset="0"/>
+              </a:rPr>
+              <a:t>3D Reconstruction</a:t>
             </a:r>
             <a:endParaRPr lang="en-US" altLang="zh-CN" sz="2000" b="1" dirty="0">
-              <a:solidFill>
-                <a:schemeClr val="accent5">
-                  <a:lumMod val="75000"/>
-                </a:schemeClr>
-              </a:solidFill>
               <a:latin typeface="Times New Roman" panose="02020603050405020304" pitchFamily="18" charset="0"/>
               <a:ea typeface="楷体" pitchFamily="49" charset="-122"/>
               <a:cs typeface="Times New Roman" panose="02020603050405020304" pitchFamily="18" charset="0"/>
@@ -19077,17 +19083,93 @@
               <a:buChar char="Ø"/>
             </a:pPr>
             <a:r>
-              <a:rPr lang="en-US" altLang="zh-CN" dirty="0"/>
-              <a:t>identify parts that do not have a match across shapes </a:t>
-            </a:r>
+              <a:rPr lang="en-US" altLang="zh-CN" sz="2000" b="1" dirty="0" smtClean="0">
+                <a:latin typeface="Times New Roman" panose="02020603050405020304" pitchFamily="18" charset="0"/>
+                <a:ea typeface="楷体" pitchFamily="49" charset="-122"/>
+                <a:cs typeface="Times New Roman" panose="02020603050405020304" pitchFamily="18" charset="0"/>
+              </a:rPr>
+              <a:t>Automatic Object Detection</a:t>
+            </a:r>
+            <a:endParaRPr lang="en-US" altLang="zh-CN" dirty="0"/>
           </a:p>
         </p:txBody>
       </p:sp>
+      <p:pic>
+        <p:nvPicPr>
+          <p:cNvPr id="2050" name="Picture 2"/>
+          <p:cNvPicPr>
+            <a:picLocks noChangeAspect="1" noChangeArrowheads="1"/>
+          </p:cNvPicPr>
+          <p:nvPr/>
+        </p:nvPicPr>
+        <p:blipFill>
+          <a:blip r:embed="rId2">
+            <a:extLst>
+              <a:ext uri="{28A0092B-C50C-407E-A947-70E740481C1C}">
+                <a14:useLocalDpi xmlns:a14="http://schemas.microsoft.com/office/drawing/2010/main" val="0"/>
+              </a:ext>
+            </a:extLst>
+          </a:blip>
+          <a:srcRect/>
+          <a:stretch>
+            <a:fillRect/>
+          </a:stretch>
+        </p:blipFill>
+        <p:spPr bwMode="auto">
+          <a:xfrm>
+            <a:off x="522696" y="1628800"/>
+            <a:ext cx="8029255" cy="3646166"/>
+          </a:xfrm>
+          <a:prstGeom prst="rect">
+            <a:avLst/>
+          </a:prstGeom>
+          <a:noFill/>
+          <a:ln>
+            <a:noFill/>
+          </a:ln>
+          <a:effectLst/>
+          <a:extLst>
+            <a:ext uri="{909E8E84-426E-40DD-AFC4-6F175D3DCCD1}">
+              <a14:hiddenFill xmlns:a14="http://schemas.microsoft.com/office/drawing/2010/main">
+                <a:solidFill>
+                  <a:schemeClr val="accent1"/>
+                </a:solidFill>
+              </a14:hiddenFill>
+            </a:ext>
+            <a:ext uri="{91240B29-F687-4F45-9708-019B960494DF}">
+              <a14:hiddenLine xmlns:a14="http://schemas.microsoft.com/office/drawing/2010/main" w="9525">
+                <a:solidFill>
+                  <a:schemeClr val="tx1"/>
+                </a:solidFill>
+                <a:miter lim="800000"/>
+                <a:headEnd/>
+                <a:tailEnd/>
+              </a14:hiddenLine>
+            </a:ext>
+            <a:ext uri="{AF507438-7753-43E0-B8FC-AC1667EBCBE1}">
+              <a14:hiddenEffects xmlns:a14="http://schemas.microsoft.com/office/drawing/2010/main">
+                <a:effectLst>
+                  <a:outerShdw dist="35921" dir="2700000" algn="ctr" rotWithShape="0">
+                    <a:schemeClr val="bg2"/>
+                  </a:outerShdw>
+                </a:effectLst>
+              </a14:hiddenEffects>
+            </a:ext>
+          </a:extLst>
+        </p:spPr>
+      </p:pic>
     </p:spTree>
   </p:cSld>
   <p:clrMapOvr>
     <a:masterClrMapping/>
   </p:clrMapOvr>
+  <p:timing>
+    <p:tnLst>
+      <p:par>
+        <p:cTn id="1" dur="indefinite" restart="never" nodeType="tmRoot"/>
+      </p:par>
+    </p:tnLst>
+  </p:timing>
 </p:sld>
 </file>
 
@@ -19150,7 +19232,7 @@
           <p:cNvPr id="15" name="标题 3">
             <a:extLst>
               <a:ext uri="{FF2B5EF4-FFF2-40B4-BE49-F238E27FC236}">
-                <a16:creationId xmlns:a16="http://schemas.microsoft.com/office/drawing/2014/main" xmlns="" id="{F68BA453-3377-4256-A938-E7CF0F36192B}"/>
+                <a16:creationId xmlns="" xmlns:a16="http://schemas.microsoft.com/office/drawing/2014/main" id="{F68BA453-3377-4256-A938-E7CF0F36192B}"/>
               </a:ext>
             </a:extLst>
           </p:cNvPr>
@@ -19207,7 +19289,7 @@
           <p:cNvPr id="5" name="TextBox 16">
             <a:extLst>
               <a:ext uri="{FF2B5EF4-FFF2-40B4-BE49-F238E27FC236}">
-                <a16:creationId xmlns:a16="http://schemas.microsoft.com/office/drawing/2014/main" xmlns="" id="{DEDB19A1-0490-463A-9A9E-10132D9DF7E3}"/>
+                <a16:creationId xmlns="" xmlns:a16="http://schemas.microsoft.com/office/drawing/2014/main" id="{DEDB19A1-0490-463A-9A9E-10132D9DF7E3}"/>
               </a:ext>
             </a:extLst>
           </p:cNvPr>
@@ -19369,7 +19451,7 @@
           <p:cNvPr id="2" name="图片 1">
             <a:extLst>
               <a:ext uri="{FF2B5EF4-FFF2-40B4-BE49-F238E27FC236}">
-                <a16:creationId xmlns:a16="http://schemas.microsoft.com/office/drawing/2014/main" xmlns="" id="{913444BD-F6AF-46D4-976C-995FB99950A9}"/>
+                <a16:creationId xmlns="" xmlns:a16="http://schemas.microsoft.com/office/drawing/2014/main" id="{913444BD-F6AF-46D4-976C-995FB99950A9}"/>
               </a:ext>
             </a:extLst>
           </p:cNvPr>
@@ -19405,7 +19487,7 @@
           <p:cNvPr id="3" name="矩形 2">
             <a:extLst>
               <a:ext uri="{FF2B5EF4-FFF2-40B4-BE49-F238E27FC236}">
-                <a16:creationId xmlns:a16="http://schemas.microsoft.com/office/drawing/2014/main" xmlns="" id="{D795F15C-BB51-4BB6-85FA-8C7E81D2788C}"/>
+                <a16:creationId xmlns="" xmlns:a16="http://schemas.microsoft.com/office/drawing/2014/main" id="{D795F15C-BB51-4BB6-85FA-8C7E81D2788C}"/>
               </a:ext>
             </a:extLst>
           </p:cNvPr>
@@ -19756,7 +19838,7 @@
           <p:cNvPr id="7" name="TextBox 16">
             <a:extLst>
               <a:ext uri="{FF2B5EF4-FFF2-40B4-BE49-F238E27FC236}">
-                <a16:creationId xmlns:a16="http://schemas.microsoft.com/office/drawing/2014/main" xmlns="" id="{0ECBC174-8EE7-4D48-B168-91CFF26277BE}"/>
+                <a16:creationId xmlns="" xmlns:a16="http://schemas.microsoft.com/office/drawing/2014/main" id="{0ECBC174-8EE7-4D48-B168-91CFF26277BE}"/>
               </a:ext>
             </a:extLst>
           </p:cNvPr>
@@ -19767,8 +19849,8 @@
         </p:nvSpPr>
         <p:spPr bwMode="auto">
           <a:xfrm>
-            <a:off x="362269" y="1124744"/>
-            <a:ext cx="7960968" cy="3730317"/>
+            <a:off x="468459" y="1109449"/>
+            <a:ext cx="8352928" cy="3416320"/>
           </a:xfrm>
           <a:prstGeom prst="rect">
             <a:avLst/>
@@ -19794,19 +19876,56 @@
               </a:lnSpc>
             </a:pPr>
             <a:r>
-              <a:rPr lang="en-US" altLang="zh-CN" sz="2000" b="1" dirty="0">
+              <a:rPr lang="en-US" altLang="zh-CN" sz="2400" b="1" dirty="0">
                 <a:latin typeface="Times New Roman" panose="02020603050405020304" pitchFamily="18" charset="0"/>
                 <a:ea typeface="楷体" pitchFamily="49" charset="-122"/>
                 <a:cs typeface="Times New Roman" panose="02020603050405020304" pitchFamily="18" charset="0"/>
               </a:rPr>
-              <a:t>Contributions:</a:t>
-            </a:r>
-            <a:endParaRPr lang="en-US" altLang="zh-CN" sz="2000" b="1" dirty="0">
-              <a:solidFill>
-                <a:schemeClr val="accent5">
-                  <a:lumMod val="75000"/>
-                </a:schemeClr>
-              </a:solidFill>
+              <a:t>Contributions</a:t>
+            </a:r>
+            <a:r>
+              <a:rPr lang="en-US" altLang="zh-CN" sz="2400" b="1" dirty="0" smtClean="0">
+                <a:latin typeface="Times New Roman" panose="02020603050405020304" pitchFamily="18" charset="0"/>
+                <a:ea typeface="楷体" pitchFamily="49" charset="-122"/>
+                <a:cs typeface="Times New Roman" panose="02020603050405020304" pitchFamily="18" charset="0"/>
+              </a:rPr>
+              <a:t>:</a:t>
+            </a:r>
+          </a:p>
+          <a:p>
+            <a:pPr>
+              <a:lnSpc>
+                <a:spcPct val="150000"/>
+              </a:lnSpc>
+            </a:pPr>
+            <a:r>
+              <a:rPr lang="en-US" altLang="zh-CN" sz="2400" dirty="0" smtClean="0">
+                <a:latin typeface="Times New Roman" panose="02020603050405020304" pitchFamily="18" charset="0"/>
+                <a:ea typeface="楷体" pitchFamily="49" charset="-122"/>
+                <a:cs typeface="Times New Roman" panose="02020603050405020304" pitchFamily="18" charset="0"/>
+                <a:sym typeface="MoolBoran" pitchFamily="34" charset="0"/>
+              </a:rPr>
+              <a:t>A model which dose not require oriented </a:t>
+            </a:r>
+            <a:r>
+              <a:rPr lang="en-US" altLang="zh-CN" sz="2400" dirty="0" err="1" smtClean="0">
+                <a:latin typeface="Times New Roman" panose="02020603050405020304" pitchFamily="18" charset="0"/>
+                <a:ea typeface="楷体" pitchFamily="49" charset="-122"/>
+                <a:cs typeface="Times New Roman" panose="02020603050405020304" pitchFamily="18" charset="0"/>
+                <a:sym typeface="MoolBoran" pitchFamily="34" charset="0"/>
+              </a:rPr>
+              <a:t>normals</a:t>
+            </a:r>
+            <a:r>
+              <a:rPr lang="en-US" altLang="zh-CN" sz="2400" dirty="0" smtClean="0">
+                <a:latin typeface="Times New Roman" panose="02020603050405020304" pitchFamily="18" charset="0"/>
+                <a:ea typeface="楷体" pitchFamily="49" charset="-122"/>
+                <a:cs typeface="Times New Roman" panose="02020603050405020304" pitchFamily="18" charset="0"/>
+                <a:sym typeface="MoolBoran" pitchFamily="34" charset="0"/>
+              </a:rPr>
+              <a:t> is proposed, it has the following properties:</a:t>
+            </a:r>
+            <a:endParaRPr lang="en-US" altLang="zh-CN" sz="2400" dirty="0">
               <a:latin typeface="Times New Roman" panose="02020603050405020304" pitchFamily="18" charset="0"/>
               <a:ea typeface="楷体" pitchFamily="49" charset="-122"/>
               <a:cs typeface="Times New Roman" panose="02020603050405020304" pitchFamily="18" charset="0"/>
@@ -19822,7 +19941,15 @@
               <a:buChar char="Ø"/>
             </a:pPr>
             <a:r>
-              <a:rPr lang="en-US" altLang="zh-CN" sz="2000" b="1" dirty="0">
+              <a:rPr lang="en-US" altLang="zh-CN" sz="2400" dirty="0" smtClean="0">
+                <a:latin typeface="Times New Roman" panose="02020603050405020304" pitchFamily="18" charset="0"/>
+                <a:ea typeface="楷体" pitchFamily="49" charset="-122"/>
+                <a:cs typeface="Times New Roman" panose="02020603050405020304" pitchFamily="18" charset="0"/>
+              </a:rPr>
+              <a:t>It’s</a:t>
+            </a:r>
+            <a:r>
+              <a:rPr lang="en-US" altLang="zh-CN" sz="2400" b="1" dirty="0" smtClean="0">
                 <a:solidFill>
                   <a:srgbClr val="FF0000"/>
                 </a:solidFill>
@@ -19830,10 +19957,40 @@
                 <a:ea typeface="楷体" pitchFamily="49" charset="-122"/>
                 <a:cs typeface="Times New Roman" panose="02020603050405020304" pitchFamily="18" charset="0"/>
               </a:rPr>
-              <a:t>Robust</a:t>
-            </a:r>
-            <a:r>
-              <a:rPr lang="en-US" altLang="zh-CN" sz="2000" b="1" dirty="0">
+              <a:t> </a:t>
+            </a:r>
+            <a:r>
+              <a:rPr lang="en-US" altLang="zh-CN" sz="2400" b="1" dirty="0">
+                <a:solidFill>
+                  <a:srgbClr val="FF0000"/>
+                </a:solidFill>
+                <a:latin typeface="Times New Roman" panose="02020603050405020304" pitchFamily="18" charset="0"/>
+                <a:ea typeface="楷体" pitchFamily="49" charset="-122"/>
+                <a:cs typeface="Times New Roman" panose="02020603050405020304" pitchFamily="18" charset="0"/>
+              </a:rPr>
+              <a:t>r</a:t>
+            </a:r>
+            <a:r>
+              <a:rPr lang="en-US" altLang="zh-CN" sz="2400" b="1" dirty="0" smtClean="0">
+                <a:solidFill>
+                  <a:srgbClr val="FF0000"/>
+                </a:solidFill>
+                <a:latin typeface="Times New Roman" panose="02020603050405020304" pitchFamily="18" charset="0"/>
+                <a:ea typeface="楷体" pitchFamily="49" charset="-122"/>
+                <a:cs typeface="Times New Roman" panose="02020603050405020304" pitchFamily="18" charset="0"/>
+              </a:rPr>
+              <a:t>obust </a:t>
+            </a:r>
+            <a:r>
+              <a:rPr lang="en-US" altLang="zh-CN" sz="2400" dirty="0" smtClean="0">
+                <a:latin typeface="Times New Roman" panose="02020603050405020304" pitchFamily="18" charset="0"/>
+                <a:ea typeface="楷体" pitchFamily="49" charset="-122"/>
+                <a:cs typeface="Times New Roman" panose="02020603050405020304" pitchFamily="18" charset="0"/>
+              </a:rPr>
+              <a:t>vis-à-vis outliers</a:t>
+            </a:r>
+            <a:r>
+              <a:rPr lang="en-US" altLang="zh-CN" sz="2400" b="1" dirty="0" smtClean="0">
                 <a:solidFill>
                   <a:schemeClr val="accent5">
                     <a:lumMod val="75000"/>
@@ -19843,172 +20000,9 @@
                 <a:ea typeface="楷体" pitchFamily="49" charset="-122"/>
                 <a:cs typeface="Times New Roman" panose="02020603050405020304" pitchFamily="18" charset="0"/>
               </a:rPr>
-              <a:t> in the presence of significant geometric variability,</a:t>
-            </a:r>
-          </a:p>
-          <a:p>
-            <a:pPr marL="800100" lvl="1" indent="-342900">
-              <a:lnSpc>
-                <a:spcPct val="150000"/>
-              </a:lnSpc>
-              <a:buFont typeface="Wingdings" panose="05000000000000000000" pitchFamily="2" charset="2"/>
-              <a:buChar char="Ø"/>
-            </a:pPr>
-            <a:r>
-              <a:rPr lang="en-US" altLang="zh-CN" sz="2000" b="1" dirty="0">
-                <a:solidFill>
-                  <a:schemeClr val="accent5">
-                    <a:lumMod val="75000"/>
-                  </a:schemeClr>
-                </a:solidFill>
-                <a:latin typeface="Times New Roman" panose="02020603050405020304" pitchFamily="18" charset="0"/>
-                <a:ea typeface="楷体" pitchFamily="49" charset="-122"/>
-                <a:cs typeface="Times New Roman" panose="02020603050405020304" pitchFamily="18" charset="0"/>
-              </a:rPr>
-              <a:t>Significantly more </a:t>
-            </a:r>
-            <a:r>
-              <a:rPr lang="en-US" altLang="zh-CN" sz="2000" b="1" dirty="0">
-                <a:solidFill>
-                  <a:srgbClr val="FF0000"/>
-                </a:solidFill>
-                <a:latin typeface="Times New Roman" panose="02020603050405020304" pitchFamily="18" charset="0"/>
-                <a:ea typeface="楷体" pitchFamily="49" charset="-122"/>
-                <a:cs typeface="Times New Roman" panose="02020603050405020304" pitchFamily="18" charset="0"/>
-              </a:rPr>
-              <a:t>efficient</a:t>
-            </a:r>
-            <a:r>
-              <a:rPr lang="en-US" altLang="zh-CN" sz="2000" b="1" dirty="0">
-                <a:solidFill>
-                  <a:schemeClr val="accent5">
-                    <a:lumMod val="75000"/>
-                  </a:schemeClr>
-                </a:solidFill>
-                <a:latin typeface="Times New Roman" panose="02020603050405020304" pitchFamily="18" charset="0"/>
-                <a:ea typeface="楷体" pitchFamily="49" charset="-122"/>
-                <a:cs typeface="Times New Roman" panose="02020603050405020304" pitchFamily="18" charset="0"/>
-              </a:rPr>
-              <a:t> than the most directly related approaches,</a:t>
-            </a:r>
-          </a:p>
-          <a:p>
-            <a:pPr marL="800100" lvl="1" indent="-342900">
-              <a:lnSpc>
-                <a:spcPct val="150000"/>
-              </a:lnSpc>
-              <a:buFont typeface="Wingdings" panose="05000000000000000000" pitchFamily="2" charset="2"/>
-              <a:buChar char="Ø"/>
-            </a:pPr>
-            <a:r>
-              <a:rPr lang="en-US" altLang="zh-CN" sz="2000" b="1" dirty="0">
-                <a:solidFill>
-                  <a:schemeClr val="accent5">
-                    <a:lumMod val="75000"/>
-                  </a:schemeClr>
-                </a:solidFill>
-                <a:latin typeface="Times New Roman" panose="02020603050405020304" pitchFamily="18" charset="0"/>
-                <a:ea typeface="楷体" pitchFamily="49" charset="-122"/>
-                <a:cs typeface="Times New Roman" panose="02020603050405020304" pitchFamily="18" charset="0"/>
-              </a:rPr>
-              <a:t>Capable of </a:t>
-            </a:r>
-            <a:r>
-              <a:rPr lang="en-US" altLang="zh-CN" sz="2000" b="1" dirty="0">
-                <a:solidFill>
-                  <a:srgbClr val="FF0000"/>
-                </a:solidFill>
-                <a:latin typeface="Times New Roman" panose="02020603050405020304" pitchFamily="18" charset="0"/>
-                <a:ea typeface="楷体" pitchFamily="49" charset="-122"/>
-                <a:cs typeface="Times New Roman" panose="02020603050405020304" pitchFamily="18" charset="0"/>
-              </a:rPr>
-              <a:t>handling different representations</a:t>
-            </a:r>
-            <a:r>
-              <a:rPr lang="en-US" altLang="zh-CN" sz="2000" b="1" dirty="0">
-                <a:solidFill>
-                  <a:schemeClr val="accent5">
-                    <a:lumMod val="75000"/>
-                  </a:schemeClr>
-                </a:solidFill>
-                <a:latin typeface="Times New Roman" panose="02020603050405020304" pitchFamily="18" charset="0"/>
-                <a:ea typeface="楷体" pitchFamily="49" charset="-122"/>
-                <a:cs typeface="Times New Roman" panose="02020603050405020304" pitchFamily="18" charset="0"/>
-              </a:rPr>
-              <a:t>, such as triangle meshes and point clouds,</a:t>
-            </a:r>
-          </a:p>
-          <a:p>
-            <a:pPr marL="800100" lvl="1" indent="-342900">
-              <a:lnSpc>
-                <a:spcPct val="150000"/>
-              </a:lnSpc>
-              <a:buFont typeface="Wingdings" panose="05000000000000000000" pitchFamily="2" charset="2"/>
-              <a:buChar char="Ø"/>
-            </a:pPr>
-            <a:r>
-              <a:rPr lang="en-US" altLang="zh-CN" sz="2000" b="1" dirty="0">
-                <a:solidFill>
-                  <a:schemeClr val="accent5">
-                    <a:lumMod val="75000"/>
-                  </a:schemeClr>
-                </a:solidFill>
-                <a:latin typeface="Times New Roman" panose="02020603050405020304" pitchFamily="18" charset="0"/>
-                <a:ea typeface="楷体" pitchFamily="49" charset="-122"/>
-                <a:cs typeface="Times New Roman" panose="02020603050405020304" pitchFamily="18" charset="0"/>
-              </a:rPr>
-              <a:t>Able to both produce matches that mix </a:t>
-            </a:r>
-            <a:r>
-              <a:rPr lang="en-US" altLang="zh-CN" sz="2000" b="1" dirty="0">
-                <a:solidFill>
-                  <a:srgbClr val="FF0000"/>
-                </a:solidFill>
-                <a:latin typeface="Times New Roman" panose="02020603050405020304" pitchFamily="18" charset="0"/>
-                <a:ea typeface="楷体" pitchFamily="49" charset="-122"/>
-                <a:cs typeface="Times New Roman" panose="02020603050405020304" pitchFamily="18" charset="0"/>
-              </a:rPr>
-              <a:t>symmetric</a:t>
-            </a:r>
-            <a:r>
-              <a:rPr lang="en-US" altLang="zh-CN" sz="2000" b="1" dirty="0">
-                <a:solidFill>
-                  <a:schemeClr val="accent5">
-                    <a:lumMod val="75000"/>
-                  </a:schemeClr>
-                </a:solidFill>
-                <a:latin typeface="Times New Roman" panose="02020603050405020304" pitchFamily="18" charset="0"/>
-                <a:ea typeface="楷体" pitchFamily="49" charset="-122"/>
-                <a:cs typeface="Times New Roman" panose="02020603050405020304" pitchFamily="18" charset="0"/>
-              </a:rPr>
-              <a:t> parts, or</a:t>
-            </a:r>
-            <a:br>
-              <a:rPr lang="en-US" altLang="zh-CN" sz="2000" b="1" dirty="0">
-                <a:solidFill>
-                  <a:schemeClr val="accent5">
-                    <a:lumMod val="75000"/>
-                  </a:schemeClr>
-                </a:solidFill>
-                <a:latin typeface="Times New Roman" panose="02020603050405020304" pitchFamily="18" charset="0"/>
-                <a:ea typeface="楷体" pitchFamily="49" charset="-122"/>
-                <a:cs typeface="Times New Roman" panose="02020603050405020304" pitchFamily="18" charset="0"/>
-              </a:rPr>
-            </a:br>
-            <a:r>
-              <a:rPr lang="en-US" altLang="zh-CN" sz="2000" b="1" dirty="0">
-                <a:solidFill>
-                  <a:schemeClr val="accent5">
-                    <a:lumMod val="75000"/>
-                  </a:schemeClr>
-                </a:solidFill>
-                <a:latin typeface="Times New Roman" panose="02020603050405020304" pitchFamily="18" charset="0"/>
-                <a:ea typeface="楷体" pitchFamily="49" charset="-122"/>
-                <a:cs typeface="Times New Roman" panose="02020603050405020304" pitchFamily="18" charset="0"/>
-              </a:rPr>
-              <a:t>disambiguate between them, when necessary. </a:t>
-            </a:r>
-            <a:endParaRPr lang="en-US" altLang="zh-CN" sz="2000" b="1" dirty="0">
+              <a:t>;</a:t>
+            </a:r>
+            <a:endParaRPr lang="en-US" altLang="zh-CN" sz="2400" b="1" dirty="0">
               <a:solidFill>
                 <a:schemeClr val="accent5">
                   <a:lumMod val="75000"/>
@@ -20017,7 +20011,64 @@
               <a:latin typeface="Times New Roman" panose="02020603050405020304" pitchFamily="18" charset="0"/>
               <a:ea typeface="楷体" pitchFamily="49" charset="-122"/>
               <a:cs typeface="Times New Roman" panose="02020603050405020304" pitchFamily="18" charset="0"/>
-              <a:sym typeface="MoolBoran" pitchFamily="34" charset="0"/>
+            </a:endParaRPr>
+          </a:p>
+          <a:p>
+            <a:pPr marL="800100" lvl="1" indent="-342900">
+              <a:lnSpc>
+                <a:spcPct val="150000"/>
+              </a:lnSpc>
+              <a:buFont typeface="Wingdings" panose="05000000000000000000" pitchFamily="2" charset="2"/>
+              <a:buChar char="Ø"/>
+            </a:pPr>
+            <a:r>
+              <a:rPr lang="en-US" altLang="zh-CN" sz="2400" dirty="0" smtClean="0">
+                <a:latin typeface="Times New Roman" panose="02020603050405020304" pitchFamily="18" charset="0"/>
+                <a:ea typeface="楷体" pitchFamily="49" charset="-122"/>
+                <a:cs typeface="Times New Roman" panose="02020603050405020304" pitchFamily="18" charset="0"/>
+              </a:rPr>
+              <a:t>It </a:t>
+            </a:r>
+            <a:r>
+              <a:rPr lang="en-US" altLang="zh-CN" sz="2400" b="1" dirty="0" smtClean="0">
+                <a:solidFill>
+                  <a:srgbClr val="FF0000"/>
+                </a:solidFill>
+                <a:latin typeface="Times New Roman" panose="02020603050405020304" pitchFamily="18" charset="0"/>
+                <a:ea typeface="楷体" pitchFamily="49" charset="-122"/>
+                <a:cs typeface="Times New Roman" panose="02020603050405020304" pitchFamily="18" charset="0"/>
+              </a:rPr>
+              <a:t>does not require oriented normal </a:t>
+            </a:r>
+            <a:r>
+              <a:rPr lang="en-US" altLang="zh-CN" sz="2400" dirty="0" smtClean="0">
+                <a:latin typeface="Times New Roman" panose="02020603050405020304" pitchFamily="18" charset="0"/>
+                <a:ea typeface="楷体" pitchFamily="49" charset="-122"/>
+                <a:cs typeface="Times New Roman" panose="02020603050405020304" pitchFamily="18" charset="0"/>
+              </a:rPr>
+              <a:t>as part of input;</a:t>
+            </a:r>
+          </a:p>
+          <a:p>
+            <a:pPr marL="800100" lvl="1" indent="-342900">
+              <a:lnSpc>
+                <a:spcPct val="150000"/>
+              </a:lnSpc>
+              <a:buFont typeface="Wingdings" panose="05000000000000000000" pitchFamily="2" charset="2"/>
+              <a:buChar char="Ø"/>
+            </a:pPr>
+            <a:r>
+              <a:rPr lang="en-US" altLang="zh-CN" sz="2400" dirty="0" smtClean="0">
+                <a:latin typeface="Times New Roman" panose="02020603050405020304" pitchFamily="18" charset="0"/>
+                <a:ea typeface="楷体" pitchFamily="49" charset="-122"/>
+                <a:cs typeface="Times New Roman" panose="02020603050405020304" pitchFamily="18" charset="0"/>
+              </a:rPr>
+              <a:t>It’s easy to implement and parallelize. </a:t>
+            </a:r>
+            <a:endParaRPr lang="en-US" altLang="zh-CN" sz="2400" dirty="0">
+              <a:latin typeface="Times New Roman" panose="02020603050405020304" pitchFamily="18" charset="0"/>
+              <a:ea typeface="楷体" pitchFamily="49" charset="-122"/>
+              <a:cs typeface="Times New Roman" panose="02020603050405020304" pitchFamily="18" charset="0"/>
             </a:endParaRPr>
           </a:p>
         </p:txBody>
@@ -20032,6 +20083,13 @@
   <p:clrMapOvr>
     <a:masterClrMapping/>
   </p:clrMapOvr>
+  <p:timing>
+    <p:tnLst>
+      <p:par>
+        <p:cTn id="1" dur="indefinite" restart="never" nodeType="tmRoot"/>
+      </p:par>
+    </p:tnLst>
+  </p:timing>
 </p:sld>
 </file>
 
@@ -20141,7 +20199,7 @@
           <p:cNvPr id="3" name="图片 2">
             <a:extLst>
               <a:ext uri="{FF2B5EF4-FFF2-40B4-BE49-F238E27FC236}">
-                <a16:creationId xmlns:a16="http://schemas.microsoft.com/office/drawing/2014/main" xmlns="" id="{300AC4DD-23A7-486F-B151-EFF726B52E23}"/>
+                <a16:creationId xmlns="" xmlns:a16="http://schemas.microsoft.com/office/drawing/2014/main" id="{300AC4DD-23A7-486F-B151-EFF726B52E23}"/>
               </a:ext>
             </a:extLst>
           </p:cNvPr>
@@ -20171,7 +20229,7 @@
           <p:cNvPr id="6" name="TextBox 16">
             <a:extLst>
               <a:ext uri="{FF2B5EF4-FFF2-40B4-BE49-F238E27FC236}">
-                <a16:creationId xmlns:a16="http://schemas.microsoft.com/office/drawing/2014/main" xmlns="" id="{5D8D6323-3660-43E9-8F67-3CD8040C0AAB}"/>
+                <a16:creationId xmlns="" xmlns:a16="http://schemas.microsoft.com/office/drawing/2014/main" id="{5D8D6323-3660-43E9-8F67-3CD8040C0AAB}"/>
               </a:ext>
             </a:extLst>
           </p:cNvPr>
@@ -20227,7 +20285,7 @@
           <p:cNvPr id="7" name="TextBox 16">
             <a:extLst>
               <a:ext uri="{FF2B5EF4-FFF2-40B4-BE49-F238E27FC236}">
-                <a16:creationId xmlns:a16="http://schemas.microsoft.com/office/drawing/2014/main" xmlns="" id="{5E237ECC-5595-4798-9F21-941220EAA639}"/>
+                <a16:creationId xmlns="" xmlns:a16="http://schemas.microsoft.com/office/drawing/2014/main" id="{5E237ECC-5595-4798-9F21-941220EAA639}"/>
               </a:ext>
             </a:extLst>
           </p:cNvPr>
@@ -20283,7 +20341,7 @@
           <p:cNvPr id="9" name="TextBox 16">
             <a:extLst>
               <a:ext uri="{FF2B5EF4-FFF2-40B4-BE49-F238E27FC236}">
-                <a16:creationId xmlns:a16="http://schemas.microsoft.com/office/drawing/2014/main" xmlns="" id="{B25ECFE2-DD28-4268-920B-C93700629F01}"/>
+                <a16:creationId xmlns="" xmlns:a16="http://schemas.microsoft.com/office/drawing/2014/main" id="{B25ECFE2-DD28-4268-920B-C93700629F01}"/>
               </a:ext>
             </a:extLst>
           </p:cNvPr>
@@ -20339,7 +20397,7 @@
           <p:cNvPr id="10" name="TextBox 16">
             <a:extLst>
               <a:ext uri="{FF2B5EF4-FFF2-40B4-BE49-F238E27FC236}">
-                <a16:creationId xmlns:a16="http://schemas.microsoft.com/office/drawing/2014/main" xmlns="" id="{F66B3B41-6F27-47BC-A352-B8DCC5312C15}"/>
+                <a16:creationId xmlns="" xmlns:a16="http://schemas.microsoft.com/office/drawing/2014/main" id="{F66B3B41-6F27-47BC-A352-B8DCC5312C15}"/>
               </a:ext>
             </a:extLst>
           </p:cNvPr>
@@ -20395,7 +20453,7 @@
           <p:cNvPr id="11" name="TextBox 16">
             <a:extLst>
               <a:ext uri="{FF2B5EF4-FFF2-40B4-BE49-F238E27FC236}">
-                <a16:creationId xmlns:a16="http://schemas.microsoft.com/office/drawing/2014/main" xmlns="" id="{2BCE7A4B-C7B7-49A0-98EA-805883BCD742}"/>
+                <a16:creationId xmlns="" xmlns:a16="http://schemas.microsoft.com/office/drawing/2014/main" id="{2BCE7A4B-C7B7-49A0-98EA-805883BCD742}"/>
               </a:ext>
             </a:extLst>
           </p:cNvPr>
@@ -20456,6 +20514,13 @@
   <p:clrMapOvr>
     <a:masterClrMapping/>
   </p:clrMapOvr>
+  <p:timing>
+    <p:tnLst>
+      <p:par>
+        <p:cTn id="1" dur="indefinite" restart="never" nodeType="tmRoot"/>
+      </p:par>
+    </p:tnLst>
+  </p:timing>
 </p:sld>
 </file>
 
@@ -20518,7 +20583,7 @@
           <p:cNvPr id="9" name="标题 3">
             <a:extLst>
               <a:ext uri="{FF2B5EF4-FFF2-40B4-BE49-F238E27FC236}">
-                <a16:creationId xmlns:a16="http://schemas.microsoft.com/office/drawing/2014/main" xmlns="" id="{1AD2C09E-4EDF-4514-867C-F44C80518920}"/>
+                <a16:creationId xmlns="" xmlns:a16="http://schemas.microsoft.com/office/drawing/2014/main" id="{1AD2C09E-4EDF-4514-867C-F44C80518920}"/>
               </a:ext>
             </a:extLst>
           </p:cNvPr>
@@ -20575,7 +20640,7 @@
           <p:cNvPr id="10" name="TextBox 16">
             <a:extLst>
               <a:ext uri="{FF2B5EF4-FFF2-40B4-BE49-F238E27FC236}">
-                <a16:creationId xmlns:a16="http://schemas.microsoft.com/office/drawing/2014/main" xmlns="" id="{10D6EF88-7785-4D6C-AF6A-900C6C9CFB6F}"/>
+                <a16:creationId xmlns="" xmlns:a16="http://schemas.microsoft.com/office/drawing/2014/main" id="{10D6EF88-7785-4D6C-AF6A-900C6C9CFB6F}"/>
               </a:ext>
             </a:extLst>
           </p:cNvPr>
@@ -20717,7 +20782,7 @@
           <p:cNvPr id="12" name="TextBox 16">
             <a:extLst>
               <a:ext uri="{FF2B5EF4-FFF2-40B4-BE49-F238E27FC236}">
-                <a16:creationId xmlns:a16="http://schemas.microsoft.com/office/drawing/2014/main" xmlns="" id="{C8CC8B91-D277-4C1E-81C5-A1E83C16ADC6}"/>
+                <a16:creationId xmlns="" xmlns:a16="http://schemas.microsoft.com/office/drawing/2014/main" id="{C8CC8B91-D277-4C1E-81C5-A1E83C16ADC6}"/>
               </a:ext>
             </a:extLst>
           </p:cNvPr>
@@ -20769,7 +20834,7 @@
           <p:cNvPr id="16" name="TextBox 16">
             <a:extLst>
               <a:ext uri="{FF2B5EF4-FFF2-40B4-BE49-F238E27FC236}">
-                <a16:creationId xmlns:a16="http://schemas.microsoft.com/office/drawing/2014/main" xmlns="" id="{67141AC1-7DDF-4FEC-85A7-5CCF687EBF3C}"/>
+                <a16:creationId xmlns="" xmlns:a16="http://schemas.microsoft.com/office/drawing/2014/main" id="{67141AC1-7DDF-4FEC-85A7-5CCF687EBF3C}"/>
               </a:ext>
             </a:extLst>
           </p:cNvPr>
@@ -21071,7 +21136,7 @@
           <p:cNvPr id="18" name="标题 3">
             <a:extLst>
               <a:ext uri="{FF2B5EF4-FFF2-40B4-BE49-F238E27FC236}">
-                <a16:creationId xmlns:a16="http://schemas.microsoft.com/office/drawing/2014/main" xmlns="" id="{21C6828D-CEE0-4B38-AF17-B0EFAD566D5C}"/>
+                <a16:creationId xmlns="" xmlns:a16="http://schemas.microsoft.com/office/drawing/2014/main" id="{21C6828D-CEE0-4B38-AF17-B0EFAD566D5C}"/>
               </a:ext>
             </a:extLst>
           </p:cNvPr>
@@ -21132,7 +21197,7 @@
               <p:cNvPr id="11" name="TextBox 16">
                 <a:extLst>
                   <a:ext uri="{FF2B5EF4-FFF2-40B4-BE49-F238E27FC236}">
-                    <a16:creationId xmlns:a16="http://schemas.microsoft.com/office/drawing/2014/main" xmlns="" id="{B3F1701A-816B-475D-9A28-48799A4EFD75}"/>
+                    <a16:creationId xmlns="" xmlns:a16="http://schemas.microsoft.com/office/drawing/2014/main" id="{B3F1701A-816B-475D-9A28-48799A4EFD75}"/>
                   </a:ext>
                 </a:extLst>
               </p:cNvPr>
@@ -21368,7 +21433,7 @@
           <p:cNvPr id="12" name="TextBox 16">
             <a:extLst>
               <a:ext uri="{FF2B5EF4-FFF2-40B4-BE49-F238E27FC236}">
-                <a16:creationId xmlns:a16="http://schemas.microsoft.com/office/drawing/2014/main" xmlns="" id="{7F9BC412-4666-4A9D-A54B-E5A584169075}"/>
+                <a16:creationId xmlns="" xmlns:a16="http://schemas.microsoft.com/office/drawing/2014/main" id="{7F9BC412-4666-4A9D-A54B-E5A584169075}"/>
               </a:ext>
             </a:extLst>
           </p:cNvPr>
@@ -21440,7 +21505,7 @@
           <p:cNvPr id="13" name="TextBox 16">
             <a:extLst>
               <a:ext uri="{FF2B5EF4-FFF2-40B4-BE49-F238E27FC236}">
-                <a16:creationId xmlns:a16="http://schemas.microsoft.com/office/drawing/2014/main" xmlns="" id="{0FA04E86-0E04-459E-B66B-3873A4CE732A}"/>
+                <a16:creationId xmlns="" xmlns:a16="http://schemas.microsoft.com/office/drawing/2014/main" id="{0FA04E86-0E04-459E-B66B-3873A4CE732A}"/>
               </a:ext>
             </a:extLst>
           </p:cNvPr>
@@ -21543,7 +21608,7 @@
           <p:cNvPr id="7" name="图片 6">
             <a:extLst>
               <a:ext uri="{FF2B5EF4-FFF2-40B4-BE49-F238E27FC236}">
-                <a16:creationId xmlns:a16="http://schemas.microsoft.com/office/drawing/2014/main" xmlns="" id="{380FAD7C-CFA6-4DDB-BFC9-40D5769BA610}"/>
+                <a16:creationId xmlns="" xmlns:a16="http://schemas.microsoft.com/office/drawing/2014/main" id="{380FAD7C-CFA6-4DDB-BFC9-40D5769BA610}"/>
               </a:ext>
             </a:extLst>
           </p:cNvPr>
@@ -21717,7 +21782,7 @@
           <p:cNvPr id="4" name="图片 3">
             <a:extLst>
               <a:ext uri="{FF2B5EF4-FFF2-40B4-BE49-F238E27FC236}">
-                <a16:creationId xmlns:a16="http://schemas.microsoft.com/office/drawing/2014/main" xmlns="" id="{C7680DCA-F520-4FEA-9A89-C5FBF1443403}"/>
+                <a16:creationId xmlns="" xmlns:a16="http://schemas.microsoft.com/office/drawing/2014/main" id="{C7680DCA-F520-4FEA-9A89-C5FBF1443403}"/>
               </a:ext>
             </a:extLst>
           </p:cNvPr>
@@ -21784,7 +21849,7 @@
           <p:cNvPr id="18" name="标题 3">
             <a:extLst>
               <a:ext uri="{FF2B5EF4-FFF2-40B4-BE49-F238E27FC236}">
-                <a16:creationId xmlns:a16="http://schemas.microsoft.com/office/drawing/2014/main" xmlns="" id="{21C6828D-CEE0-4B38-AF17-B0EFAD566D5C}"/>
+                <a16:creationId xmlns="" xmlns:a16="http://schemas.microsoft.com/office/drawing/2014/main" id="{21C6828D-CEE0-4B38-AF17-B0EFAD566D5C}"/>
               </a:ext>
             </a:extLst>
           </p:cNvPr>
@@ -21845,7 +21910,7 @@
               <p:cNvPr id="11" name="TextBox 16">
                 <a:extLst>
                   <a:ext uri="{FF2B5EF4-FFF2-40B4-BE49-F238E27FC236}">
-                    <a16:creationId xmlns:a16="http://schemas.microsoft.com/office/drawing/2014/main" xmlns="" id="{B3F1701A-816B-475D-9A28-48799A4EFD75}"/>
+                    <a16:creationId xmlns="" xmlns:a16="http://schemas.microsoft.com/office/drawing/2014/main" id="{B3F1701A-816B-475D-9A28-48799A4EFD75}"/>
                   </a:ext>
                 </a:extLst>
               </p:cNvPr>
@@ -22395,7 +22460,7 @@
           <p:cNvPr id="3" name="图片 2">
             <a:extLst>
               <a:ext uri="{FF2B5EF4-FFF2-40B4-BE49-F238E27FC236}">
-                <a16:creationId xmlns:a16="http://schemas.microsoft.com/office/drawing/2014/main" xmlns="" id="{4EEB21E6-F47D-46C5-A332-DB6BFA886D84}"/>
+                <a16:creationId xmlns="" xmlns:a16="http://schemas.microsoft.com/office/drawing/2014/main" id="{4EEB21E6-F47D-46C5-A332-DB6BFA886D84}"/>
               </a:ext>
             </a:extLst>
           </p:cNvPr>
@@ -22852,7 +22917,7 @@
           <p:cNvPr id="7" name="标题 3">
             <a:extLst>
               <a:ext uri="{FF2B5EF4-FFF2-40B4-BE49-F238E27FC236}">
-                <a16:creationId xmlns:a16="http://schemas.microsoft.com/office/drawing/2014/main" xmlns="" id="{AAFAD872-B2FF-49B3-BD0A-FEA7C3C937B4}"/>
+                <a16:creationId xmlns="" xmlns:a16="http://schemas.microsoft.com/office/drawing/2014/main" id="{AAFAD872-B2FF-49B3-BD0A-FEA7C3C937B4}"/>
               </a:ext>
             </a:extLst>
           </p:cNvPr>
@@ -22911,7 +22976,7 @@
           <p:cNvPr id="3" name="图片 2">
             <a:extLst>
               <a:ext uri="{FF2B5EF4-FFF2-40B4-BE49-F238E27FC236}">
-                <a16:creationId xmlns:a16="http://schemas.microsoft.com/office/drawing/2014/main" xmlns="" id="{159AE77A-4285-469C-B713-9CC86D9C88F6}"/>
+                <a16:creationId xmlns="" xmlns:a16="http://schemas.microsoft.com/office/drawing/2014/main" id="{159AE77A-4285-469C-B713-9CC86D9C88F6}"/>
               </a:ext>
             </a:extLst>
           </p:cNvPr>
@@ -22941,7 +23006,7 @@
           <p:cNvPr id="9" name="TextBox 16">
             <a:extLst>
               <a:ext uri="{FF2B5EF4-FFF2-40B4-BE49-F238E27FC236}">
-                <a16:creationId xmlns:a16="http://schemas.microsoft.com/office/drawing/2014/main" xmlns="" id="{B5512625-EE7C-4C85-91B3-702C1962F6DE}"/>
+                <a16:creationId xmlns="" xmlns:a16="http://schemas.microsoft.com/office/drawing/2014/main" id="{B5512625-EE7C-4C85-91B3-702C1962F6DE}"/>
               </a:ext>
             </a:extLst>
           </p:cNvPr>
@@ -23031,7 +23096,7 @@
           <p:cNvPr id="10" name="TextBox 16">
             <a:extLst>
               <a:ext uri="{FF2B5EF4-FFF2-40B4-BE49-F238E27FC236}">
-                <a16:creationId xmlns:a16="http://schemas.microsoft.com/office/drawing/2014/main" xmlns="" id="{5E79B5CF-745A-4503-9C4E-A1CFE344B885}"/>
+                <a16:creationId xmlns="" xmlns:a16="http://schemas.microsoft.com/office/drawing/2014/main" id="{5E79B5CF-745A-4503-9C4E-A1CFE344B885}"/>
               </a:ext>
             </a:extLst>
           </p:cNvPr>
@@ -23132,7 +23197,7 @@
           <p:cNvPr id="2" name="矩形 1">
             <a:extLst>
               <a:ext uri="{FF2B5EF4-FFF2-40B4-BE49-F238E27FC236}">
-                <a16:creationId xmlns:a16="http://schemas.microsoft.com/office/drawing/2014/main" xmlns="" id="{EF30BE79-ED24-4C99-9ED0-90CB158774BC}"/>
+                <a16:creationId xmlns="" xmlns:a16="http://schemas.microsoft.com/office/drawing/2014/main" id="{EF30BE79-ED24-4C99-9ED0-90CB158774BC}"/>
               </a:ext>
             </a:extLst>
           </p:cNvPr>
@@ -23237,7 +23302,7 @@
           <p:cNvPr id="7" name="标题 3">
             <a:extLst>
               <a:ext uri="{FF2B5EF4-FFF2-40B4-BE49-F238E27FC236}">
-                <a16:creationId xmlns:a16="http://schemas.microsoft.com/office/drawing/2014/main" xmlns="" id="{AAFAD872-B2FF-49B3-BD0A-FEA7C3C937B4}"/>
+                <a16:creationId xmlns="" xmlns:a16="http://schemas.microsoft.com/office/drawing/2014/main" id="{AAFAD872-B2FF-49B3-BD0A-FEA7C3C937B4}"/>
               </a:ext>
             </a:extLst>
           </p:cNvPr>
@@ -23296,7 +23361,7 @@
           <p:cNvPr id="12" name="TextBox 16">
             <a:extLst>
               <a:ext uri="{FF2B5EF4-FFF2-40B4-BE49-F238E27FC236}">
-                <a16:creationId xmlns:a16="http://schemas.microsoft.com/office/drawing/2014/main" xmlns="" id="{747C9A37-6B1F-41D4-B159-EE16AE1EFF1F}"/>
+                <a16:creationId xmlns="" xmlns:a16="http://schemas.microsoft.com/office/drawing/2014/main" id="{747C9A37-6B1F-41D4-B159-EE16AE1EFF1F}"/>
               </a:ext>
             </a:extLst>
           </p:cNvPr>
@@ -23410,7 +23475,7 @@
           <p:cNvPr id="15" name="Rectangle 17">
             <a:extLst>
               <a:ext uri="{FF2B5EF4-FFF2-40B4-BE49-F238E27FC236}">
-                <a16:creationId xmlns:a16="http://schemas.microsoft.com/office/drawing/2014/main" xmlns="" id="{E978F26B-F7E1-4A62-8D5A-1BF0782E38D8}"/>
+                <a16:creationId xmlns="" xmlns:a16="http://schemas.microsoft.com/office/drawing/2014/main" id="{E978F26B-F7E1-4A62-8D5A-1BF0782E38D8}"/>
               </a:ext>
             </a:extLst>
           </p:cNvPr>
@@ -23633,7 +23698,7 @@
               <p:cNvPr id="16" name="文本框 3">
                 <a:extLst>
                   <a:ext uri="{FF2B5EF4-FFF2-40B4-BE49-F238E27FC236}">
-                    <a16:creationId xmlns:a16="http://schemas.microsoft.com/office/drawing/2014/main" xmlns="" id="{09FF97FB-3521-4FD8-9A69-E7CC030400DA}"/>
+                    <a16:creationId xmlns="" xmlns:a16="http://schemas.microsoft.com/office/drawing/2014/main" id="{09FF97FB-3521-4FD8-9A69-E7CC030400DA}"/>
                   </a:ext>
                 </a:extLst>
               </p:cNvPr>
@@ -24273,7 +24338,7 @@
           <p:cNvPr id="17" name="Rectangle 17">
             <a:extLst>
               <a:ext uri="{FF2B5EF4-FFF2-40B4-BE49-F238E27FC236}">
-                <a16:creationId xmlns:a16="http://schemas.microsoft.com/office/drawing/2014/main" xmlns="" id="{067E966F-B7B4-417C-8E8E-547FE76AD0D5}"/>
+                <a16:creationId xmlns="" xmlns:a16="http://schemas.microsoft.com/office/drawing/2014/main" id="{067E966F-B7B4-417C-8E8E-547FE76AD0D5}"/>
               </a:ext>
             </a:extLst>
           </p:cNvPr>
@@ -24519,7 +24584,7 @@
               <p:cNvPr id="18" name="Rectangle 17">
                 <a:extLst>
                   <a:ext uri="{FF2B5EF4-FFF2-40B4-BE49-F238E27FC236}">
-                    <a16:creationId xmlns:a16="http://schemas.microsoft.com/office/drawing/2014/main" xmlns="" id="{B63E7EC3-4D84-403D-B59A-EDEA29B00D1A}"/>
+                    <a16:creationId xmlns="" xmlns:a16="http://schemas.microsoft.com/office/drawing/2014/main" id="{B63E7EC3-4D84-403D-B59A-EDEA29B00D1A}"/>
                   </a:ext>
                 </a:extLst>
               </p:cNvPr>
@@ -24831,7 +24896,7 @@
           <p:cNvPr id="19" name="Rectangle 17">
             <a:extLst>
               <a:ext uri="{FF2B5EF4-FFF2-40B4-BE49-F238E27FC236}">
-                <a16:creationId xmlns:a16="http://schemas.microsoft.com/office/drawing/2014/main" xmlns="" id="{4E7D4E6E-0D7D-4992-80A6-575D5566DFC3}"/>
+                <a16:creationId xmlns="" xmlns:a16="http://schemas.microsoft.com/office/drawing/2014/main" id="{4E7D4E6E-0D7D-4992-80A6-575D5566DFC3}"/>
               </a:ext>
             </a:extLst>
           </p:cNvPr>
@@ -25033,7 +25098,7 @@
           <p:cNvPr id="4" name="图片 3">
             <a:extLst>
               <a:ext uri="{FF2B5EF4-FFF2-40B4-BE49-F238E27FC236}">
-                <a16:creationId xmlns:a16="http://schemas.microsoft.com/office/drawing/2014/main" xmlns="" id="{B6E431FC-4957-44C3-B097-F22360B320A2}"/>
+                <a16:creationId xmlns="" xmlns:a16="http://schemas.microsoft.com/office/drawing/2014/main" id="{B6E431FC-4957-44C3-B097-F22360B320A2}"/>
               </a:ext>
             </a:extLst>
           </p:cNvPr>

--- a/1st March 25, 2019.pptx
+++ b/1st March 25, 2019.pptx
@@ -6,10 +6,10 @@
     <p:sldMasterId id="2147483660" r:id="rId3"/>
   </p:sldMasterIdLst>
   <p:notesMasterIdLst>
-    <p:notesMasterId r:id="rId25"/>
+    <p:notesMasterId r:id="rId26"/>
   </p:notesMasterIdLst>
   <p:handoutMasterIdLst>
-    <p:handoutMasterId r:id="rId26"/>
+    <p:handoutMasterId r:id="rId27"/>
   </p:handoutMasterIdLst>
   <p:sldIdLst>
     <p:sldId id="256" r:id="rId4"/>
@@ -27,12 +27,13 @@
     <p:sldId id="352" r:id="rId16"/>
     <p:sldId id="356" r:id="rId17"/>
     <p:sldId id="357" r:id="rId18"/>
-    <p:sldId id="364" r:id="rId19"/>
-    <p:sldId id="371" r:id="rId20"/>
-    <p:sldId id="358" r:id="rId21"/>
-    <p:sldId id="365" r:id="rId22"/>
-    <p:sldId id="353" r:id="rId23"/>
-    <p:sldId id="317" r:id="rId24"/>
+    <p:sldId id="372" r:id="rId19"/>
+    <p:sldId id="364" r:id="rId20"/>
+    <p:sldId id="371" r:id="rId21"/>
+    <p:sldId id="358" r:id="rId22"/>
+    <p:sldId id="365" r:id="rId23"/>
+    <p:sldId id="353" r:id="rId24"/>
+    <p:sldId id="317" r:id="rId25"/>
   </p:sldIdLst>
   <p:sldSz cx="9144000" cy="6858000" type="screen4x3"/>
   <p:notesSz cx="6858000" cy="9144000"/>
@@ -133,7 +134,7 @@
   </p:defaultTextStyle>
   <p:extLst>
     <p:ext uri="{EFAFB233-063F-42B5-8137-9DF3F51BA10A}">
-      <p15:sldGuideLst xmlns="" xmlns:p15="http://schemas.microsoft.com/office/powerpoint/2012/main">
+      <p15:sldGuideLst xmlns:p15="http://schemas.microsoft.com/office/powerpoint/2012/main" xmlns="">
         <p15:guide id="1" orient="horz" pos="2160">
           <p15:clr>
             <a:srgbClr val="A4A3A4"/>
@@ -147,7 +148,7 @@
       </p15:sldGuideLst>
     </p:ext>
     <p:ext uri="{2D200454-40CA-4A62-9FC3-DE9A4176ACB9}">
-      <p15:notesGuideLst xmlns="" xmlns:p15="http://schemas.microsoft.com/office/powerpoint/2012/main">
+      <p15:notesGuideLst xmlns:p15="http://schemas.microsoft.com/office/powerpoint/2012/main" xmlns="">
         <p15:guide id="1" orient="horz" pos="2880">
           <p15:clr>
             <a:srgbClr val="A4A3A4"/>
@@ -247,7 +248,7 @@
             <a:fld id="{0E4FF8FC-8473-4DFD-87CC-D576DA80B410}" type="datetimeFigureOut">
               <a:rPr lang="en-US" smtClean="0"/>
               <a:pPr/>
-              <a:t>3/20/2019</a:t>
+              <a:t>3/21/2019</a:t>
             </a:fld>
             <a:endParaRPr lang="en-US"/>
           </a:p>
@@ -414,7 +415,7 @@
             <a:fld id="{DBCEF50B-A2CD-498B-9049-5AC52B436F32}" type="datetimeFigureOut">
               <a:rPr lang="zh-CN" altLang="en-US" smtClean="0"/>
               <a:pPr/>
-              <a:t>2019/3/20</a:t>
+              <a:t>2019/3/21</a:t>
             </a:fld>
             <a:endParaRPr lang="zh-CN" altLang="en-US"/>
           </a:p>
@@ -1182,7 +1183,7 @@
     </p:spTree>
     <p:extLst>
       <p:ext uri="{BB962C8B-B14F-4D97-AF65-F5344CB8AC3E}">
-        <p14:creationId xmlns:p14="http://schemas.microsoft.com/office/powerpoint/2010/main" val="897398167"/>
+        <p14:creationId xmlns:p14="http://schemas.microsoft.com/office/powerpoint/2010/main" val="4254411773"/>
       </p:ext>
     </p:extLst>
   </p:cSld>
@@ -1267,7 +1268,7 @@
     </p:spTree>
     <p:extLst>
       <p:ext uri="{BB962C8B-B14F-4D97-AF65-F5344CB8AC3E}">
-        <p14:creationId xmlns:p14="http://schemas.microsoft.com/office/powerpoint/2010/main" val="725127003"/>
+        <p14:creationId xmlns:p14="http://schemas.microsoft.com/office/powerpoint/2010/main" val="897398167"/>
       </p:ext>
     </p:extLst>
   </p:cSld>
@@ -1352,7 +1353,7 @@
     </p:spTree>
     <p:extLst>
       <p:ext uri="{BB962C8B-B14F-4D97-AF65-F5344CB8AC3E}">
-        <p14:creationId xmlns:p14="http://schemas.microsoft.com/office/powerpoint/2010/main" val="108697188"/>
+        <p14:creationId xmlns:p14="http://schemas.microsoft.com/office/powerpoint/2010/main" val="725127003"/>
       </p:ext>
     </p:extLst>
   </p:cSld>
@@ -1437,7 +1438,7 @@
     </p:spTree>
     <p:extLst>
       <p:ext uri="{BB962C8B-B14F-4D97-AF65-F5344CB8AC3E}">
-        <p14:creationId xmlns:p14="http://schemas.microsoft.com/office/powerpoint/2010/main" val="3509984403"/>
+        <p14:creationId xmlns:p14="http://schemas.microsoft.com/office/powerpoint/2010/main" val="108697188"/>
       </p:ext>
     </p:extLst>
   </p:cSld>
@@ -1514,6 +1515,91 @@
               <a:rPr lang="zh-CN" altLang="en-US" smtClean="0"/>
               <a:pPr/>
               <a:t>20</a:t>
+            </a:fld>
+            <a:endParaRPr lang="zh-CN" altLang="en-US"/>
+          </a:p>
+        </p:txBody>
+      </p:sp>
+    </p:spTree>
+    <p:extLst>
+      <p:ext uri="{BB962C8B-B14F-4D97-AF65-F5344CB8AC3E}">
+        <p14:creationId xmlns:p14="http://schemas.microsoft.com/office/powerpoint/2010/main" val="3509984403"/>
+      </p:ext>
+    </p:extLst>
+  </p:cSld>
+  <p:clrMapOvr>
+    <a:masterClrMapping/>
+  </p:clrMapOvr>
+</p:notes>
+</file>
+
+<file path=ppt/notesSlides/notesSlide19.xml><?xml version="1.0" encoding="utf-8"?>
+<p:notes xmlns:a="http://schemas.openxmlformats.org/drawingml/2006/main" xmlns:r="http://schemas.openxmlformats.org/officeDocument/2006/relationships" xmlns:p="http://schemas.openxmlformats.org/presentationml/2006/main">
+  <p:cSld>
+    <p:spTree>
+      <p:nvGrpSpPr>
+        <p:cNvPr id="1" name=""/>
+        <p:cNvGrpSpPr/>
+        <p:nvPr/>
+      </p:nvGrpSpPr>
+      <p:grpSpPr>
+        <a:xfrm>
+          <a:off x="0" y="0"/>
+          <a:ext cx="0" cy="0"/>
+          <a:chOff x="0" y="0"/>
+          <a:chExt cx="0" cy="0"/>
+        </a:xfrm>
+      </p:grpSpPr>
+      <p:sp>
+        <p:nvSpPr>
+          <p:cNvPr id="2" name="幻灯片图像占位符 1"/>
+          <p:cNvSpPr>
+            <a:spLocks noGrp="1" noRot="1" noChangeAspect="1"/>
+          </p:cNvSpPr>
+          <p:nvPr>
+            <p:ph type="sldImg"/>
+          </p:nvPr>
+        </p:nvSpPr>
+        <p:spPr/>
+      </p:sp>
+      <p:sp>
+        <p:nvSpPr>
+          <p:cNvPr id="3" name="备注占位符 2"/>
+          <p:cNvSpPr>
+            <a:spLocks noGrp="1"/>
+          </p:cNvSpPr>
+          <p:nvPr>
+            <p:ph type="body" idx="1"/>
+          </p:nvPr>
+        </p:nvSpPr>
+        <p:spPr/>
+        <p:txBody>
+          <a:bodyPr/>
+          <a:lstStyle/>
+          <a:p>
+            <a:endParaRPr lang="zh-CN" altLang="en-US" dirty="0"/>
+          </a:p>
+        </p:txBody>
+      </p:sp>
+      <p:sp>
+        <p:nvSpPr>
+          <p:cNvPr id="4" name="灯片编号占位符 3"/>
+          <p:cNvSpPr>
+            <a:spLocks noGrp="1"/>
+          </p:cNvSpPr>
+          <p:nvPr>
+            <p:ph type="sldNum" sz="quarter" idx="10"/>
+          </p:nvPr>
+        </p:nvSpPr>
+        <p:spPr/>
+        <p:txBody>
+          <a:bodyPr/>
+          <a:lstStyle/>
+          <a:p>
+            <a:fld id="{3CBEB2FA-5051-4E61-825C-FAC231D30695}" type="slidenum">
+              <a:rPr lang="zh-CN" altLang="en-US" smtClean="0"/>
+              <a:pPr/>
+              <a:t>21</a:t>
             </a:fld>
             <a:endParaRPr lang="zh-CN" altLang="en-US"/>
           </a:p>
@@ -7410,7 +7496,7 @@
             <a:fld id="{11188646-8CEC-4AE4-B1E7-ADF9D885FD96}" type="datetimeFigureOut">
               <a:rPr lang="en-US" smtClean="0"/>
               <a:pPr/>
-              <a:t>3/20/2019</a:t>
+              <a:t>3/21/2019</a:t>
             </a:fld>
             <a:endParaRPr lang="en-US"/>
           </a:p>
@@ -7577,7 +7663,7 @@
             <a:fld id="{11188646-8CEC-4AE4-B1E7-ADF9D885FD96}" type="datetimeFigureOut">
               <a:rPr lang="en-US" smtClean="0"/>
               <a:pPr/>
-              <a:t>3/20/2019</a:t>
+              <a:t>3/21/2019</a:t>
             </a:fld>
             <a:endParaRPr lang="en-US"/>
           </a:p>
@@ -7754,7 +7840,7 @@
             <a:fld id="{11188646-8CEC-4AE4-B1E7-ADF9D885FD96}" type="datetimeFigureOut">
               <a:rPr lang="en-US" smtClean="0"/>
               <a:pPr/>
-              <a:t>3/20/2019</a:t>
+              <a:t>3/21/2019</a:t>
             </a:fld>
             <a:endParaRPr lang="en-US"/>
           </a:p>
@@ -7991,7 +8077,7 @@
             <a:fld id="{16FF2618-C234-4528-BB60-72360CB0937F}" type="datetimeFigureOut">
               <a:rPr lang="en-US" smtClean="0"/>
               <a:pPr/>
-              <a:t>3/20/2019</a:t>
+              <a:t>3/21/2019</a:t>
             </a:fld>
             <a:endParaRPr lang="en-US"/>
           </a:p>
@@ -8156,7 +8242,7 @@
             <a:fld id="{16FF2618-C234-4528-BB60-72360CB0937F}" type="datetimeFigureOut">
               <a:rPr lang="en-US" smtClean="0"/>
               <a:pPr/>
-              <a:t>3/20/2019</a:t>
+              <a:t>3/21/2019</a:t>
             </a:fld>
             <a:endParaRPr lang="en-US"/>
           </a:p>
@@ -8398,7 +8484,7 @@
             <a:fld id="{16FF2618-C234-4528-BB60-72360CB0937F}" type="datetimeFigureOut">
               <a:rPr lang="en-US" smtClean="0"/>
               <a:pPr/>
-              <a:t>3/20/2019</a:t>
+              <a:t>3/21/2019</a:t>
             </a:fld>
             <a:endParaRPr lang="en-US"/>
           </a:p>
@@ -8680,7 +8766,7 @@
             <a:fld id="{16FF2618-C234-4528-BB60-72360CB0937F}" type="datetimeFigureOut">
               <a:rPr lang="en-US" smtClean="0"/>
               <a:pPr/>
-              <a:t>3/20/2019</a:t>
+              <a:t>3/21/2019</a:t>
             </a:fld>
             <a:endParaRPr lang="en-US"/>
           </a:p>
@@ -9096,7 +9182,7 @@
             <a:fld id="{16FF2618-C234-4528-BB60-72360CB0937F}" type="datetimeFigureOut">
               <a:rPr lang="en-US" smtClean="0"/>
               <a:pPr/>
-              <a:t>3/20/2019</a:t>
+              <a:t>3/21/2019</a:t>
             </a:fld>
             <a:endParaRPr lang="en-US"/>
           </a:p>
@@ -9210,7 +9296,7 @@
             <a:fld id="{16FF2618-C234-4528-BB60-72360CB0937F}" type="datetimeFigureOut">
               <a:rPr lang="en-US" smtClean="0"/>
               <a:pPr/>
-              <a:t>3/20/2019</a:t>
+              <a:t>3/21/2019</a:t>
             </a:fld>
             <a:endParaRPr lang="en-US"/>
           </a:p>
@@ -9302,7 +9388,7 @@
             <a:fld id="{16FF2618-C234-4528-BB60-72360CB0937F}" type="datetimeFigureOut">
               <a:rPr lang="en-US" smtClean="0"/>
               <a:pPr/>
-              <a:t>3/20/2019</a:t>
+              <a:t>3/21/2019</a:t>
             </a:fld>
             <a:endParaRPr lang="en-US"/>
           </a:p>
@@ -9574,7 +9660,7 @@
             <a:fld id="{16FF2618-C234-4528-BB60-72360CB0937F}" type="datetimeFigureOut">
               <a:rPr lang="en-US" smtClean="0"/>
               <a:pPr/>
-              <a:t>3/20/2019</a:t>
+              <a:t>3/21/2019</a:t>
             </a:fld>
             <a:endParaRPr lang="en-US"/>
           </a:p>
@@ -9741,7 +9827,7 @@
             <a:fld id="{11188646-8CEC-4AE4-B1E7-ADF9D885FD96}" type="datetimeFigureOut">
               <a:rPr lang="en-US" smtClean="0"/>
               <a:pPr/>
-              <a:t>3/20/2019</a:t>
+              <a:t>3/21/2019</a:t>
             </a:fld>
             <a:endParaRPr lang="en-US"/>
           </a:p>
@@ -9990,7 +10076,7 @@
             <a:fld id="{16FF2618-C234-4528-BB60-72360CB0937F}" type="datetimeFigureOut">
               <a:rPr lang="en-US" smtClean="0"/>
               <a:pPr/>
-              <a:t>3/20/2019</a:t>
+              <a:t>3/21/2019</a:t>
             </a:fld>
             <a:endParaRPr lang="en-US"/>
           </a:p>
@@ -10155,7 +10241,7 @@
             <a:fld id="{16FF2618-C234-4528-BB60-72360CB0937F}" type="datetimeFigureOut">
               <a:rPr lang="en-US" smtClean="0"/>
               <a:pPr/>
-              <a:t>3/20/2019</a:t>
+              <a:t>3/21/2019</a:t>
             </a:fld>
             <a:endParaRPr lang="en-US"/>
           </a:p>
@@ -10330,7 +10416,7 @@
             <a:fld id="{16FF2618-C234-4528-BB60-72360CB0937F}" type="datetimeFigureOut">
               <a:rPr lang="en-US" smtClean="0"/>
               <a:pPr/>
-              <a:t>3/20/2019</a:t>
+              <a:t>3/21/2019</a:t>
             </a:fld>
             <a:endParaRPr lang="en-US"/>
           </a:p>
@@ -10573,7 +10659,7 @@
             <a:fld id="{11188646-8CEC-4AE4-B1E7-ADF9D885FD96}" type="datetimeFigureOut">
               <a:rPr lang="en-US" smtClean="0"/>
               <a:pPr/>
-              <a:t>3/20/2019</a:t>
+              <a:t>3/21/2019</a:t>
             </a:fld>
             <a:endParaRPr lang="en-US"/>
           </a:p>
@@ -10858,7 +10944,7 @@
             <a:fld id="{11188646-8CEC-4AE4-B1E7-ADF9D885FD96}" type="datetimeFigureOut">
               <a:rPr lang="en-US" smtClean="0"/>
               <a:pPr/>
-              <a:t>3/20/2019</a:t>
+              <a:t>3/21/2019</a:t>
             </a:fld>
             <a:endParaRPr lang="en-US"/>
           </a:p>
@@ -11277,7 +11363,7 @@
             <a:fld id="{11188646-8CEC-4AE4-B1E7-ADF9D885FD96}" type="datetimeFigureOut">
               <a:rPr lang="en-US" smtClean="0"/>
               <a:pPr/>
-              <a:t>3/20/2019</a:t>
+              <a:t>3/21/2019</a:t>
             </a:fld>
             <a:endParaRPr lang="en-US"/>
           </a:p>
@@ -11392,7 +11478,7 @@
             <a:fld id="{11188646-8CEC-4AE4-B1E7-ADF9D885FD96}" type="datetimeFigureOut">
               <a:rPr lang="en-US" smtClean="0"/>
               <a:pPr/>
-              <a:t>3/20/2019</a:t>
+              <a:t>3/21/2019</a:t>
             </a:fld>
             <a:endParaRPr lang="en-US"/>
           </a:p>
@@ -11484,7 +11570,7 @@
             <a:fld id="{11188646-8CEC-4AE4-B1E7-ADF9D885FD96}" type="datetimeFigureOut">
               <a:rPr lang="en-US" smtClean="0"/>
               <a:pPr/>
-              <a:t>3/20/2019</a:t>
+              <a:t>3/21/2019</a:t>
             </a:fld>
             <a:endParaRPr lang="en-US"/>
           </a:p>
@@ -11758,7 +11844,7 @@
             <a:fld id="{11188646-8CEC-4AE4-B1E7-ADF9D885FD96}" type="datetimeFigureOut">
               <a:rPr lang="en-US" smtClean="0"/>
               <a:pPr/>
-              <a:t>3/20/2019</a:t>
+              <a:t>3/21/2019</a:t>
             </a:fld>
             <a:endParaRPr lang="en-US"/>
           </a:p>
@@ -12012,7 +12098,7 @@
             <a:fld id="{11188646-8CEC-4AE4-B1E7-ADF9D885FD96}" type="datetimeFigureOut">
               <a:rPr lang="en-US" smtClean="0"/>
               <a:pPr/>
-              <a:t>3/20/2019</a:t>
+              <a:t>3/21/2019</a:t>
             </a:fld>
             <a:endParaRPr lang="en-US"/>
           </a:p>
@@ -13651,7 +13737,7 @@
             <a:fld id="{11188646-8CEC-4AE4-B1E7-ADF9D885FD96}" type="datetimeFigureOut">
               <a:rPr lang="en-US" smtClean="0"/>
               <a:pPr/>
-              <a:t>3/20/2019</a:t>
+              <a:t>3/21/2019</a:t>
             </a:fld>
             <a:endParaRPr lang="en-US"/>
           </a:p>
@@ -14171,7 +14257,7 @@
             <a:fld id="{16FF2618-C234-4528-BB60-72360CB0937F}" type="datetimeFigureOut">
               <a:rPr lang="en-US" smtClean="0"/>
               <a:pPr/>
-              <a:t>3/20/2019</a:t>
+              <a:t>3/21/2019</a:t>
             </a:fld>
             <a:endParaRPr lang="en-US"/>
           </a:p>
@@ -14949,7 +15035,7 @@
           <p:cNvPr id="7" name="标题 3">
             <a:extLst>
               <a:ext uri="{FF2B5EF4-FFF2-40B4-BE49-F238E27FC236}">
-                <a16:creationId xmlns="" xmlns:a16="http://schemas.microsoft.com/office/drawing/2014/main" id="{AAFAD872-B2FF-49B3-BD0A-FEA7C3C937B4}"/>
+                <a16:creationId xmlns:a16="http://schemas.microsoft.com/office/drawing/2014/main" xmlns="" id="{AAFAD872-B2FF-49B3-BD0A-FEA7C3C937B4}"/>
               </a:ext>
             </a:extLst>
           </p:cNvPr>
@@ -15008,7 +15094,7 @@
           <p:cNvPr id="3" name="矩形 2">
             <a:extLst>
               <a:ext uri="{FF2B5EF4-FFF2-40B4-BE49-F238E27FC236}">
-                <a16:creationId xmlns="" xmlns:a16="http://schemas.microsoft.com/office/drawing/2014/main" id="{35A150AD-A0AD-4135-A784-3CB0208945EE}"/>
+                <a16:creationId xmlns:a16="http://schemas.microsoft.com/office/drawing/2014/main" xmlns="" id="{35A150AD-A0AD-4135-A784-3CB0208945EE}"/>
               </a:ext>
             </a:extLst>
           </p:cNvPr>
@@ -15161,7 +15247,7 @@
           <p:cNvPr id="5" name="图片 4">
             <a:extLst>
               <a:ext uri="{FF2B5EF4-FFF2-40B4-BE49-F238E27FC236}">
-                <a16:creationId xmlns="" xmlns:a16="http://schemas.microsoft.com/office/drawing/2014/main" id="{29BFEBA0-D5F9-4FA5-918F-015FB9CAADFA}"/>
+                <a16:creationId xmlns:a16="http://schemas.microsoft.com/office/drawing/2014/main" xmlns="" id="{29BFEBA0-D5F9-4FA5-918F-015FB9CAADFA}"/>
               </a:ext>
             </a:extLst>
           </p:cNvPr>
@@ -15191,7 +15277,7 @@
           <p:cNvPr id="6" name="图片 5">
             <a:extLst>
               <a:ext uri="{FF2B5EF4-FFF2-40B4-BE49-F238E27FC236}">
-                <a16:creationId xmlns="" xmlns:a16="http://schemas.microsoft.com/office/drawing/2014/main" id="{0ED9F71E-71B4-4433-84F2-0DCCCDB62CC3}"/>
+                <a16:creationId xmlns:a16="http://schemas.microsoft.com/office/drawing/2014/main" xmlns="" id="{0ED9F71E-71B4-4433-84F2-0DCCCDB62CC3}"/>
               </a:ext>
             </a:extLst>
           </p:cNvPr>
@@ -15221,7 +15307,7 @@
           <p:cNvPr id="9" name="图片 8">
             <a:extLst>
               <a:ext uri="{FF2B5EF4-FFF2-40B4-BE49-F238E27FC236}">
-                <a16:creationId xmlns="" xmlns:a16="http://schemas.microsoft.com/office/drawing/2014/main" id="{2751DD13-5428-43B2-8702-52F30D1B1744}"/>
+                <a16:creationId xmlns:a16="http://schemas.microsoft.com/office/drawing/2014/main" xmlns="" id="{2751DD13-5428-43B2-8702-52F30D1B1744}"/>
               </a:ext>
             </a:extLst>
           </p:cNvPr>
@@ -15251,7 +15337,7 @@
           <p:cNvPr id="10" name="图片 9">
             <a:extLst>
               <a:ext uri="{FF2B5EF4-FFF2-40B4-BE49-F238E27FC236}">
-                <a16:creationId xmlns="" xmlns:a16="http://schemas.microsoft.com/office/drawing/2014/main" id="{1B5D15C3-22A4-4A71-972B-CC0593F4C3DB}"/>
+                <a16:creationId xmlns:a16="http://schemas.microsoft.com/office/drawing/2014/main" xmlns="" id="{1B5D15C3-22A4-4A71-972B-CC0593F4C3DB}"/>
               </a:ext>
             </a:extLst>
           </p:cNvPr>
@@ -15281,7 +15367,7 @@
           <p:cNvPr id="11" name="图片 10">
             <a:extLst>
               <a:ext uri="{FF2B5EF4-FFF2-40B4-BE49-F238E27FC236}">
-                <a16:creationId xmlns="" xmlns:a16="http://schemas.microsoft.com/office/drawing/2014/main" id="{2C744D10-E16A-4F45-877E-E2388F55AD9E}"/>
+                <a16:creationId xmlns:a16="http://schemas.microsoft.com/office/drawing/2014/main" xmlns="" id="{2C744D10-E16A-4F45-877E-E2388F55AD9E}"/>
               </a:ext>
             </a:extLst>
           </p:cNvPr>
@@ -15311,7 +15397,7 @@
           <p:cNvPr id="13" name="矩形 12">
             <a:extLst>
               <a:ext uri="{FF2B5EF4-FFF2-40B4-BE49-F238E27FC236}">
-                <a16:creationId xmlns="" xmlns:a16="http://schemas.microsoft.com/office/drawing/2014/main" id="{C901DBC9-7A63-4ABE-B557-8F89F392E3DF}"/>
+                <a16:creationId xmlns:a16="http://schemas.microsoft.com/office/drawing/2014/main" xmlns="" id="{C901DBC9-7A63-4ABE-B557-8F89F392E3DF}"/>
               </a:ext>
             </a:extLst>
           </p:cNvPr>
@@ -15379,7 +15465,7 @@
           <p:cNvPr id="14" name="矩形 13">
             <a:extLst>
               <a:ext uri="{FF2B5EF4-FFF2-40B4-BE49-F238E27FC236}">
-                <a16:creationId xmlns="" xmlns:a16="http://schemas.microsoft.com/office/drawing/2014/main" id="{2BE8B244-BA20-410C-9401-2789008B963A}"/>
+                <a16:creationId xmlns:a16="http://schemas.microsoft.com/office/drawing/2014/main" xmlns="" id="{2BE8B244-BA20-410C-9401-2789008B963A}"/>
               </a:ext>
             </a:extLst>
           </p:cNvPr>
@@ -15449,7 +15535,7 @@
               <p:cNvPr id="20" name="文本框 3">
                 <a:extLst>
                   <a:ext uri="{FF2B5EF4-FFF2-40B4-BE49-F238E27FC236}">
-                    <a16:creationId xmlns="" xmlns:a16="http://schemas.microsoft.com/office/drawing/2014/main" id="{E571047C-CBE4-4F35-B9FF-4C841093AD8E}"/>
+                    <a16:creationId xmlns:a16="http://schemas.microsoft.com/office/drawing/2014/main" xmlns="" id="{E571047C-CBE4-4F35-B9FF-4C841093AD8E}"/>
                   </a:ext>
                 </a:extLst>
               </p:cNvPr>
@@ -16089,7 +16175,7 @@
           <p:cNvPr id="15" name="图片 14">
             <a:extLst>
               <a:ext uri="{FF2B5EF4-FFF2-40B4-BE49-F238E27FC236}">
-                <a16:creationId xmlns="" xmlns:a16="http://schemas.microsoft.com/office/drawing/2014/main" id="{BEF4B279-AF0D-4902-87E8-695DBACEE1A0}"/>
+                <a16:creationId xmlns:a16="http://schemas.microsoft.com/office/drawing/2014/main" xmlns="" id="{BEF4B279-AF0D-4902-87E8-695DBACEE1A0}"/>
               </a:ext>
             </a:extLst>
           </p:cNvPr>
@@ -16267,7 +16353,7 @@
           <p:cNvPr id="7" name="标题 3">
             <a:extLst>
               <a:ext uri="{FF2B5EF4-FFF2-40B4-BE49-F238E27FC236}">
-                <a16:creationId xmlns="" xmlns:a16="http://schemas.microsoft.com/office/drawing/2014/main" id="{AAFAD872-B2FF-49B3-BD0A-FEA7C3C937B4}"/>
+                <a16:creationId xmlns:a16="http://schemas.microsoft.com/office/drawing/2014/main" xmlns="" id="{AAFAD872-B2FF-49B3-BD0A-FEA7C3C937B4}"/>
               </a:ext>
             </a:extLst>
           </p:cNvPr>
@@ -16326,7 +16412,7 @@
           <p:cNvPr id="12" name="Rectangle 17">
             <a:extLst>
               <a:ext uri="{FF2B5EF4-FFF2-40B4-BE49-F238E27FC236}">
-                <a16:creationId xmlns="" xmlns:a16="http://schemas.microsoft.com/office/drawing/2014/main" id="{9EDDFDB7-7085-4A03-A70A-E39BB6C14A26}"/>
+                <a16:creationId xmlns:a16="http://schemas.microsoft.com/office/drawing/2014/main" xmlns="" id="{9EDDFDB7-7085-4A03-A70A-E39BB6C14A26}"/>
               </a:ext>
             </a:extLst>
           </p:cNvPr>
@@ -16519,7 +16605,7 @@
           <p:cNvPr id="2" name="矩形 1">
             <a:extLst>
               <a:ext uri="{FF2B5EF4-FFF2-40B4-BE49-F238E27FC236}">
-                <a16:creationId xmlns="" xmlns:a16="http://schemas.microsoft.com/office/drawing/2014/main" id="{15F4509F-9EAC-40C8-AEE0-A3C55E1366FF}"/>
+                <a16:creationId xmlns:a16="http://schemas.microsoft.com/office/drawing/2014/main" xmlns="" id="{15F4509F-9EAC-40C8-AEE0-A3C55E1366FF}"/>
               </a:ext>
             </a:extLst>
           </p:cNvPr>
@@ -16599,7 +16685,7 @@
           <p:cNvPr id="15" name="Rectangle 17">
             <a:extLst>
               <a:ext uri="{FF2B5EF4-FFF2-40B4-BE49-F238E27FC236}">
-                <a16:creationId xmlns="" xmlns:a16="http://schemas.microsoft.com/office/drawing/2014/main" id="{D80FEA11-245F-4E2D-BAC9-4478938D8A9A}"/>
+                <a16:creationId xmlns:a16="http://schemas.microsoft.com/office/drawing/2014/main" xmlns="" id="{D80FEA11-245F-4E2D-BAC9-4478938D8A9A}"/>
               </a:ext>
             </a:extLst>
           </p:cNvPr>
@@ -16941,7 +17027,7 @@
           <p:cNvPr id="15" name="标题 3">
             <a:extLst>
               <a:ext uri="{FF2B5EF4-FFF2-40B4-BE49-F238E27FC236}">
-                <a16:creationId xmlns="" xmlns:a16="http://schemas.microsoft.com/office/drawing/2014/main" id="{F68BA453-3377-4256-A938-E7CF0F36192B}"/>
+                <a16:creationId xmlns:a16="http://schemas.microsoft.com/office/drawing/2014/main" xmlns="" id="{F68BA453-3377-4256-A938-E7CF0F36192B}"/>
               </a:ext>
             </a:extLst>
           </p:cNvPr>
@@ -16994,7 +17080,7 @@
           <p:cNvPr id="5" name="TextBox 16">
             <a:extLst>
               <a:ext uri="{FF2B5EF4-FFF2-40B4-BE49-F238E27FC236}">
-                <a16:creationId xmlns="" xmlns:a16="http://schemas.microsoft.com/office/drawing/2014/main" id="{B838591C-0CB1-49DD-9C4F-1592AE0331C6}"/>
+                <a16:creationId xmlns:a16="http://schemas.microsoft.com/office/drawing/2014/main" xmlns="" id="{B838591C-0CB1-49DD-9C4F-1592AE0331C6}"/>
               </a:ext>
             </a:extLst>
           </p:cNvPr>
@@ -17064,32 +17150,66 @@
       </p:sp>
       <p:pic>
         <p:nvPicPr>
-          <p:cNvPr id="2" name="图片 1">
-            <a:extLst>
-              <a:ext uri="{FF2B5EF4-FFF2-40B4-BE49-F238E27FC236}">
-                <a16:creationId xmlns="" xmlns:a16="http://schemas.microsoft.com/office/drawing/2014/main" id="{5EE879CE-5704-44C7-B79C-F632DBDCA411}"/>
-              </a:ext>
-            </a:extLst>
-          </p:cNvPr>
+          <p:cNvPr id="1026" name="Picture 2"/>
           <p:cNvPicPr>
-            <a:picLocks noChangeAspect="1"/>
+            <a:picLocks noChangeAspect="1" noChangeArrowheads="1"/>
           </p:cNvPicPr>
           <p:nvPr/>
         </p:nvPicPr>
         <p:blipFill>
-          <a:blip r:embed="rId3"/>
+          <a:blip r:embed="rId3">
+            <a:extLst>
+              <a:ext uri="{28A0092B-C50C-407E-A947-70E740481C1C}">
+                <a14:useLocalDpi xmlns:a14="http://schemas.microsoft.com/office/drawing/2010/main" val="0"/>
+              </a:ext>
+            </a:extLst>
+          </a:blip>
+          <a:srcRect/>
           <a:stretch>
             <a:fillRect/>
           </a:stretch>
         </p:blipFill>
-        <p:spPr>
+        <p:spPr bwMode="auto">
           <a:xfrm>
-            <a:off x="285736" y="1431021"/>
-            <a:ext cx="8358214" cy="4867685"/>
+            <a:off x="257175" y="1484582"/>
+            <a:ext cx="8525118" cy="4080250"/>
           </a:xfrm>
           <a:prstGeom prst="rect">
             <a:avLst/>
           </a:prstGeom>
+          <a:noFill/>
+          <a:ln>
+            <a:noFill/>
+          </a:ln>
+          <a:effectLst/>
+          <a:extLst>
+            <a:ext uri="{909E8E84-426E-40DD-AFC4-6F175D3DCCD1}">
+              <a14:hiddenFill xmlns:a14="http://schemas.microsoft.com/office/drawing/2010/main">
+                <a:solidFill>
+                  <a:schemeClr val="accent1"/>
+                </a:solidFill>
+              </a14:hiddenFill>
+            </a:ext>
+            <a:ext uri="{91240B29-F687-4F45-9708-019B960494DF}">
+              <a14:hiddenLine xmlns:a14="http://schemas.microsoft.com/office/drawing/2010/main" w="9525">
+                <a:solidFill>
+                  <a:schemeClr val="tx1"/>
+                </a:solidFill>
+                <a:miter lim="800000"/>
+                <a:headEnd/>
+                <a:tailEnd/>
+              </a14:hiddenLine>
+            </a:ext>
+            <a:ext uri="{AF507438-7753-43E0-B8FC-AC1667EBCBE1}">
+              <a14:hiddenEffects xmlns:a14="http://schemas.microsoft.com/office/drawing/2010/main">
+                <a:effectLst>
+                  <a:outerShdw dist="35921" dir="2700000" algn="ctr" rotWithShape="0">
+                    <a:schemeClr val="bg2"/>
+                  </a:outerShdw>
+                </a:effectLst>
+              </a14:hiddenEffects>
+            </a:ext>
+          </a:extLst>
         </p:spPr>
       </p:pic>
     </p:spTree>
@@ -17102,6 +17222,13 @@
   <p:clrMapOvr>
     <a:masterClrMapping/>
   </p:clrMapOvr>
+  <p:timing>
+    <p:tnLst>
+      <p:par>
+        <p:cTn id="1" dur="indefinite" restart="never" nodeType="tmRoot"/>
+      </p:par>
+    </p:tnLst>
+  </p:timing>
 </p:sld>
 </file>
 
@@ -17164,7 +17291,7 @@
           <p:cNvPr id="15" name="标题 3">
             <a:extLst>
               <a:ext uri="{FF2B5EF4-FFF2-40B4-BE49-F238E27FC236}">
-                <a16:creationId xmlns="" xmlns:a16="http://schemas.microsoft.com/office/drawing/2014/main" id="{F68BA453-3377-4256-A938-E7CF0F36192B}"/>
+                <a16:creationId xmlns:a16="http://schemas.microsoft.com/office/drawing/2014/main" xmlns="" id="{F68BA453-3377-4256-A938-E7CF0F36192B}"/>
               </a:ext>
             </a:extLst>
           </p:cNvPr>
@@ -17217,7 +17344,7 @@
           <p:cNvPr id="4" name="TextBox 16">
             <a:extLst>
               <a:ext uri="{FF2B5EF4-FFF2-40B4-BE49-F238E27FC236}">
-                <a16:creationId xmlns="" xmlns:a16="http://schemas.microsoft.com/office/drawing/2014/main" id="{DF9522B2-B195-4EA2-8FD9-1D8D6A22AD62}"/>
+                <a16:creationId xmlns:a16="http://schemas.microsoft.com/office/drawing/2014/main" xmlns="" id="{DF9522B2-B195-4EA2-8FD9-1D8D6A22AD62}"/>
               </a:ext>
             </a:extLst>
           </p:cNvPr>
@@ -17288,32 +17415,66 @@
       </p:sp>
       <p:pic>
         <p:nvPicPr>
-          <p:cNvPr id="2" name="图片 1">
-            <a:extLst>
-              <a:ext uri="{FF2B5EF4-FFF2-40B4-BE49-F238E27FC236}">
-                <a16:creationId xmlns="" xmlns:a16="http://schemas.microsoft.com/office/drawing/2014/main" id="{03CC841E-159F-449F-A0E9-50E1E50DC668}"/>
-              </a:ext>
-            </a:extLst>
-          </p:cNvPr>
+          <p:cNvPr id="2050" name="Picture 2"/>
           <p:cNvPicPr>
-            <a:picLocks noChangeAspect="1"/>
+            <a:picLocks noChangeAspect="1" noChangeArrowheads="1"/>
           </p:cNvPicPr>
           <p:nvPr/>
         </p:nvPicPr>
         <p:blipFill>
-          <a:blip r:embed="rId3"/>
+          <a:blip r:embed="rId3">
+            <a:extLst>
+              <a:ext uri="{28A0092B-C50C-407E-A947-70E740481C1C}">
+                <a14:useLocalDpi xmlns:a14="http://schemas.microsoft.com/office/drawing/2010/main" val="0"/>
+              </a:ext>
+            </a:extLst>
+          </a:blip>
+          <a:srcRect/>
           <a:stretch>
             <a:fillRect/>
           </a:stretch>
         </p:blipFill>
-        <p:spPr>
+        <p:spPr bwMode="auto">
           <a:xfrm>
-            <a:off x="1167655" y="1264448"/>
-            <a:ext cx="5924625" cy="5476920"/>
+            <a:off x="298799" y="1556792"/>
+            <a:ext cx="8524875" cy="4333875"/>
           </a:xfrm>
           <a:prstGeom prst="rect">
             <a:avLst/>
           </a:prstGeom>
+          <a:noFill/>
+          <a:ln>
+            <a:noFill/>
+          </a:ln>
+          <a:effectLst/>
+          <a:extLst>
+            <a:ext uri="{909E8E84-426E-40DD-AFC4-6F175D3DCCD1}">
+              <a14:hiddenFill xmlns:a14="http://schemas.microsoft.com/office/drawing/2010/main">
+                <a:solidFill>
+                  <a:schemeClr val="accent1"/>
+                </a:solidFill>
+              </a14:hiddenFill>
+            </a:ext>
+            <a:ext uri="{91240B29-F687-4F45-9708-019B960494DF}">
+              <a14:hiddenLine xmlns:a14="http://schemas.microsoft.com/office/drawing/2010/main" w="9525">
+                <a:solidFill>
+                  <a:schemeClr val="tx1"/>
+                </a:solidFill>
+                <a:miter lim="800000"/>
+                <a:headEnd/>
+                <a:tailEnd/>
+              </a14:hiddenLine>
+            </a:ext>
+            <a:ext uri="{AF507438-7753-43E0-B8FC-AC1667EBCBE1}">
+              <a14:hiddenEffects xmlns:a14="http://schemas.microsoft.com/office/drawing/2010/main">
+                <a:effectLst>
+                  <a:outerShdw dist="35921" dir="2700000" algn="ctr" rotWithShape="0">
+                    <a:schemeClr val="bg2"/>
+                  </a:outerShdw>
+                </a:effectLst>
+              </a14:hiddenEffects>
+            </a:ext>
+          </a:extLst>
         </p:spPr>
       </p:pic>
     </p:spTree>
@@ -17326,6 +17487,13 @@
   <p:clrMapOvr>
     <a:masterClrMapping/>
   </p:clrMapOvr>
+  <p:timing>
+    <p:tnLst>
+      <p:par>
+        <p:cTn id="1" dur="indefinite" restart="never" nodeType="tmRoot"/>
+      </p:par>
+    </p:tnLst>
+  </p:timing>
 </p:sld>
 </file>
 
@@ -17346,36 +17514,6 @@
           <a:chExt cx="0" cy="0"/>
         </a:xfrm>
       </p:grpSpPr>
-      <p:pic>
-        <p:nvPicPr>
-          <p:cNvPr id="3" name="图片 2">
-            <a:extLst>
-              <a:ext uri="{FF2B5EF4-FFF2-40B4-BE49-F238E27FC236}">
-                <a16:creationId xmlns="" xmlns:a16="http://schemas.microsoft.com/office/drawing/2014/main" id="{BA55013D-10D4-4405-B570-0F48603A56DC}"/>
-              </a:ext>
-            </a:extLst>
-          </p:cNvPr>
-          <p:cNvPicPr>
-            <a:picLocks noChangeAspect="1"/>
-          </p:cNvPicPr>
-          <p:nvPr/>
-        </p:nvPicPr>
-        <p:blipFill>
-          <a:blip r:embed="rId3"/>
-          <a:stretch>
-            <a:fillRect/>
-          </a:stretch>
-        </p:blipFill>
-        <p:spPr>
-          <a:xfrm>
-            <a:off x="1619672" y="829733"/>
-            <a:ext cx="6264696" cy="5937131"/>
-          </a:xfrm>
-          <a:prstGeom prst="rect">
-            <a:avLst/>
-          </a:prstGeom>
-        </p:spPr>
-      </p:pic>
       <p:cxnSp>
         <p:nvCxnSpPr>
           <p:cNvPr id="8" name="直接连接符 7"/>
@@ -17418,7 +17556,7 @@
           <p:cNvPr id="15" name="标题 3">
             <a:extLst>
               <a:ext uri="{FF2B5EF4-FFF2-40B4-BE49-F238E27FC236}">
-                <a16:creationId xmlns="" xmlns:a16="http://schemas.microsoft.com/office/drawing/2014/main" id="{F68BA453-3377-4256-A938-E7CF0F36192B}"/>
+                <a16:creationId xmlns:a16="http://schemas.microsoft.com/office/drawing/2014/main" xmlns="" id="{F68BA453-3377-4256-A938-E7CF0F36192B}"/>
               </a:ext>
             </a:extLst>
           </p:cNvPr>
@@ -17471,7 +17609,7 @@
           <p:cNvPr id="6" name="TextBox 16">
             <a:extLst>
               <a:ext uri="{FF2B5EF4-FFF2-40B4-BE49-F238E27FC236}">
-                <a16:creationId xmlns="" xmlns:a16="http://schemas.microsoft.com/office/drawing/2014/main" id="{EF88109A-EB66-41CC-84D1-40253C0A25FA}"/>
+                <a16:creationId xmlns:a16="http://schemas.microsoft.com/office/drawing/2014/main" xmlns="" id="{EF88109A-EB66-41CC-84D1-40253C0A25FA}"/>
               </a:ext>
             </a:extLst>
           </p:cNvPr>
@@ -17540,6 +17678,70 @@
           </a:p>
         </p:txBody>
       </p:sp>
+      <p:pic>
+        <p:nvPicPr>
+          <p:cNvPr id="3074" name="Picture 2"/>
+          <p:cNvPicPr>
+            <a:picLocks noChangeAspect="1" noChangeArrowheads="1"/>
+          </p:cNvPicPr>
+          <p:nvPr/>
+        </p:nvPicPr>
+        <p:blipFill>
+          <a:blip r:embed="rId3">
+            <a:extLst>
+              <a:ext uri="{28A0092B-C50C-407E-A947-70E740481C1C}">
+                <a14:useLocalDpi xmlns:a14="http://schemas.microsoft.com/office/drawing/2010/main" val="0"/>
+              </a:ext>
+            </a:extLst>
+          </a:blip>
+          <a:srcRect/>
+          <a:stretch>
+            <a:fillRect/>
+          </a:stretch>
+        </p:blipFill>
+        <p:spPr bwMode="auto">
+          <a:xfrm>
+            <a:off x="1839103" y="1484784"/>
+            <a:ext cx="5251480" cy="4307208"/>
+          </a:xfrm>
+          <a:prstGeom prst="rect">
+            <a:avLst/>
+          </a:prstGeom>
+          <a:noFill/>
+          <a:ln>
+            <a:noFill/>
+          </a:ln>
+          <a:effectLst/>
+          <a:extLst>
+            <a:ext uri="{909E8E84-426E-40DD-AFC4-6F175D3DCCD1}">
+              <a14:hiddenFill xmlns:a14="http://schemas.microsoft.com/office/drawing/2010/main">
+                <a:solidFill>
+                  <a:schemeClr val="accent1"/>
+                </a:solidFill>
+              </a14:hiddenFill>
+            </a:ext>
+            <a:ext uri="{91240B29-F687-4F45-9708-019B960494DF}">
+              <a14:hiddenLine xmlns:a14="http://schemas.microsoft.com/office/drawing/2010/main" w="9525">
+                <a:solidFill>
+                  <a:schemeClr val="tx1"/>
+                </a:solidFill>
+                <a:miter lim="800000"/>
+                <a:headEnd/>
+                <a:tailEnd/>
+              </a14:hiddenLine>
+            </a:ext>
+            <a:ext uri="{AF507438-7753-43E0-B8FC-AC1667EBCBE1}">
+              <a14:hiddenEffects xmlns:a14="http://schemas.microsoft.com/office/drawing/2010/main">
+                <a:effectLst>
+                  <a:outerShdw dist="35921" dir="2700000" algn="ctr" rotWithShape="0">
+                    <a:schemeClr val="bg2"/>
+                  </a:outerShdw>
+                </a:effectLst>
+              </a14:hiddenEffects>
+            </a:ext>
+          </a:extLst>
+        </p:spPr>
+      </p:pic>
     </p:spTree>
     <p:extLst>
       <p:ext uri="{BB962C8B-B14F-4D97-AF65-F5344CB8AC3E}">
@@ -17550,6 +17752,13 @@
   <p:clrMapOvr>
     <a:masterClrMapping/>
   </p:clrMapOvr>
+  <p:timing>
+    <p:tnLst>
+      <p:par>
+        <p:cTn id="1" dur="indefinite" restart="never" nodeType="tmRoot"/>
+      </p:par>
+    </p:tnLst>
+  </p:timing>
 </p:sld>
 </file>
 
@@ -17570,36 +17779,6 @@
           <a:chExt cx="0" cy="0"/>
         </a:xfrm>
       </p:grpSpPr>
-      <p:pic>
-        <p:nvPicPr>
-          <p:cNvPr id="2" name="图片 1">
-            <a:extLst>
-              <a:ext uri="{FF2B5EF4-FFF2-40B4-BE49-F238E27FC236}">
-                <a16:creationId xmlns="" xmlns:a16="http://schemas.microsoft.com/office/drawing/2014/main" id="{753A40AA-FE46-48A5-988B-B732F54A75E3}"/>
-              </a:ext>
-            </a:extLst>
-          </p:cNvPr>
-          <p:cNvPicPr>
-            <a:picLocks noChangeAspect="1"/>
-          </p:cNvPicPr>
-          <p:nvPr/>
-        </p:nvPicPr>
-        <p:blipFill>
-          <a:blip r:embed="rId3"/>
-          <a:stretch>
-            <a:fillRect/>
-          </a:stretch>
-        </p:blipFill>
-        <p:spPr>
-          <a:xfrm>
-            <a:off x="1043608" y="1124744"/>
-            <a:ext cx="7489875" cy="5629697"/>
-          </a:xfrm>
-          <a:prstGeom prst="rect">
-            <a:avLst/>
-          </a:prstGeom>
-        </p:spPr>
-      </p:pic>
       <p:cxnSp>
         <p:nvCxnSpPr>
           <p:cNvPr id="8" name="直接连接符 7"/>
@@ -17642,7 +17821,7 @@
           <p:cNvPr id="15" name="标题 3">
             <a:extLst>
               <a:ext uri="{FF2B5EF4-FFF2-40B4-BE49-F238E27FC236}">
-                <a16:creationId xmlns="" xmlns:a16="http://schemas.microsoft.com/office/drawing/2014/main" id="{F68BA453-3377-4256-A938-E7CF0F36192B}"/>
+                <a16:creationId xmlns:a16="http://schemas.microsoft.com/office/drawing/2014/main" xmlns="" id="{F68BA453-3377-4256-A938-E7CF0F36192B}"/>
               </a:ext>
             </a:extLst>
           </p:cNvPr>
@@ -17695,7 +17874,7 @@
           <p:cNvPr id="7" name="TextBox 16">
             <a:extLst>
               <a:ext uri="{FF2B5EF4-FFF2-40B4-BE49-F238E27FC236}">
-                <a16:creationId xmlns="" xmlns:a16="http://schemas.microsoft.com/office/drawing/2014/main" id="{EC28C2B4-1861-4967-A78B-CC234E008A94}"/>
+                <a16:creationId xmlns:a16="http://schemas.microsoft.com/office/drawing/2014/main" xmlns="" id="{EC28C2B4-1861-4967-A78B-CC234E008A94}"/>
               </a:ext>
             </a:extLst>
           </p:cNvPr>
@@ -17756,6 +17935,70 @@
           </a:p>
         </p:txBody>
       </p:sp>
+      <p:pic>
+        <p:nvPicPr>
+          <p:cNvPr id="4098" name="Picture 2"/>
+          <p:cNvPicPr>
+            <a:picLocks noChangeAspect="1" noChangeArrowheads="1"/>
+          </p:cNvPicPr>
+          <p:nvPr/>
+        </p:nvPicPr>
+        <p:blipFill>
+          <a:blip r:embed="rId3">
+            <a:extLst>
+              <a:ext uri="{28A0092B-C50C-407E-A947-70E740481C1C}">
+                <a14:useLocalDpi xmlns:a14="http://schemas.microsoft.com/office/drawing/2010/main" val="0"/>
+              </a:ext>
+            </a:extLst>
+          </a:blip>
+          <a:srcRect/>
+          <a:stretch>
+            <a:fillRect/>
+          </a:stretch>
+        </p:blipFill>
+        <p:spPr bwMode="auto">
+          <a:xfrm>
+            <a:off x="1169193" y="1466850"/>
+            <a:ext cx="6591300" cy="3924300"/>
+          </a:xfrm>
+          <a:prstGeom prst="rect">
+            <a:avLst/>
+          </a:prstGeom>
+          <a:noFill/>
+          <a:ln>
+            <a:noFill/>
+          </a:ln>
+          <a:effectLst/>
+          <a:extLst>
+            <a:ext uri="{909E8E84-426E-40DD-AFC4-6F175D3DCCD1}">
+              <a14:hiddenFill xmlns:a14="http://schemas.microsoft.com/office/drawing/2010/main">
+                <a:solidFill>
+                  <a:schemeClr val="accent1"/>
+                </a:solidFill>
+              </a14:hiddenFill>
+            </a:ext>
+            <a:ext uri="{91240B29-F687-4F45-9708-019B960494DF}">
+              <a14:hiddenLine xmlns:a14="http://schemas.microsoft.com/office/drawing/2010/main" w="9525">
+                <a:solidFill>
+                  <a:schemeClr val="tx1"/>
+                </a:solidFill>
+                <a:miter lim="800000"/>
+                <a:headEnd/>
+                <a:tailEnd/>
+              </a14:hiddenLine>
+            </a:ext>
+            <a:ext uri="{AF507438-7753-43E0-B8FC-AC1667EBCBE1}">
+              <a14:hiddenEffects xmlns:a14="http://schemas.microsoft.com/office/drawing/2010/main">
+                <a:effectLst>
+                  <a:outerShdw dist="35921" dir="2700000" algn="ctr" rotWithShape="0">
+                    <a:schemeClr val="bg2"/>
+                  </a:outerShdw>
+                </a:effectLst>
+              </a14:hiddenEffects>
+            </a:ext>
+          </a:extLst>
+        </p:spPr>
+      </p:pic>
     </p:spTree>
     <p:extLst>
       <p:ext uri="{BB962C8B-B14F-4D97-AF65-F5344CB8AC3E}">
@@ -17794,7 +18037,7 @@
         </p:nvCxnSpPr>
         <p:spPr>
           <a:xfrm>
-            <a:off x="535737" y="750864"/>
+            <a:off x="571472" y="692696"/>
             <a:ext cx="7786742" cy="1588"/>
           </a:xfrm>
           <a:prstGeom prst="line">
@@ -17828,7 +18071,7 @@
           <p:cNvPr id="15" name="标题 3">
             <a:extLst>
               <a:ext uri="{FF2B5EF4-FFF2-40B4-BE49-F238E27FC236}">
-                <a16:creationId xmlns="" xmlns:a16="http://schemas.microsoft.com/office/drawing/2014/main" id="{F68BA453-3377-4256-A938-E7CF0F36192B}"/>
+                <a16:creationId xmlns:a16="http://schemas.microsoft.com/office/drawing/2014/main" xmlns="" id="{F68BA453-3377-4256-A938-E7CF0F36192B}"/>
               </a:ext>
             </a:extLst>
           </p:cNvPr>
@@ -17839,7 +18082,7 @@
         </p:nvSpPr>
         <p:spPr bwMode="auto">
           <a:xfrm>
-            <a:off x="257175" y="142852"/>
+            <a:off x="257175" y="44624"/>
             <a:ext cx="7243783" cy="609600"/>
           </a:xfrm>
           <a:prstGeom prst="rect">
@@ -17878,10 +18121,10 @@
       </p:sp>
       <p:sp>
         <p:nvSpPr>
-          <p:cNvPr id="9" name="TextBox 16">
+          <p:cNvPr id="7" name="TextBox 16">
             <a:extLst>
               <a:ext uri="{FF2B5EF4-FFF2-40B4-BE49-F238E27FC236}">
-                <a16:creationId xmlns="" xmlns:a16="http://schemas.microsoft.com/office/drawing/2014/main" id="{D5617185-F20C-4289-87BB-94CEDC0F5226}"/>
+                <a16:creationId xmlns:a16="http://schemas.microsoft.com/office/drawing/2014/main" xmlns="" id="{EC28C2B4-1861-4967-A78B-CC234E008A94}"/>
               </a:ext>
             </a:extLst>
           </p:cNvPr>
@@ -17892,8 +18135,8 @@
         </p:nvSpPr>
         <p:spPr bwMode="auto">
           <a:xfrm>
-            <a:off x="257175" y="952330"/>
-            <a:ext cx="2154585" cy="400110"/>
+            <a:off x="257175" y="792834"/>
+            <a:ext cx="5985817" cy="400110"/>
           </a:xfrm>
           <a:prstGeom prst="rect">
             <a:avLst/>
@@ -17922,13 +18165,10 @@
                 <a:ea typeface="楷体" pitchFamily="49" charset="-122"/>
                 <a:cs typeface="Times New Roman" panose="02020603050405020304" pitchFamily="18" charset="0"/>
               </a:rPr>
-              <a:t>Region Accuracy</a:t>
+              <a:t>region-level symmetry detection</a:t>
             </a:r>
             <a:r>
               <a:rPr lang="zh-CN" altLang="en-US" sz="2000" b="1" dirty="0">
-                <a:solidFill>
-                  <a:srgbClr val="FF0000"/>
-                </a:solidFill>
                 <a:latin typeface="Times New Roman" panose="02020603050405020304" pitchFamily="18" charset="0"/>
                 <a:ea typeface="楷体" pitchFamily="49" charset="-122"/>
                 <a:cs typeface="Times New Roman" panose="02020603050405020304" pitchFamily="18" charset="0"/>
@@ -17937,9 +18177,6 @@
               <a:t>： </a:t>
             </a:r>
             <a:endParaRPr lang="en-US" altLang="zh-CN" sz="2000" b="1" dirty="0">
-              <a:solidFill>
-                <a:srgbClr val="FF0000"/>
-              </a:solidFill>
               <a:latin typeface="Times New Roman" panose="02020603050405020304" pitchFamily="18" charset="0"/>
               <a:ea typeface="楷体" pitchFamily="49" charset="-122"/>
               <a:cs typeface="Times New Roman" panose="02020603050405020304" pitchFamily="18" charset="0"/>
@@ -17950,38 +18187,72 @@
       </p:sp>
       <p:pic>
         <p:nvPicPr>
-          <p:cNvPr id="3" name="图片 2">
-            <a:extLst>
-              <a:ext uri="{FF2B5EF4-FFF2-40B4-BE49-F238E27FC236}">
-                <a16:creationId xmlns="" xmlns:a16="http://schemas.microsoft.com/office/drawing/2014/main" id="{5C2AA254-7573-420C-AC08-FC3EE6BC7AC4}"/>
-              </a:ext>
-            </a:extLst>
-          </p:cNvPr>
+          <p:cNvPr id="5122" name="Picture 2"/>
           <p:cNvPicPr>
-            <a:picLocks noChangeAspect="1"/>
+            <a:picLocks noChangeAspect="1" noChangeArrowheads="1"/>
           </p:cNvPicPr>
           <p:nvPr/>
         </p:nvPicPr>
         <p:blipFill>
-          <a:blip r:embed="rId3"/>
+          <a:blip r:embed="rId3">
+            <a:extLst>
+              <a:ext uri="{28A0092B-C50C-407E-A947-70E740481C1C}">
+                <a14:useLocalDpi xmlns:a14="http://schemas.microsoft.com/office/drawing/2010/main" val="0"/>
+              </a:ext>
+            </a:extLst>
+          </a:blip>
+          <a:srcRect/>
           <a:stretch>
             <a:fillRect/>
           </a:stretch>
         </p:blipFill>
-        <p:spPr>
+        <p:spPr bwMode="auto">
           <a:xfrm>
-            <a:off x="2483768" y="260648"/>
-            <a:ext cx="6475065" cy="6541991"/>
+            <a:off x="1187624" y="1844824"/>
+            <a:ext cx="6768752" cy="3332942"/>
           </a:xfrm>
           <a:prstGeom prst="rect">
             <a:avLst/>
           </a:prstGeom>
+          <a:noFill/>
+          <a:ln>
+            <a:noFill/>
+          </a:ln>
+          <a:effectLst/>
+          <a:extLst>
+            <a:ext uri="{909E8E84-426E-40DD-AFC4-6F175D3DCCD1}">
+              <a14:hiddenFill xmlns:a14="http://schemas.microsoft.com/office/drawing/2010/main">
+                <a:solidFill>
+                  <a:schemeClr val="accent1"/>
+                </a:solidFill>
+              </a14:hiddenFill>
+            </a:ext>
+            <a:ext uri="{91240B29-F687-4F45-9708-019B960494DF}">
+              <a14:hiddenLine xmlns:a14="http://schemas.microsoft.com/office/drawing/2010/main" w="9525">
+                <a:solidFill>
+                  <a:schemeClr val="tx1"/>
+                </a:solidFill>
+                <a:miter lim="800000"/>
+                <a:headEnd/>
+                <a:tailEnd/>
+              </a14:hiddenLine>
+            </a:ext>
+            <a:ext uri="{AF507438-7753-43E0-B8FC-AC1667EBCBE1}">
+              <a14:hiddenEffects xmlns:a14="http://schemas.microsoft.com/office/drawing/2010/main">
+                <a:effectLst>
+                  <a:outerShdw dist="35921" dir="2700000" algn="ctr" rotWithShape="0">
+                    <a:schemeClr val="bg2"/>
+                  </a:outerShdw>
+                </a:effectLst>
+              </a14:hiddenEffects>
+            </a:ext>
+          </a:extLst>
         </p:spPr>
       </p:pic>
     </p:spTree>
     <p:extLst>
       <p:ext uri="{BB962C8B-B14F-4D97-AF65-F5344CB8AC3E}">
-        <p14:creationId xmlns:p14="http://schemas.microsoft.com/office/powerpoint/2010/main" val="3321410104"/>
+        <p14:creationId xmlns:p14="http://schemas.microsoft.com/office/powerpoint/2010/main" val="485559557"/>
       </p:ext>
     </p:extLst>
   </p:cSld>
@@ -18050,7 +18321,7 @@
           <p:cNvPr id="15" name="标题 3">
             <a:extLst>
               <a:ext uri="{FF2B5EF4-FFF2-40B4-BE49-F238E27FC236}">
-                <a16:creationId xmlns="" xmlns:a16="http://schemas.microsoft.com/office/drawing/2014/main" id="{F68BA453-3377-4256-A938-E7CF0F36192B}"/>
+                <a16:creationId xmlns:a16="http://schemas.microsoft.com/office/drawing/2014/main" xmlns="" id="{F68BA453-3377-4256-A938-E7CF0F36192B}"/>
               </a:ext>
             </a:extLst>
           </p:cNvPr>
@@ -18087,10 +18358,12 @@
                 <a:latin typeface="Calibri" pitchFamily="34" charset="0"/>
                 <a:cs typeface="Calibri" pitchFamily="34" charset="0"/>
               </a:rPr>
-              <a:t>7.  Results - Matching Point Clouds </a:t>
-            </a:r>
-            <a:endParaRPr lang="zh-CN" altLang="en-US" sz="2800" b="1" i="1" dirty="0">
+              <a:t>7.  Results</a:t>
+            </a:r>
+            <a:endParaRPr lang="zh-CN" altLang="en-US" sz="3200" b="1" kern="0" dirty="0">
+              <a:effectLst/>
               <a:latin typeface="Calibri" pitchFamily="34" charset="0"/>
+              <a:ea typeface="楷体" pitchFamily="49" charset="-122"/>
               <a:cs typeface="Calibri" pitchFamily="34" charset="0"/>
             </a:endParaRPr>
           </a:p>
@@ -18101,7 +18374,227 @@
           <p:cNvPr id="9" name="TextBox 16">
             <a:extLst>
               <a:ext uri="{FF2B5EF4-FFF2-40B4-BE49-F238E27FC236}">
-                <a16:creationId xmlns="" xmlns:a16="http://schemas.microsoft.com/office/drawing/2014/main" id="{D5617185-F20C-4289-87BB-94CEDC0F5226}"/>
+                <a16:creationId xmlns:a16="http://schemas.microsoft.com/office/drawing/2014/main" xmlns="" id="{D5617185-F20C-4289-87BB-94CEDC0F5226}"/>
+              </a:ext>
+            </a:extLst>
+          </p:cNvPr>
+          <p:cNvSpPr>
+            <a:spLocks noChangeArrowheads="1"/>
+          </p:cNvSpPr>
+          <p:nvPr/>
+        </p:nvSpPr>
+        <p:spPr bwMode="auto">
+          <a:xfrm>
+            <a:off x="257175" y="952330"/>
+            <a:ext cx="2154585" cy="400110"/>
+          </a:xfrm>
+          <a:prstGeom prst="rect">
+            <a:avLst/>
+          </a:prstGeom>
+          <a:noFill/>
+          <a:ln w="9525" cap="flat" cmpd="sng">
+            <a:noFill/>
+            <a:miter lim="800000"/>
+            <a:headEnd/>
+            <a:tailEnd/>
+          </a:ln>
+          <a:effectLst/>
+        </p:spPr>
+        <p:txBody>
+          <a:bodyPr wrap="square">
+            <a:spAutoFit/>
+          </a:bodyPr>
+          <a:lstStyle/>
+          <a:p>
+            <a:r>
+              <a:rPr lang="en-US" altLang="zh-CN" sz="2000" b="1" dirty="0">
+                <a:solidFill>
+                  <a:srgbClr val="FF0000"/>
+                </a:solidFill>
+                <a:latin typeface="Times New Roman" panose="02020603050405020304" pitchFamily="18" charset="0"/>
+                <a:ea typeface="楷体" pitchFamily="49" charset="-122"/>
+                <a:cs typeface="Times New Roman" panose="02020603050405020304" pitchFamily="18" charset="0"/>
+              </a:rPr>
+              <a:t>Region Accuracy</a:t>
+            </a:r>
+            <a:r>
+              <a:rPr lang="zh-CN" altLang="en-US" sz="2000" b="1" dirty="0">
+                <a:solidFill>
+                  <a:srgbClr val="FF0000"/>
+                </a:solidFill>
+                <a:latin typeface="Times New Roman" panose="02020603050405020304" pitchFamily="18" charset="0"/>
+                <a:ea typeface="楷体" pitchFamily="49" charset="-122"/>
+                <a:cs typeface="Times New Roman" panose="02020603050405020304" pitchFamily="18" charset="0"/>
+                <a:sym typeface="MoolBoran" pitchFamily="34" charset="0"/>
+              </a:rPr>
+              <a:t>： </a:t>
+            </a:r>
+            <a:endParaRPr lang="en-US" altLang="zh-CN" sz="2000" b="1" dirty="0">
+              <a:solidFill>
+                <a:srgbClr val="FF0000"/>
+              </a:solidFill>
+              <a:latin typeface="Times New Roman" panose="02020603050405020304" pitchFamily="18" charset="0"/>
+              <a:ea typeface="楷体" pitchFamily="49" charset="-122"/>
+              <a:cs typeface="Times New Roman" panose="02020603050405020304" pitchFamily="18" charset="0"/>
+              <a:sym typeface="MoolBoran" pitchFamily="34" charset="0"/>
+            </a:endParaRPr>
+          </a:p>
+        </p:txBody>
+      </p:sp>
+      <p:pic>
+        <p:nvPicPr>
+          <p:cNvPr id="3" name="图片 2">
+            <a:extLst>
+              <a:ext uri="{FF2B5EF4-FFF2-40B4-BE49-F238E27FC236}">
+                <a16:creationId xmlns:a16="http://schemas.microsoft.com/office/drawing/2014/main" xmlns="" id="{5C2AA254-7573-420C-AC08-FC3EE6BC7AC4}"/>
+              </a:ext>
+            </a:extLst>
+          </p:cNvPr>
+          <p:cNvPicPr>
+            <a:picLocks noChangeAspect="1"/>
+          </p:cNvPicPr>
+          <p:nvPr/>
+        </p:nvPicPr>
+        <p:blipFill>
+          <a:blip r:embed="rId3"/>
+          <a:stretch>
+            <a:fillRect/>
+          </a:stretch>
+        </p:blipFill>
+        <p:spPr>
+          <a:xfrm>
+            <a:off x="2483768" y="260648"/>
+            <a:ext cx="6475065" cy="6541991"/>
+          </a:xfrm>
+          <a:prstGeom prst="rect">
+            <a:avLst/>
+          </a:prstGeom>
+        </p:spPr>
+      </p:pic>
+    </p:spTree>
+    <p:extLst>
+      <p:ext uri="{BB962C8B-B14F-4D97-AF65-F5344CB8AC3E}">
+        <p14:creationId xmlns:p14="http://schemas.microsoft.com/office/powerpoint/2010/main" val="3321410104"/>
+      </p:ext>
+    </p:extLst>
+  </p:cSld>
+  <p:clrMapOvr>
+    <a:masterClrMapping/>
+  </p:clrMapOvr>
+</p:sld>
+</file>
+
+<file path=ppt/slides/slide18.xml><?xml version="1.0" encoding="utf-8"?>
+<p:sld xmlns:a="http://schemas.openxmlformats.org/drawingml/2006/main" xmlns:r="http://schemas.openxmlformats.org/officeDocument/2006/relationships" xmlns:p="http://schemas.openxmlformats.org/presentationml/2006/main">
+  <p:cSld>
+    <p:spTree>
+      <p:nvGrpSpPr>
+        <p:cNvPr id="1" name=""/>
+        <p:cNvGrpSpPr/>
+        <p:nvPr/>
+      </p:nvGrpSpPr>
+      <p:grpSpPr>
+        <a:xfrm>
+          <a:off x="0" y="0"/>
+          <a:ext cx="0" cy="0"/>
+          <a:chOff x="0" y="0"/>
+          <a:chExt cx="0" cy="0"/>
+        </a:xfrm>
+      </p:grpSpPr>
+      <p:cxnSp>
+        <p:nvCxnSpPr>
+          <p:cNvPr id="8" name="直接连接符 7"/>
+          <p:cNvCxnSpPr/>
+          <p:nvPr/>
+        </p:nvCxnSpPr>
+        <p:spPr>
+          <a:xfrm>
+            <a:off x="535737" y="750864"/>
+            <a:ext cx="7786742" cy="1588"/>
+          </a:xfrm>
+          <a:prstGeom prst="line">
+            <a:avLst/>
+          </a:prstGeom>
+          <a:ln>
+            <a:solidFill>
+              <a:schemeClr val="accent2">
+                <a:lumMod val="75000"/>
+              </a:schemeClr>
+            </a:solidFill>
+          </a:ln>
+        </p:spPr>
+        <p:style>
+          <a:lnRef idx="1">
+            <a:schemeClr val="accent1"/>
+          </a:lnRef>
+          <a:fillRef idx="0">
+            <a:schemeClr val="accent1"/>
+          </a:fillRef>
+          <a:effectRef idx="0">
+            <a:schemeClr val="accent1"/>
+          </a:effectRef>
+          <a:fontRef idx="minor">
+            <a:schemeClr val="tx1"/>
+          </a:fontRef>
+        </p:style>
+      </p:cxnSp>
+      <p:sp>
+        <p:nvSpPr>
+          <p:cNvPr id="15" name="标题 3">
+            <a:extLst>
+              <a:ext uri="{FF2B5EF4-FFF2-40B4-BE49-F238E27FC236}">
+                <a16:creationId xmlns:a16="http://schemas.microsoft.com/office/drawing/2014/main" xmlns="" id="{F68BA453-3377-4256-A938-E7CF0F36192B}"/>
+              </a:ext>
+            </a:extLst>
+          </p:cNvPr>
+          <p:cNvSpPr txBox="1">
+            <a:spLocks/>
+          </p:cNvSpPr>
+          <p:nvPr/>
+        </p:nvSpPr>
+        <p:spPr bwMode="auto">
+          <a:xfrm>
+            <a:off x="257175" y="142852"/>
+            <a:ext cx="7243783" cy="609600"/>
+          </a:xfrm>
+          <a:prstGeom prst="rect">
+            <a:avLst/>
+          </a:prstGeom>
+          <a:noFill/>
+          <a:ln w="9525">
+            <a:noFill/>
+            <a:miter lim="800000"/>
+            <a:headEnd/>
+            <a:tailEnd/>
+          </a:ln>
+        </p:spPr>
+        <p:txBody>
+          <a:bodyPr anchor="ctr"/>
+          <a:lstStyle/>
+          <a:p>
+            <a:pPr>
+              <a:defRPr/>
+            </a:pPr>
+            <a:r>
+              <a:rPr lang="en-US" altLang="zh-CN" sz="2800" b="1" i="1" dirty="0">
+                <a:latin typeface="Calibri" pitchFamily="34" charset="0"/>
+                <a:cs typeface="Calibri" pitchFamily="34" charset="0"/>
+              </a:rPr>
+              <a:t>7.  Results - Matching Point Clouds </a:t>
+            </a:r>
+            <a:endParaRPr lang="zh-CN" altLang="en-US" sz="2800" b="1" i="1" dirty="0">
+              <a:latin typeface="Calibri" pitchFamily="34" charset="0"/>
+              <a:cs typeface="Calibri" pitchFamily="34" charset="0"/>
+            </a:endParaRPr>
+          </a:p>
+        </p:txBody>
+      </p:sp>
+      <p:sp>
+        <p:nvSpPr>
+          <p:cNvPr id="9" name="TextBox 16">
+            <a:extLst>
+              <a:ext uri="{FF2B5EF4-FFF2-40B4-BE49-F238E27FC236}">
+                <a16:creationId xmlns:a16="http://schemas.microsoft.com/office/drawing/2014/main" xmlns="" id="{D5617185-F20C-4289-87BB-94CEDC0F5226}"/>
               </a:ext>
             </a:extLst>
           </p:cNvPr>
@@ -18173,7 +18666,7 @@
           <p:cNvPr id="2" name="图片 1">
             <a:extLst>
               <a:ext uri="{FF2B5EF4-FFF2-40B4-BE49-F238E27FC236}">
-                <a16:creationId xmlns="" xmlns:a16="http://schemas.microsoft.com/office/drawing/2014/main" id="{B23F19BE-60E5-4629-8453-9EAB2BF90829}"/>
+                <a16:creationId xmlns:a16="http://schemas.microsoft.com/office/drawing/2014/main" xmlns="" id="{B23F19BE-60E5-4629-8453-9EAB2BF90829}"/>
               </a:ext>
             </a:extLst>
           </p:cNvPr>
@@ -18203,7 +18696,7 @@
           <p:cNvPr id="4" name="矩形 3">
             <a:extLst>
               <a:ext uri="{FF2B5EF4-FFF2-40B4-BE49-F238E27FC236}">
-                <a16:creationId xmlns="" xmlns:a16="http://schemas.microsoft.com/office/drawing/2014/main" id="{CB5BEAF9-C9CC-416F-92D0-3015F04A3871}"/>
+                <a16:creationId xmlns:a16="http://schemas.microsoft.com/office/drawing/2014/main" xmlns="" id="{CB5BEAF9-C9CC-416F-92D0-3015F04A3871}"/>
               </a:ext>
             </a:extLst>
           </p:cNvPr>
@@ -18247,7 +18740,7 @@
           <p:cNvPr id="5" name="矩形 4">
             <a:extLst>
               <a:ext uri="{FF2B5EF4-FFF2-40B4-BE49-F238E27FC236}">
-                <a16:creationId xmlns="" xmlns:a16="http://schemas.microsoft.com/office/drawing/2014/main" id="{2C8D109B-AC18-4E2F-A622-F69E07C53A04}"/>
+                <a16:creationId xmlns:a16="http://schemas.microsoft.com/office/drawing/2014/main" xmlns="" id="{2C8D109B-AC18-4E2F-A622-F69E07C53A04}"/>
               </a:ext>
             </a:extLst>
           </p:cNvPr>
@@ -18353,7 +18846,7 @@
 </p:sld>
 </file>
 
-<file path=ppt/slides/slide18.xml><?xml version="1.0" encoding="utf-8"?>
+<file path=ppt/slides/slide19.xml><?xml version="1.0" encoding="utf-8"?>
 <p:sld xmlns:a="http://schemas.openxmlformats.org/drawingml/2006/main" xmlns:r="http://schemas.openxmlformats.org/officeDocument/2006/relationships" xmlns:p="http://schemas.openxmlformats.org/presentationml/2006/main">
   <p:cSld>
     <p:spTree>
@@ -18412,7 +18905,7 @@
           <p:cNvPr id="15" name="标题 3">
             <a:extLst>
               <a:ext uri="{FF2B5EF4-FFF2-40B4-BE49-F238E27FC236}">
-                <a16:creationId xmlns="" xmlns:a16="http://schemas.microsoft.com/office/drawing/2014/main" id="{F68BA453-3377-4256-A938-E7CF0F36192B}"/>
+                <a16:creationId xmlns:a16="http://schemas.microsoft.com/office/drawing/2014/main" xmlns="" id="{F68BA453-3377-4256-A938-E7CF0F36192B}"/>
               </a:ext>
             </a:extLst>
           </p:cNvPr>
@@ -18463,7 +18956,7 @@
           <p:cNvPr id="5" name="TextBox 16">
             <a:extLst>
               <a:ext uri="{FF2B5EF4-FFF2-40B4-BE49-F238E27FC236}">
-                <a16:creationId xmlns="" xmlns:a16="http://schemas.microsoft.com/office/drawing/2014/main" id="{7933C8E7-0B0C-4F30-8E36-4CA6D4717E20}"/>
+                <a16:creationId xmlns:a16="http://schemas.microsoft.com/office/drawing/2014/main" xmlns="" id="{7933C8E7-0B0C-4F30-8E36-4CA6D4717E20}"/>
               </a:ext>
             </a:extLst>
           </p:cNvPr>
@@ -18529,7 +19022,7 @@
           <p:cNvPr id="3" name="图片 2">
             <a:extLst>
               <a:ext uri="{FF2B5EF4-FFF2-40B4-BE49-F238E27FC236}">
-                <a16:creationId xmlns="" xmlns:a16="http://schemas.microsoft.com/office/drawing/2014/main" id="{E62885FA-2C3A-41D4-B747-4D5A396D79E7}"/>
+                <a16:creationId xmlns:a16="http://schemas.microsoft.com/office/drawing/2014/main" xmlns="" id="{E62885FA-2C3A-41D4-B747-4D5A396D79E7}"/>
               </a:ext>
             </a:extLst>
           </p:cNvPr>
@@ -18559,7 +19052,7 @@
           <p:cNvPr id="4" name="矩形 3">
             <a:extLst>
               <a:ext uri="{FF2B5EF4-FFF2-40B4-BE49-F238E27FC236}">
-                <a16:creationId xmlns="" xmlns:a16="http://schemas.microsoft.com/office/drawing/2014/main" id="{98DB3250-0E34-4CD9-9E6F-61D26A2D49C7}"/>
+                <a16:creationId xmlns:a16="http://schemas.microsoft.com/office/drawing/2014/main" xmlns="" id="{98DB3250-0E34-4CD9-9E6F-61D26A2D49C7}"/>
               </a:ext>
             </a:extLst>
           </p:cNvPr>
@@ -18603,7 +19096,7 @@
           <p:cNvPr id="6" name="图片 5">
             <a:extLst>
               <a:ext uri="{FF2B5EF4-FFF2-40B4-BE49-F238E27FC236}">
-                <a16:creationId xmlns="" xmlns:a16="http://schemas.microsoft.com/office/drawing/2014/main" id="{271B65B9-DAE2-4416-A1CA-568123FC1019}"/>
+                <a16:creationId xmlns:a16="http://schemas.microsoft.com/office/drawing/2014/main" xmlns="" id="{271B65B9-DAE2-4416-A1CA-568123FC1019}"/>
               </a:ext>
             </a:extLst>
           </p:cNvPr>
@@ -18633,7 +19126,7 @@
           <p:cNvPr id="9" name="矩形 8">
             <a:extLst>
               <a:ext uri="{FF2B5EF4-FFF2-40B4-BE49-F238E27FC236}">
-                <a16:creationId xmlns="" xmlns:a16="http://schemas.microsoft.com/office/drawing/2014/main" id="{969B001B-5F55-4FA2-BC76-B9AC24825CB2}"/>
+                <a16:creationId xmlns:a16="http://schemas.microsoft.com/office/drawing/2014/main" xmlns="" id="{969B001B-5F55-4FA2-BC76-B9AC24825CB2}"/>
               </a:ext>
             </a:extLst>
           </p:cNvPr>
@@ -18667,156 +19160,6 @@
     <p:extLst>
       <p:ext uri="{BB962C8B-B14F-4D97-AF65-F5344CB8AC3E}">
         <p14:creationId xmlns:p14="http://schemas.microsoft.com/office/powerpoint/2010/main" val="3297967762"/>
-      </p:ext>
-    </p:extLst>
-  </p:cSld>
-  <p:clrMapOvr>
-    <a:masterClrMapping/>
-  </p:clrMapOvr>
-</p:sld>
-</file>
-
-<file path=ppt/slides/slide19.xml><?xml version="1.0" encoding="utf-8"?>
-<p:sld xmlns:a="http://schemas.openxmlformats.org/drawingml/2006/main" xmlns:r="http://schemas.openxmlformats.org/officeDocument/2006/relationships" xmlns:p="http://schemas.openxmlformats.org/presentationml/2006/main">
-  <p:cSld>
-    <p:spTree>
-      <p:nvGrpSpPr>
-        <p:cNvPr id="1" name=""/>
-        <p:cNvGrpSpPr/>
-        <p:nvPr/>
-      </p:nvGrpSpPr>
-      <p:grpSpPr>
-        <a:xfrm>
-          <a:off x="0" y="0"/>
-          <a:ext cx="0" cy="0"/>
-          <a:chOff x="0" y="0"/>
-          <a:chExt cx="0" cy="0"/>
-        </a:xfrm>
-      </p:grpSpPr>
-      <p:cxnSp>
-        <p:nvCxnSpPr>
-          <p:cNvPr id="8" name="直接连接符 7"/>
-          <p:cNvCxnSpPr/>
-          <p:nvPr/>
-        </p:nvCxnSpPr>
-        <p:spPr>
-          <a:xfrm>
-            <a:off x="571472" y="857232"/>
-            <a:ext cx="7786742" cy="1588"/>
-          </a:xfrm>
-          <a:prstGeom prst="line">
-            <a:avLst/>
-          </a:prstGeom>
-          <a:ln>
-            <a:solidFill>
-              <a:schemeClr val="accent2">
-                <a:lumMod val="75000"/>
-              </a:schemeClr>
-            </a:solidFill>
-          </a:ln>
-        </p:spPr>
-        <p:style>
-          <a:lnRef idx="1">
-            <a:schemeClr val="accent1"/>
-          </a:lnRef>
-          <a:fillRef idx="0">
-            <a:schemeClr val="accent1"/>
-          </a:fillRef>
-          <a:effectRef idx="0">
-            <a:schemeClr val="accent1"/>
-          </a:effectRef>
-          <a:fontRef idx="minor">
-            <a:schemeClr val="tx1"/>
-          </a:fontRef>
-        </p:style>
-      </p:cxnSp>
-      <p:sp>
-        <p:nvSpPr>
-          <p:cNvPr id="15" name="标题 3">
-            <a:extLst>
-              <a:ext uri="{FF2B5EF4-FFF2-40B4-BE49-F238E27FC236}">
-                <a16:creationId xmlns="" xmlns:a16="http://schemas.microsoft.com/office/drawing/2014/main" id="{F68BA453-3377-4256-A938-E7CF0F36192B}"/>
-              </a:ext>
-            </a:extLst>
-          </p:cNvPr>
-          <p:cNvSpPr txBox="1">
-            <a:spLocks/>
-          </p:cNvSpPr>
-          <p:nvPr/>
-        </p:nvSpPr>
-        <p:spPr bwMode="auto">
-          <a:xfrm>
-            <a:off x="257175" y="142852"/>
-            <a:ext cx="7243783" cy="609600"/>
-          </a:xfrm>
-          <a:prstGeom prst="rect">
-            <a:avLst/>
-          </a:prstGeom>
-          <a:noFill/>
-          <a:ln w="9525">
-            <a:noFill/>
-            <a:miter lim="800000"/>
-            <a:headEnd/>
-            <a:tailEnd/>
-          </a:ln>
-        </p:spPr>
-        <p:txBody>
-          <a:bodyPr anchor="ctr"/>
-          <a:lstStyle/>
-          <a:p>
-            <a:pPr>
-              <a:defRPr/>
-            </a:pPr>
-            <a:r>
-              <a:rPr lang="en-US" altLang="zh-CN" sz="2800" b="1" i="1" dirty="0">
-                <a:latin typeface="Calibri" pitchFamily="34" charset="0"/>
-                <a:cs typeface="Calibri" pitchFamily="34" charset="0"/>
-              </a:rPr>
-              <a:t>7.  Results - times</a:t>
-            </a:r>
-            <a:endParaRPr lang="zh-CN" altLang="en-US" sz="3200" b="1" kern="0" dirty="0">
-              <a:effectLst/>
-              <a:latin typeface="Calibri" pitchFamily="34" charset="0"/>
-              <a:ea typeface="楷体" pitchFamily="49" charset="-122"/>
-              <a:cs typeface="Calibri" pitchFamily="34" charset="0"/>
-            </a:endParaRPr>
-          </a:p>
-        </p:txBody>
-      </p:sp>
-      <p:pic>
-        <p:nvPicPr>
-          <p:cNvPr id="2" name="图片 1">
-            <a:extLst>
-              <a:ext uri="{FF2B5EF4-FFF2-40B4-BE49-F238E27FC236}">
-                <a16:creationId xmlns="" xmlns:a16="http://schemas.microsoft.com/office/drawing/2014/main" id="{9DBED304-291B-45FA-AF51-1C43BFDE08D0}"/>
-              </a:ext>
-            </a:extLst>
-          </p:cNvPr>
-          <p:cNvPicPr>
-            <a:picLocks noChangeAspect="1"/>
-          </p:cNvPicPr>
-          <p:nvPr/>
-        </p:nvPicPr>
-        <p:blipFill>
-          <a:blip r:embed="rId3"/>
-          <a:stretch>
-            <a:fillRect/>
-          </a:stretch>
-        </p:blipFill>
-        <p:spPr>
-          <a:xfrm>
-            <a:off x="571472" y="1268760"/>
-            <a:ext cx="7514286" cy="3704762"/>
-          </a:xfrm>
-          <a:prstGeom prst="rect">
-            <a:avLst/>
-          </a:prstGeom>
-        </p:spPr>
-      </p:pic>
-    </p:spTree>
-    <p:extLst>
-      <p:ext uri="{BB962C8B-B14F-4D97-AF65-F5344CB8AC3E}">
-        <p14:creationId xmlns:p14="http://schemas.microsoft.com/office/powerpoint/2010/main" val="2449903572"/>
       </p:ext>
     </p:extLst>
   </p:cSld>
@@ -18932,7 +19275,7 @@
           <p:cNvPr id="14" name="TextBox 16">
             <a:extLst>
               <a:ext uri="{FF2B5EF4-FFF2-40B4-BE49-F238E27FC236}">
-                <a16:creationId xmlns="" xmlns:a16="http://schemas.microsoft.com/office/drawing/2014/main" id="{9B1E28E6-FF69-463D-8EDA-9E844B7A2F1D}"/>
+                <a16:creationId xmlns:a16="http://schemas.microsoft.com/office/drawing/2014/main" xmlns="" id="{9B1E28E6-FF69-463D-8EDA-9E844B7A2F1D}"/>
               </a:ext>
             </a:extLst>
           </p:cNvPr>
@@ -19005,7 +19348,7 @@
           <p:cNvPr id="8" name="TextBox 16">
             <a:extLst>
               <a:ext uri="{FF2B5EF4-FFF2-40B4-BE49-F238E27FC236}">
-                <a16:creationId xmlns="" xmlns:a16="http://schemas.microsoft.com/office/drawing/2014/main" id="{4C2282F9-32D3-4CE5-8838-A48B6F8A48B8}"/>
+                <a16:creationId xmlns:a16="http://schemas.microsoft.com/office/drawing/2014/main" xmlns="" id="{4C2282F9-32D3-4CE5-8838-A48B6F8A48B8}"/>
               </a:ext>
             </a:extLst>
           </p:cNvPr>
@@ -19232,7 +19575,7 @@
           <p:cNvPr id="15" name="标题 3">
             <a:extLst>
               <a:ext uri="{FF2B5EF4-FFF2-40B4-BE49-F238E27FC236}">
-                <a16:creationId xmlns="" xmlns:a16="http://schemas.microsoft.com/office/drawing/2014/main" id="{F68BA453-3377-4256-A938-E7CF0F36192B}"/>
+                <a16:creationId xmlns:a16="http://schemas.microsoft.com/office/drawing/2014/main" xmlns="" id="{F68BA453-3377-4256-A938-E7CF0F36192B}"/>
               </a:ext>
             </a:extLst>
           </p:cNvPr>
@@ -19269,6 +19612,156 @@
                 <a:latin typeface="Calibri" pitchFamily="34" charset="0"/>
                 <a:cs typeface="Calibri" pitchFamily="34" charset="0"/>
               </a:rPr>
+              <a:t>7.  Results - times</a:t>
+            </a:r>
+            <a:endParaRPr lang="zh-CN" altLang="en-US" sz="3200" b="1" kern="0" dirty="0">
+              <a:effectLst/>
+              <a:latin typeface="Calibri" pitchFamily="34" charset="0"/>
+              <a:ea typeface="楷体" pitchFamily="49" charset="-122"/>
+              <a:cs typeface="Calibri" pitchFamily="34" charset="0"/>
+            </a:endParaRPr>
+          </a:p>
+        </p:txBody>
+      </p:sp>
+      <p:pic>
+        <p:nvPicPr>
+          <p:cNvPr id="2" name="图片 1">
+            <a:extLst>
+              <a:ext uri="{FF2B5EF4-FFF2-40B4-BE49-F238E27FC236}">
+                <a16:creationId xmlns:a16="http://schemas.microsoft.com/office/drawing/2014/main" xmlns="" id="{9DBED304-291B-45FA-AF51-1C43BFDE08D0}"/>
+              </a:ext>
+            </a:extLst>
+          </p:cNvPr>
+          <p:cNvPicPr>
+            <a:picLocks noChangeAspect="1"/>
+          </p:cNvPicPr>
+          <p:nvPr/>
+        </p:nvPicPr>
+        <p:blipFill>
+          <a:blip r:embed="rId3"/>
+          <a:stretch>
+            <a:fillRect/>
+          </a:stretch>
+        </p:blipFill>
+        <p:spPr>
+          <a:xfrm>
+            <a:off x="571472" y="1268760"/>
+            <a:ext cx="7514286" cy="3704762"/>
+          </a:xfrm>
+          <a:prstGeom prst="rect">
+            <a:avLst/>
+          </a:prstGeom>
+        </p:spPr>
+      </p:pic>
+    </p:spTree>
+    <p:extLst>
+      <p:ext uri="{BB962C8B-B14F-4D97-AF65-F5344CB8AC3E}">
+        <p14:creationId xmlns:p14="http://schemas.microsoft.com/office/powerpoint/2010/main" val="2449903572"/>
+      </p:ext>
+    </p:extLst>
+  </p:cSld>
+  <p:clrMapOvr>
+    <a:masterClrMapping/>
+  </p:clrMapOvr>
+</p:sld>
+</file>
+
+<file path=ppt/slides/slide21.xml><?xml version="1.0" encoding="utf-8"?>
+<p:sld xmlns:a="http://schemas.openxmlformats.org/drawingml/2006/main" xmlns:r="http://schemas.openxmlformats.org/officeDocument/2006/relationships" xmlns:p="http://schemas.openxmlformats.org/presentationml/2006/main">
+  <p:cSld>
+    <p:spTree>
+      <p:nvGrpSpPr>
+        <p:cNvPr id="1" name=""/>
+        <p:cNvGrpSpPr/>
+        <p:nvPr/>
+      </p:nvGrpSpPr>
+      <p:grpSpPr>
+        <a:xfrm>
+          <a:off x="0" y="0"/>
+          <a:ext cx="0" cy="0"/>
+          <a:chOff x="0" y="0"/>
+          <a:chExt cx="0" cy="0"/>
+        </a:xfrm>
+      </p:grpSpPr>
+      <p:cxnSp>
+        <p:nvCxnSpPr>
+          <p:cNvPr id="8" name="直接连接符 7"/>
+          <p:cNvCxnSpPr/>
+          <p:nvPr/>
+        </p:nvCxnSpPr>
+        <p:spPr>
+          <a:xfrm>
+            <a:off x="571472" y="857232"/>
+            <a:ext cx="7786742" cy="1588"/>
+          </a:xfrm>
+          <a:prstGeom prst="line">
+            <a:avLst/>
+          </a:prstGeom>
+          <a:ln>
+            <a:solidFill>
+              <a:schemeClr val="accent2">
+                <a:lumMod val="75000"/>
+              </a:schemeClr>
+            </a:solidFill>
+          </a:ln>
+        </p:spPr>
+        <p:style>
+          <a:lnRef idx="1">
+            <a:schemeClr val="accent1"/>
+          </a:lnRef>
+          <a:fillRef idx="0">
+            <a:schemeClr val="accent1"/>
+          </a:fillRef>
+          <a:effectRef idx="0">
+            <a:schemeClr val="accent1"/>
+          </a:effectRef>
+          <a:fontRef idx="minor">
+            <a:schemeClr val="tx1"/>
+          </a:fontRef>
+        </p:style>
+      </p:cxnSp>
+      <p:sp>
+        <p:nvSpPr>
+          <p:cNvPr id="15" name="标题 3">
+            <a:extLst>
+              <a:ext uri="{FF2B5EF4-FFF2-40B4-BE49-F238E27FC236}">
+                <a16:creationId xmlns:a16="http://schemas.microsoft.com/office/drawing/2014/main" xmlns="" id="{F68BA453-3377-4256-A938-E7CF0F36192B}"/>
+              </a:ext>
+            </a:extLst>
+          </p:cNvPr>
+          <p:cNvSpPr txBox="1">
+            <a:spLocks/>
+          </p:cNvSpPr>
+          <p:nvPr/>
+        </p:nvSpPr>
+        <p:spPr bwMode="auto">
+          <a:xfrm>
+            <a:off x="257175" y="142852"/>
+            <a:ext cx="7243783" cy="609600"/>
+          </a:xfrm>
+          <a:prstGeom prst="rect">
+            <a:avLst/>
+          </a:prstGeom>
+          <a:noFill/>
+          <a:ln w="9525">
+            <a:noFill/>
+            <a:miter lim="800000"/>
+            <a:headEnd/>
+            <a:tailEnd/>
+          </a:ln>
+        </p:spPr>
+        <p:txBody>
+          <a:bodyPr anchor="ctr"/>
+          <a:lstStyle/>
+          <a:p>
+            <a:pPr>
+              <a:defRPr/>
+            </a:pPr>
+            <a:r>
+              <a:rPr lang="en-US" altLang="zh-CN" sz="2800" b="1" i="1" dirty="0">
+                <a:latin typeface="Calibri" pitchFamily="34" charset="0"/>
+                <a:cs typeface="Calibri" pitchFamily="34" charset="0"/>
+              </a:rPr>
               <a:t>8. </a:t>
             </a:r>
             <a:r>
@@ -19289,7 +19782,7 @@
           <p:cNvPr id="5" name="TextBox 16">
             <a:extLst>
               <a:ext uri="{FF2B5EF4-FFF2-40B4-BE49-F238E27FC236}">
-                <a16:creationId xmlns="" xmlns:a16="http://schemas.microsoft.com/office/drawing/2014/main" id="{DEDB19A1-0490-463A-9A9E-10132D9DF7E3}"/>
+                <a16:creationId xmlns:a16="http://schemas.microsoft.com/office/drawing/2014/main" xmlns="" id="{DEDB19A1-0490-463A-9A9E-10132D9DF7E3}"/>
               </a:ext>
             </a:extLst>
           </p:cNvPr>
@@ -19451,7 +19944,7 @@
           <p:cNvPr id="2" name="图片 1">
             <a:extLst>
               <a:ext uri="{FF2B5EF4-FFF2-40B4-BE49-F238E27FC236}">
-                <a16:creationId xmlns="" xmlns:a16="http://schemas.microsoft.com/office/drawing/2014/main" id="{913444BD-F6AF-46D4-976C-995FB99950A9}"/>
+                <a16:creationId xmlns:a16="http://schemas.microsoft.com/office/drawing/2014/main" xmlns="" id="{913444BD-F6AF-46D4-976C-995FB99950A9}"/>
               </a:ext>
             </a:extLst>
           </p:cNvPr>
@@ -19487,7 +19980,7 @@
           <p:cNvPr id="3" name="矩形 2">
             <a:extLst>
               <a:ext uri="{FF2B5EF4-FFF2-40B4-BE49-F238E27FC236}">
-                <a16:creationId xmlns="" xmlns:a16="http://schemas.microsoft.com/office/drawing/2014/main" id="{D795F15C-BB51-4BB6-85FA-8C7E81D2788C}"/>
+                <a16:creationId xmlns:a16="http://schemas.microsoft.com/office/drawing/2014/main" xmlns="" id="{D795F15C-BB51-4BB6-85FA-8C7E81D2788C}"/>
               </a:ext>
             </a:extLst>
           </p:cNvPr>
@@ -19556,7 +20049,7 @@
 </p:sld>
 </file>
 
-<file path=ppt/slides/slide21.xml><?xml version="1.0" encoding="utf-8"?>
+<file path=ppt/slides/slide22.xml><?xml version="1.0" encoding="utf-8"?>
 <p:sld xmlns:a="http://schemas.openxmlformats.org/drawingml/2006/main" xmlns:r="http://schemas.openxmlformats.org/officeDocument/2006/relationships" xmlns:p="http://schemas.openxmlformats.org/presentationml/2006/main">
   <p:cSld>
     <p:spTree>
@@ -19838,7 +20331,7 @@
           <p:cNvPr id="7" name="TextBox 16">
             <a:extLst>
               <a:ext uri="{FF2B5EF4-FFF2-40B4-BE49-F238E27FC236}">
-                <a16:creationId xmlns="" xmlns:a16="http://schemas.microsoft.com/office/drawing/2014/main" id="{0ECBC174-8EE7-4D48-B168-91CFF26277BE}"/>
+                <a16:creationId xmlns:a16="http://schemas.microsoft.com/office/drawing/2014/main" xmlns="" id="{0ECBC174-8EE7-4D48-B168-91CFF26277BE}"/>
               </a:ext>
             </a:extLst>
           </p:cNvPr>
@@ -20199,7 +20692,7 @@
           <p:cNvPr id="3" name="图片 2">
             <a:extLst>
               <a:ext uri="{FF2B5EF4-FFF2-40B4-BE49-F238E27FC236}">
-                <a16:creationId xmlns="" xmlns:a16="http://schemas.microsoft.com/office/drawing/2014/main" id="{300AC4DD-23A7-486F-B151-EFF726B52E23}"/>
+                <a16:creationId xmlns:a16="http://schemas.microsoft.com/office/drawing/2014/main" xmlns="" id="{300AC4DD-23A7-486F-B151-EFF726B52E23}"/>
               </a:ext>
             </a:extLst>
           </p:cNvPr>
@@ -20229,7 +20722,7 @@
           <p:cNvPr id="6" name="TextBox 16">
             <a:extLst>
               <a:ext uri="{FF2B5EF4-FFF2-40B4-BE49-F238E27FC236}">
-                <a16:creationId xmlns="" xmlns:a16="http://schemas.microsoft.com/office/drawing/2014/main" id="{5D8D6323-3660-43E9-8F67-3CD8040C0AAB}"/>
+                <a16:creationId xmlns:a16="http://schemas.microsoft.com/office/drawing/2014/main" xmlns="" id="{5D8D6323-3660-43E9-8F67-3CD8040C0AAB}"/>
               </a:ext>
             </a:extLst>
           </p:cNvPr>
@@ -20285,7 +20778,7 @@
           <p:cNvPr id="7" name="TextBox 16">
             <a:extLst>
               <a:ext uri="{FF2B5EF4-FFF2-40B4-BE49-F238E27FC236}">
-                <a16:creationId xmlns="" xmlns:a16="http://schemas.microsoft.com/office/drawing/2014/main" id="{5E237ECC-5595-4798-9F21-941220EAA639}"/>
+                <a16:creationId xmlns:a16="http://schemas.microsoft.com/office/drawing/2014/main" xmlns="" id="{5E237ECC-5595-4798-9F21-941220EAA639}"/>
               </a:ext>
             </a:extLst>
           </p:cNvPr>
@@ -20341,7 +20834,7 @@
           <p:cNvPr id="9" name="TextBox 16">
             <a:extLst>
               <a:ext uri="{FF2B5EF4-FFF2-40B4-BE49-F238E27FC236}">
-                <a16:creationId xmlns="" xmlns:a16="http://schemas.microsoft.com/office/drawing/2014/main" id="{B25ECFE2-DD28-4268-920B-C93700629F01}"/>
+                <a16:creationId xmlns:a16="http://schemas.microsoft.com/office/drawing/2014/main" xmlns="" id="{B25ECFE2-DD28-4268-920B-C93700629F01}"/>
               </a:ext>
             </a:extLst>
           </p:cNvPr>
@@ -20397,7 +20890,7 @@
           <p:cNvPr id="10" name="TextBox 16">
             <a:extLst>
               <a:ext uri="{FF2B5EF4-FFF2-40B4-BE49-F238E27FC236}">
-                <a16:creationId xmlns="" xmlns:a16="http://schemas.microsoft.com/office/drawing/2014/main" id="{F66B3B41-6F27-47BC-A352-B8DCC5312C15}"/>
+                <a16:creationId xmlns:a16="http://schemas.microsoft.com/office/drawing/2014/main" xmlns="" id="{F66B3B41-6F27-47BC-A352-B8DCC5312C15}"/>
               </a:ext>
             </a:extLst>
           </p:cNvPr>
@@ -20453,7 +20946,7 @@
           <p:cNvPr id="11" name="TextBox 16">
             <a:extLst>
               <a:ext uri="{FF2B5EF4-FFF2-40B4-BE49-F238E27FC236}">
-                <a16:creationId xmlns="" xmlns:a16="http://schemas.microsoft.com/office/drawing/2014/main" id="{2BCE7A4B-C7B7-49A0-98EA-805883BCD742}"/>
+                <a16:creationId xmlns:a16="http://schemas.microsoft.com/office/drawing/2014/main" xmlns="" id="{2BCE7A4B-C7B7-49A0-98EA-805883BCD742}"/>
               </a:ext>
             </a:extLst>
           </p:cNvPr>
@@ -20583,7 +21076,7 @@
           <p:cNvPr id="9" name="标题 3">
             <a:extLst>
               <a:ext uri="{FF2B5EF4-FFF2-40B4-BE49-F238E27FC236}">
-                <a16:creationId xmlns="" xmlns:a16="http://schemas.microsoft.com/office/drawing/2014/main" id="{1AD2C09E-4EDF-4514-867C-F44C80518920}"/>
+                <a16:creationId xmlns:a16="http://schemas.microsoft.com/office/drawing/2014/main" xmlns="" id="{1AD2C09E-4EDF-4514-867C-F44C80518920}"/>
               </a:ext>
             </a:extLst>
           </p:cNvPr>
@@ -20640,7 +21133,7 @@
           <p:cNvPr id="10" name="TextBox 16">
             <a:extLst>
               <a:ext uri="{FF2B5EF4-FFF2-40B4-BE49-F238E27FC236}">
-                <a16:creationId xmlns="" xmlns:a16="http://schemas.microsoft.com/office/drawing/2014/main" id="{10D6EF88-7785-4D6C-AF6A-900C6C9CFB6F}"/>
+                <a16:creationId xmlns:a16="http://schemas.microsoft.com/office/drawing/2014/main" xmlns="" id="{10D6EF88-7785-4D6C-AF6A-900C6C9CFB6F}"/>
               </a:ext>
             </a:extLst>
           </p:cNvPr>
@@ -20782,7 +21275,7 @@
           <p:cNvPr id="12" name="TextBox 16">
             <a:extLst>
               <a:ext uri="{FF2B5EF4-FFF2-40B4-BE49-F238E27FC236}">
-                <a16:creationId xmlns="" xmlns:a16="http://schemas.microsoft.com/office/drawing/2014/main" id="{C8CC8B91-D277-4C1E-81C5-A1E83C16ADC6}"/>
+                <a16:creationId xmlns:a16="http://schemas.microsoft.com/office/drawing/2014/main" xmlns="" id="{C8CC8B91-D277-4C1E-81C5-A1E83C16ADC6}"/>
               </a:ext>
             </a:extLst>
           </p:cNvPr>
@@ -20834,7 +21327,7 @@
           <p:cNvPr id="16" name="TextBox 16">
             <a:extLst>
               <a:ext uri="{FF2B5EF4-FFF2-40B4-BE49-F238E27FC236}">
-                <a16:creationId xmlns="" xmlns:a16="http://schemas.microsoft.com/office/drawing/2014/main" id="{67141AC1-7DDF-4FEC-85A7-5CCF687EBF3C}"/>
+                <a16:creationId xmlns:a16="http://schemas.microsoft.com/office/drawing/2014/main" xmlns="" id="{67141AC1-7DDF-4FEC-85A7-5CCF687EBF3C}"/>
               </a:ext>
             </a:extLst>
           </p:cNvPr>
@@ -21136,7 +21629,7 @@
           <p:cNvPr id="18" name="标题 3">
             <a:extLst>
               <a:ext uri="{FF2B5EF4-FFF2-40B4-BE49-F238E27FC236}">
-                <a16:creationId xmlns="" xmlns:a16="http://schemas.microsoft.com/office/drawing/2014/main" id="{21C6828D-CEE0-4B38-AF17-B0EFAD566D5C}"/>
+                <a16:creationId xmlns:a16="http://schemas.microsoft.com/office/drawing/2014/main" xmlns="" id="{21C6828D-CEE0-4B38-AF17-B0EFAD566D5C}"/>
               </a:ext>
             </a:extLst>
           </p:cNvPr>
@@ -21197,7 +21690,7 @@
               <p:cNvPr id="11" name="TextBox 16">
                 <a:extLst>
                   <a:ext uri="{FF2B5EF4-FFF2-40B4-BE49-F238E27FC236}">
-                    <a16:creationId xmlns="" xmlns:a16="http://schemas.microsoft.com/office/drawing/2014/main" id="{B3F1701A-816B-475D-9A28-48799A4EFD75}"/>
+                    <a16:creationId xmlns:a16="http://schemas.microsoft.com/office/drawing/2014/main" xmlns="" id="{B3F1701A-816B-475D-9A28-48799A4EFD75}"/>
                   </a:ext>
                 </a:extLst>
               </p:cNvPr>
@@ -21433,7 +21926,7 @@
           <p:cNvPr id="12" name="TextBox 16">
             <a:extLst>
               <a:ext uri="{FF2B5EF4-FFF2-40B4-BE49-F238E27FC236}">
-                <a16:creationId xmlns="" xmlns:a16="http://schemas.microsoft.com/office/drawing/2014/main" id="{7F9BC412-4666-4A9D-A54B-E5A584169075}"/>
+                <a16:creationId xmlns:a16="http://schemas.microsoft.com/office/drawing/2014/main" xmlns="" id="{7F9BC412-4666-4A9D-A54B-E5A584169075}"/>
               </a:ext>
             </a:extLst>
           </p:cNvPr>
@@ -21505,7 +21998,7 @@
           <p:cNvPr id="13" name="TextBox 16">
             <a:extLst>
               <a:ext uri="{FF2B5EF4-FFF2-40B4-BE49-F238E27FC236}">
-                <a16:creationId xmlns="" xmlns:a16="http://schemas.microsoft.com/office/drawing/2014/main" id="{0FA04E86-0E04-459E-B66B-3873A4CE732A}"/>
+                <a16:creationId xmlns:a16="http://schemas.microsoft.com/office/drawing/2014/main" xmlns="" id="{0FA04E86-0E04-459E-B66B-3873A4CE732A}"/>
               </a:ext>
             </a:extLst>
           </p:cNvPr>
@@ -21608,7 +22101,7 @@
           <p:cNvPr id="7" name="图片 6">
             <a:extLst>
               <a:ext uri="{FF2B5EF4-FFF2-40B4-BE49-F238E27FC236}">
-                <a16:creationId xmlns="" xmlns:a16="http://schemas.microsoft.com/office/drawing/2014/main" id="{380FAD7C-CFA6-4DDB-BFC9-40D5769BA610}"/>
+                <a16:creationId xmlns:a16="http://schemas.microsoft.com/office/drawing/2014/main" xmlns="" id="{380FAD7C-CFA6-4DDB-BFC9-40D5769BA610}"/>
               </a:ext>
             </a:extLst>
           </p:cNvPr>
@@ -21782,7 +22275,7 @@
           <p:cNvPr id="4" name="图片 3">
             <a:extLst>
               <a:ext uri="{FF2B5EF4-FFF2-40B4-BE49-F238E27FC236}">
-                <a16:creationId xmlns="" xmlns:a16="http://schemas.microsoft.com/office/drawing/2014/main" id="{C7680DCA-F520-4FEA-9A89-C5FBF1443403}"/>
+                <a16:creationId xmlns:a16="http://schemas.microsoft.com/office/drawing/2014/main" xmlns="" id="{C7680DCA-F520-4FEA-9A89-C5FBF1443403}"/>
               </a:ext>
             </a:extLst>
           </p:cNvPr>
@@ -21849,7 +22342,7 @@
           <p:cNvPr id="18" name="标题 3">
             <a:extLst>
               <a:ext uri="{FF2B5EF4-FFF2-40B4-BE49-F238E27FC236}">
-                <a16:creationId xmlns="" xmlns:a16="http://schemas.microsoft.com/office/drawing/2014/main" id="{21C6828D-CEE0-4B38-AF17-B0EFAD566D5C}"/>
+                <a16:creationId xmlns:a16="http://schemas.microsoft.com/office/drawing/2014/main" xmlns="" id="{21C6828D-CEE0-4B38-AF17-B0EFAD566D5C}"/>
               </a:ext>
             </a:extLst>
           </p:cNvPr>
@@ -21910,7 +22403,7 @@
               <p:cNvPr id="11" name="TextBox 16">
                 <a:extLst>
                   <a:ext uri="{FF2B5EF4-FFF2-40B4-BE49-F238E27FC236}">
-                    <a16:creationId xmlns="" xmlns:a16="http://schemas.microsoft.com/office/drawing/2014/main" id="{B3F1701A-816B-475D-9A28-48799A4EFD75}"/>
+                    <a16:creationId xmlns:a16="http://schemas.microsoft.com/office/drawing/2014/main" xmlns="" id="{B3F1701A-816B-475D-9A28-48799A4EFD75}"/>
                   </a:ext>
                 </a:extLst>
               </p:cNvPr>
@@ -22460,7 +22953,7 @@
           <p:cNvPr id="3" name="图片 2">
             <a:extLst>
               <a:ext uri="{FF2B5EF4-FFF2-40B4-BE49-F238E27FC236}">
-                <a16:creationId xmlns="" xmlns:a16="http://schemas.microsoft.com/office/drawing/2014/main" id="{4EEB21E6-F47D-46C5-A332-DB6BFA886D84}"/>
+                <a16:creationId xmlns:a16="http://schemas.microsoft.com/office/drawing/2014/main" xmlns="" id="{4EEB21E6-F47D-46C5-A332-DB6BFA886D84}"/>
               </a:ext>
             </a:extLst>
           </p:cNvPr>
@@ -22917,7 +23410,7 @@
           <p:cNvPr id="7" name="标题 3">
             <a:extLst>
               <a:ext uri="{FF2B5EF4-FFF2-40B4-BE49-F238E27FC236}">
-                <a16:creationId xmlns="" xmlns:a16="http://schemas.microsoft.com/office/drawing/2014/main" id="{AAFAD872-B2FF-49B3-BD0A-FEA7C3C937B4}"/>
+                <a16:creationId xmlns:a16="http://schemas.microsoft.com/office/drawing/2014/main" xmlns="" id="{AAFAD872-B2FF-49B3-BD0A-FEA7C3C937B4}"/>
               </a:ext>
             </a:extLst>
           </p:cNvPr>
@@ -22976,7 +23469,7 @@
           <p:cNvPr id="3" name="图片 2">
             <a:extLst>
               <a:ext uri="{FF2B5EF4-FFF2-40B4-BE49-F238E27FC236}">
-                <a16:creationId xmlns="" xmlns:a16="http://schemas.microsoft.com/office/drawing/2014/main" id="{159AE77A-4285-469C-B713-9CC86D9C88F6}"/>
+                <a16:creationId xmlns:a16="http://schemas.microsoft.com/office/drawing/2014/main" xmlns="" id="{159AE77A-4285-469C-B713-9CC86D9C88F6}"/>
               </a:ext>
             </a:extLst>
           </p:cNvPr>
@@ -23006,7 +23499,7 @@
           <p:cNvPr id="9" name="TextBox 16">
             <a:extLst>
               <a:ext uri="{FF2B5EF4-FFF2-40B4-BE49-F238E27FC236}">
-                <a16:creationId xmlns="" xmlns:a16="http://schemas.microsoft.com/office/drawing/2014/main" id="{B5512625-EE7C-4C85-91B3-702C1962F6DE}"/>
+                <a16:creationId xmlns:a16="http://schemas.microsoft.com/office/drawing/2014/main" xmlns="" id="{B5512625-EE7C-4C85-91B3-702C1962F6DE}"/>
               </a:ext>
             </a:extLst>
           </p:cNvPr>
@@ -23096,7 +23589,7 @@
           <p:cNvPr id="10" name="TextBox 16">
             <a:extLst>
               <a:ext uri="{FF2B5EF4-FFF2-40B4-BE49-F238E27FC236}">
-                <a16:creationId xmlns="" xmlns:a16="http://schemas.microsoft.com/office/drawing/2014/main" id="{5E79B5CF-745A-4503-9C4E-A1CFE344B885}"/>
+                <a16:creationId xmlns:a16="http://schemas.microsoft.com/office/drawing/2014/main" xmlns="" id="{5E79B5CF-745A-4503-9C4E-A1CFE344B885}"/>
               </a:ext>
             </a:extLst>
           </p:cNvPr>
@@ -23197,7 +23690,7 @@
           <p:cNvPr id="2" name="矩形 1">
             <a:extLst>
               <a:ext uri="{FF2B5EF4-FFF2-40B4-BE49-F238E27FC236}">
-                <a16:creationId xmlns="" xmlns:a16="http://schemas.microsoft.com/office/drawing/2014/main" id="{EF30BE79-ED24-4C99-9ED0-90CB158774BC}"/>
+                <a16:creationId xmlns:a16="http://schemas.microsoft.com/office/drawing/2014/main" xmlns="" id="{EF30BE79-ED24-4C99-9ED0-90CB158774BC}"/>
               </a:ext>
             </a:extLst>
           </p:cNvPr>
@@ -23302,7 +23795,7 @@
           <p:cNvPr id="7" name="标题 3">
             <a:extLst>
               <a:ext uri="{FF2B5EF4-FFF2-40B4-BE49-F238E27FC236}">
-                <a16:creationId xmlns="" xmlns:a16="http://schemas.microsoft.com/office/drawing/2014/main" id="{AAFAD872-B2FF-49B3-BD0A-FEA7C3C937B4}"/>
+                <a16:creationId xmlns:a16="http://schemas.microsoft.com/office/drawing/2014/main" xmlns="" id="{AAFAD872-B2FF-49B3-BD0A-FEA7C3C937B4}"/>
               </a:ext>
             </a:extLst>
           </p:cNvPr>
@@ -23361,7 +23854,7 @@
           <p:cNvPr id="12" name="TextBox 16">
             <a:extLst>
               <a:ext uri="{FF2B5EF4-FFF2-40B4-BE49-F238E27FC236}">
-                <a16:creationId xmlns="" xmlns:a16="http://schemas.microsoft.com/office/drawing/2014/main" id="{747C9A37-6B1F-41D4-B159-EE16AE1EFF1F}"/>
+                <a16:creationId xmlns:a16="http://schemas.microsoft.com/office/drawing/2014/main" xmlns="" id="{747C9A37-6B1F-41D4-B159-EE16AE1EFF1F}"/>
               </a:ext>
             </a:extLst>
           </p:cNvPr>
@@ -23475,7 +23968,7 @@
           <p:cNvPr id="15" name="Rectangle 17">
             <a:extLst>
               <a:ext uri="{FF2B5EF4-FFF2-40B4-BE49-F238E27FC236}">
-                <a16:creationId xmlns="" xmlns:a16="http://schemas.microsoft.com/office/drawing/2014/main" id="{E978F26B-F7E1-4A62-8D5A-1BF0782E38D8}"/>
+                <a16:creationId xmlns:a16="http://schemas.microsoft.com/office/drawing/2014/main" xmlns="" id="{E978F26B-F7E1-4A62-8D5A-1BF0782E38D8}"/>
               </a:ext>
             </a:extLst>
           </p:cNvPr>
@@ -23698,7 +24191,7 @@
               <p:cNvPr id="16" name="文本框 3">
                 <a:extLst>
                   <a:ext uri="{FF2B5EF4-FFF2-40B4-BE49-F238E27FC236}">
-                    <a16:creationId xmlns="" xmlns:a16="http://schemas.microsoft.com/office/drawing/2014/main" id="{09FF97FB-3521-4FD8-9A69-E7CC030400DA}"/>
+                    <a16:creationId xmlns:a16="http://schemas.microsoft.com/office/drawing/2014/main" xmlns="" id="{09FF97FB-3521-4FD8-9A69-E7CC030400DA}"/>
                   </a:ext>
                 </a:extLst>
               </p:cNvPr>
@@ -24338,7 +24831,7 @@
           <p:cNvPr id="17" name="Rectangle 17">
             <a:extLst>
               <a:ext uri="{FF2B5EF4-FFF2-40B4-BE49-F238E27FC236}">
-                <a16:creationId xmlns="" xmlns:a16="http://schemas.microsoft.com/office/drawing/2014/main" id="{067E966F-B7B4-417C-8E8E-547FE76AD0D5}"/>
+                <a16:creationId xmlns:a16="http://schemas.microsoft.com/office/drawing/2014/main" xmlns="" id="{067E966F-B7B4-417C-8E8E-547FE76AD0D5}"/>
               </a:ext>
             </a:extLst>
           </p:cNvPr>
@@ -24584,7 +25077,7 @@
               <p:cNvPr id="18" name="Rectangle 17">
                 <a:extLst>
                   <a:ext uri="{FF2B5EF4-FFF2-40B4-BE49-F238E27FC236}">
-                    <a16:creationId xmlns="" xmlns:a16="http://schemas.microsoft.com/office/drawing/2014/main" id="{B63E7EC3-4D84-403D-B59A-EDEA29B00D1A}"/>
+                    <a16:creationId xmlns:a16="http://schemas.microsoft.com/office/drawing/2014/main" xmlns="" id="{B63E7EC3-4D84-403D-B59A-EDEA29B00D1A}"/>
                   </a:ext>
                 </a:extLst>
               </p:cNvPr>
@@ -24896,7 +25389,7 @@
           <p:cNvPr id="19" name="Rectangle 17">
             <a:extLst>
               <a:ext uri="{FF2B5EF4-FFF2-40B4-BE49-F238E27FC236}">
-                <a16:creationId xmlns="" xmlns:a16="http://schemas.microsoft.com/office/drawing/2014/main" id="{4E7D4E6E-0D7D-4992-80A6-575D5566DFC3}"/>
+                <a16:creationId xmlns:a16="http://schemas.microsoft.com/office/drawing/2014/main" xmlns="" id="{4E7D4E6E-0D7D-4992-80A6-575D5566DFC3}"/>
               </a:ext>
             </a:extLst>
           </p:cNvPr>
@@ -25098,7 +25591,7 @@
           <p:cNvPr id="4" name="图片 3">
             <a:extLst>
               <a:ext uri="{FF2B5EF4-FFF2-40B4-BE49-F238E27FC236}">
-                <a16:creationId xmlns="" xmlns:a16="http://schemas.microsoft.com/office/drawing/2014/main" id="{B6E431FC-4957-44C3-B097-F22360B320A2}"/>
+                <a16:creationId xmlns:a16="http://schemas.microsoft.com/office/drawing/2014/main" xmlns="" id="{B6E431FC-4957-44C3-B097-F22360B320A2}"/>
               </a:ext>
             </a:extLst>
           </p:cNvPr>

--- a/1st March 25, 2019.pptx
+++ b/1st March 25, 2019.pptx
@@ -134,7 +134,7 @@
   </p:defaultTextStyle>
   <p:extLst>
     <p:ext uri="{EFAFB233-063F-42B5-8137-9DF3F51BA10A}">
-      <p15:sldGuideLst xmlns:p15="http://schemas.microsoft.com/office/powerpoint/2012/main" xmlns="">
+      <p15:sldGuideLst xmlns="" xmlns:p15="http://schemas.microsoft.com/office/powerpoint/2012/main">
         <p15:guide id="1" orient="horz" pos="2160">
           <p15:clr>
             <a:srgbClr val="A4A3A4"/>
@@ -148,7 +148,7 @@
       </p15:sldGuideLst>
     </p:ext>
     <p:ext uri="{2D200454-40CA-4A62-9FC3-DE9A4176ACB9}">
-      <p15:notesGuideLst xmlns:p15="http://schemas.microsoft.com/office/powerpoint/2012/main" xmlns="">
+      <p15:notesGuideLst xmlns="" xmlns:p15="http://schemas.microsoft.com/office/powerpoint/2012/main">
         <p15:guide id="1" orient="horz" pos="2880">
           <p15:clr>
             <a:srgbClr val="A4A3A4"/>
@@ -15035,7 +15035,7 @@
           <p:cNvPr id="7" name="标题 3">
             <a:extLst>
               <a:ext uri="{FF2B5EF4-FFF2-40B4-BE49-F238E27FC236}">
-                <a16:creationId xmlns:a16="http://schemas.microsoft.com/office/drawing/2014/main" xmlns="" id="{AAFAD872-B2FF-49B3-BD0A-FEA7C3C937B4}"/>
+                <a16:creationId xmlns="" xmlns:a16="http://schemas.microsoft.com/office/drawing/2014/main" id="{AAFAD872-B2FF-49B3-BD0A-FEA7C3C937B4}"/>
               </a:ext>
             </a:extLst>
           </p:cNvPr>
@@ -15094,7 +15094,7 @@
           <p:cNvPr id="3" name="矩形 2">
             <a:extLst>
               <a:ext uri="{FF2B5EF4-FFF2-40B4-BE49-F238E27FC236}">
-                <a16:creationId xmlns:a16="http://schemas.microsoft.com/office/drawing/2014/main" xmlns="" id="{35A150AD-A0AD-4135-A784-3CB0208945EE}"/>
+                <a16:creationId xmlns="" xmlns:a16="http://schemas.microsoft.com/office/drawing/2014/main" id="{35A150AD-A0AD-4135-A784-3CB0208945EE}"/>
               </a:ext>
             </a:extLst>
           </p:cNvPr>
@@ -15247,7 +15247,7 @@
           <p:cNvPr id="5" name="图片 4">
             <a:extLst>
               <a:ext uri="{FF2B5EF4-FFF2-40B4-BE49-F238E27FC236}">
-                <a16:creationId xmlns:a16="http://schemas.microsoft.com/office/drawing/2014/main" xmlns="" id="{29BFEBA0-D5F9-4FA5-918F-015FB9CAADFA}"/>
+                <a16:creationId xmlns="" xmlns:a16="http://schemas.microsoft.com/office/drawing/2014/main" id="{29BFEBA0-D5F9-4FA5-918F-015FB9CAADFA}"/>
               </a:ext>
             </a:extLst>
           </p:cNvPr>
@@ -15277,7 +15277,7 @@
           <p:cNvPr id="6" name="图片 5">
             <a:extLst>
               <a:ext uri="{FF2B5EF4-FFF2-40B4-BE49-F238E27FC236}">
-                <a16:creationId xmlns:a16="http://schemas.microsoft.com/office/drawing/2014/main" xmlns="" id="{0ED9F71E-71B4-4433-84F2-0DCCCDB62CC3}"/>
+                <a16:creationId xmlns="" xmlns:a16="http://schemas.microsoft.com/office/drawing/2014/main" id="{0ED9F71E-71B4-4433-84F2-0DCCCDB62CC3}"/>
               </a:ext>
             </a:extLst>
           </p:cNvPr>
@@ -15307,7 +15307,7 @@
           <p:cNvPr id="9" name="图片 8">
             <a:extLst>
               <a:ext uri="{FF2B5EF4-FFF2-40B4-BE49-F238E27FC236}">
-                <a16:creationId xmlns:a16="http://schemas.microsoft.com/office/drawing/2014/main" xmlns="" id="{2751DD13-5428-43B2-8702-52F30D1B1744}"/>
+                <a16:creationId xmlns="" xmlns:a16="http://schemas.microsoft.com/office/drawing/2014/main" id="{2751DD13-5428-43B2-8702-52F30D1B1744}"/>
               </a:ext>
             </a:extLst>
           </p:cNvPr>
@@ -15337,7 +15337,7 @@
           <p:cNvPr id="10" name="图片 9">
             <a:extLst>
               <a:ext uri="{FF2B5EF4-FFF2-40B4-BE49-F238E27FC236}">
-                <a16:creationId xmlns:a16="http://schemas.microsoft.com/office/drawing/2014/main" xmlns="" id="{1B5D15C3-22A4-4A71-972B-CC0593F4C3DB}"/>
+                <a16:creationId xmlns="" xmlns:a16="http://schemas.microsoft.com/office/drawing/2014/main" id="{1B5D15C3-22A4-4A71-972B-CC0593F4C3DB}"/>
               </a:ext>
             </a:extLst>
           </p:cNvPr>
@@ -15367,7 +15367,7 @@
           <p:cNvPr id="11" name="图片 10">
             <a:extLst>
               <a:ext uri="{FF2B5EF4-FFF2-40B4-BE49-F238E27FC236}">
-                <a16:creationId xmlns:a16="http://schemas.microsoft.com/office/drawing/2014/main" xmlns="" id="{2C744D10-E16A-4F45-877E-E2388F55AD9E}"/>
+                <a16:creationId xmlns="" xmlns:a16="http://schemas.microsoft.com/office/drawing/2014/main" id="{2C744D10-E16A-4F45-877E-E2388F55AD9E}"/>
               </a:ext>
             </a:extLst>
           </p:cNvPr>
@@ -15397,7 +15397,7 @@
           <p:cNvPr id="13" name="矩形 12">
             <a:extLst>
               <a:ext uri="{FF2B5EF4-FFF2-40B4-BE49-F238E27FC236}">
-                <a16:creationId xmlns:a16="http://schemas.microsoft.com/office/drawing/2014/main" xmlns="" id="{C901DBC9-7A63-4ABE-B557-8F89F392E3DF}"/>
+                <a16:creationId xmlns="" xmlns:a16="http://schemas.microsoft.com/office/drawing/2014/main" id="{C901DBC9-7A63-4ABE-B557-8F89F392E3DF}"/>
               </a:ext>
             </a:extLst>
           </p:cNvPr>
@@ -15465,7 +15465,7 @@
           <p:cNvPr id="14" name="矩形 13">
             <a:extLst>
               <a:ext uri="{FF2B5EF4-FFF2-40B4-BE49-F238E27FC236}">
-                <a16:creationId xmlns:a16="http://schemas.microsoft.com/office/drawing/2014/main" xmlns="" id="{2BE8B244-BA20-410C-9401-2789008B963A}"/>
+                <a16:creationId xmlns="" xmlns:a16="http://schemas.microsoft.com/office/drawing/2014/main" id="{2BE8B244-BA20-410C-9401-2789008B963A}"/>
               </a:ext>
             </a:extLst>
           </p:cNvPr>
@@ -15535,7 +15535,7 @@
               <p:cNvPr id="20" name="文本框 3">
                 <a:extLst>
                   <a:ext uri="{FF2B5EF4-FFF2-40B4-BE49-F238E27FC236}">
-                    <a16:creationId xmlns:a16="http://schemas.microsoft.com/office/drawing/2014/main" xmlns="" id="{E571047C-CBE4-4F35-B9FF-4C841093AD8E}"/>
+                    <a16:creationId xmlns="" xmlns:a16="http://schemas.microsoft.com/office/drawing/2014/main" id="{E571047C-CBE4-4F35-B9FF-4C841093AD8E}"/>
                   </a:ext>
                 </a:extLst>
               </p:cNvPr>
@@ -16175,7 +16175,7 @@
           <p:cNvPr id="15" name="图片 14">
             <a:extLst>
               <a:ext uri="{FF2B5EF4-FFF2-40B4-BE49-F238E27FC236}">
-                <a16:creationId xmlns:a16="http://schemas.microsoft.com/office/drawing/2014/main" xmlns="" id="{BEF4B279-AF0D-4902-87E8-695DBACEE1A0}"/>
+                <a16:creationId xmlns="" xmlns:a16="http://schemas.microsoft.com/office/drawing/2014/main" id="{BEF4B279-AF0D-4902-87E8-695DBACEE1A0}"/>
               </a:ext>
             </a:extLst>
           </p:cNvPr>
@@ -16353,7 +16353,7 @@
           <p:cNvPr id="7" name="标题 3">
             <a:extLst>
               <a:ext uri="{FF2B5EF4-FFF2-40B4-BE49-F238E27FC236}">
-                <a16:creationId xmlns:a16="http://schemas.microsoft.com/office/drawing/2014/main" xmlns="" id="{AAFAD872-B2FF-49B3-BD0A-FEA7C3C937B4}"/>
+                <a16:creationId xmlns="" xmlns:a16="http://schemas.microsoft.com/office/drawing/2014/main" id="{AAFAD872-B2FF-49B3-BD0A-FEA7C3C937B4}"/>
               </a:ext>
             </a:extLst>
           </p:cNvPr>
@@ -16412,7 +16412,7 @@
           <p:cNvPr id="12" name="Rectangle 17">
             <a:extLst>
               <a:ext uri="{FF2B5EF4-FFF2-40B4-BE49-F238E27FC236}">
-                <a16:creationId xmlns:a16="http://schemas.microsoft.com/office/drawing/2014/main" xmlns="" id="{9EDDFDB7-7085-4A03-A70A-E39BB6C14A26}"/>
+                <a16:creationId xmlns="" xmlns:a16="http://schemas.microsoft.com/office/drawing/2014/main" id="{9EDDFDB7-7085-4A03-A70A-E39BB6C14A26}"/>
               </a:ext>
             </a:extLst>
           </p:cNvPr>
@@ -16605,7 +16605,7 @@
           <p:cNvPr id="2" name="矩形 1">
             <a:extLst>
               <a:ext uri="{FF2B5EF4-FFF2-40B4-BE49-F238E27FC236}">
-                <a16:creationId xmlns:a16="http://schemas.microsoft.com/office/drawing/2014/main" xmlns="" id="{15F4509F-9EAC-40C8-AEE0-A3C55E1366FF}"/>
+                <a16:creationId xmlns="" xmlns:a16="http://schemas.microsoft.com/office/drawing/2014/main" id="{15F4509F-9EAC-40C8-AEE0-A3C55E1366FF}"/>
               </a:ext>
             </a:extLst>
           </p:cNvPr>
@@ -16685,7 +16685,7 @@
           <p:cNvPr id="15" name="Rectangle 17">
             <a:extLst>
               <a:ext uri="{FF2B5EF4-FFF2-40B4-BE49-F238E27FC236}">
-                <a16:creationId xmlns:a16="http://schemas.microsoft.com/office/drawing/2014/main" xmlns="" id="{D80FEA11-245F-4E2D-BAC9-4478938D8A9A}"/>
+                <a16:creationId xmlns="" xmlns:a16="http://schemas.microsoft.com/office/drawing/2014/main" id="{D80FEA11-245F-4E2D-BAC9-4478938D8A9A}"/>
               </a:ext>
             </a:extLst>
           </p:cNvPr>
@@ -17027,7 +17027,7 @@
           <p:cNvPr id="15" name="标题 3">
             <a:extLst>
               <a:ext uri="{FF2B5EF4-FFF2-40B4-BE49-F238E27FC236}">
-                <a16:creationId xmlns:a16="http://schemas.microsoft.com/office/drawing/2014/main" xmlns="" id="{F68BA453-3377-4256-A938-E7CF0F36192B}"/>
+                <a16:creationId xmlns="" xmlns:a16="http://schemas.microsoft.com/office/drawing/2014/main" id="{F68BA453-3377-4256-A938-E7CF0F36192B}"/>
               </a:ext>
             </a:extLst>
           </p:cNvPr>
@@ -17080,7 +17080,7 @@
           <p:cNvPr id="5" name="TextBox 16">
             <a:extLst>
               <a:ext uri="{FF2B5EF4-FFF2-40B4-BE49-F238E27FC236}">
-                <a16:creationId xmlns:a16="http://schemas.microsoft.com/office/drawing/2014/main" xmlns="" id="{B838591C-0CB1-49DD-9C4F-1592AE0331C6}"/>
+                <a16:creationId xmlns="" xmlns:a16="http://schemas.microsoft.com/office/drawing/2014/main" id="{B838591C-0CB1-49DD-9C4F-1592AE0331C6}"/>
               </a:ext>
             </a:extLst>
           </p:cNvPr>
@@ -17291,7 +17291,7 @@
           <p:cNvPr id="15" name="标题 3">
             <a:extLst>
               <a:ext uri="{FF2B5EF4-FFF2-40B4-BE49-F238E27FC236}">
-                <a16:creationId xmlns:a16="http://schemas.microsoft.com/office/drawing/2014/main" xmlns="" id="{F68BA453-3377-4256-A938-E7CF0F36192B}"/>
+                <a16:creationId xmlns="" xmlns:a16="http://schemas.microsoft.com/office/drawing/2014/main" id="{F68BA453-3377-4256-A938-E7CF0F36192B}"/>
               </a:ext>
             </a:extLst>
           </p:cNvPr>
@@ -17344,7 +17344,7 @@
           <p:cNvPr id="4" name="TextBox 16">
             <a:extLst>
               <a:ext uri="{FF2B5EF4-FFF2-40B4-BE49-F238E27FC236}">
-                <a16:creationId xmlns:a16="http://schemas.microsoft.com/office/drawing/2014/main" xmlns="" id="{DF9522B2-B195-4EA2-8FD9-1D8D6A22AD62}"/>
+                <a16:creationId xmlns="" xmlns:a16="http://schemas.microsoft.com/office/drawing/2014/main" id="{DF9522B2-B195-4EA2-8FD9-1D8D6A22AD62}"/>
               </a:ext>
             </a:extLst>
           </p:cNvPr>
@@ -17556,7 +17556,7 @@
           <p:cNvPr id="15" name="标题 3">
             <a:extLst>
               <a:ext uri="{FF2B5EF4-FFF2-40B4-BE49-F238E27FC236}">
-                <a16:creationId xmlns:a16="http://schemas.microsoft.com/office/drawing/2014/main" xmlns="" id="{F68BA453-3377-4256-A938-E7CF0F36192B}"/>
+                <a16:creationId xmlns="" xmlns:a16="http://schemas.microsoft.com/office/drawing/2014/main" id="{F68BA453-3377-4256-A938-E7CF0F36192B}"/>
               </a:ext>
             </a:extLst>
           </p:cNvPr>
@@ -17609,7 +17609,7 @@
           <p:cNvPr id="6" name="TextBox 16">
             <a:extLst>
               <a:ext uri="{FF2B5EF4-FFF2-40B4-BE49-F238E27FC236}">
-                <a16:creationId xmlns:a16="http://schemas.microsoft.com/office/drawing/2014/main" xmlns="" id="{EF88109A-EB66-41CC-84D1-40253C0A25FA}"/>
+                <a16:creationId xmlns="" xmlns:a16="http://schemas.microsoft.com/office/drawing/2014/main" id="{EF88109A-EB66-41CC-84D1-40253C0A25FA}"/>
               </a:ext>
             </a:extLst>
           </p:cNvPr>
@@ -17821,7 +17821,7 @@
           <p:cNvPr id="15" name="标题 3">
             <a:extLst>
               <a:ext uri="{FF2B5EF4-FFF2-40B4-BE49-F238E27FC236}">
-                <a16:creationId xmlns:a16="http://schemas.microsoft.com/office/drawing/2014/main" xmlns="" id="{F68BA453-3377-4256-A938-E7CF0F36192B}"/>
+                <a16:creationId xmlns="" xmlns:a16="http://schemas.microsoft.com/office/drawing/2014/main" id="{F68BA453-3377-4256-A938-E7CF0F36192B}"/>
               </a:ext>
             </a:extLst>
           </p:cNvPr>
@@ -17874,7 +17874,7 @@
           <p:cNvPr id="7" name="TextBox 16">
             <a:extLst>
               <a:ext uri="{FF2B5EF4-FFF2-40B4-BE49-F238E27FC236}">
-                <a16:creationId xmlns:a16="http://schemas.microsoft.com/office/drawing/2014/main" xmlns="" id="{EC28C2B4-1861-4967-A78B-CC234E008A94}"/>
+                <a16:creationId xmlns="" xmlns:a16="http://schemas.microsoft.com/office/drawing/2014/main" id="{EC28C2B4-1861-4967-A78B-CC234E008A94}"/>
               </a:ext>
             </a:extLst>
           </p:cNvPr>
@@ -18071,7 +18071,7 @@
           <p:cNvPr id="15" name="标题 3">
             <a:extLst>
               <a:ext uri="{FF2B5EF4-FFF2-40B4-BE49-F238E27FC236}">
-                <a16:creationId xmlns:a16="http://schemas.microsoft.com/office/drawing/2014/main" xmlns="" id="{F68BA453-3377-4256-A938-E7CF0F36192B}"/>
+                <a16:creationId xmlns="" xmlns:a16="http://schemas.microsoft.com/office/drawing/2014/main" id="{F68BA453-3377-4256-A938-E7CF0F36192B}"/>
               </a:ext>
             </a:extLst>
           </p:cNvPr>
@@ -18124,7 +18124,7 @@
           <p:cNvPr id="7" name="TextBox 16">
             <a:extLst>
               <a:ext uri="{FF2B5EF4-FFF2-40B4-BE49-F238E27FC236}">
-                <a16:creationId xmlns:a16="http://schemas.microsoft.com/office/drawing/2014/main" xmlns="" id="{EC28C2B4-1861-4967-A78B-CC234E008A94}"/>
+                <a16:creationId xmlns="" xmlns:a16="http://schemas.microsoft.com/office/drawing/2014/main" id="{EC28C2B4-1861-4967-A78B-CC234E008A94}"/>
               </a:ext>
             </a:extLst>
           </p:cNvPr>
@@ -18259,6 +18259,13 @@
   <p:clrMapOvr>
     <a:masterClrMapping/>
   </p:clrMapOvr>
+  <p:timing>
+    <p:tnLst>
+      <p:par>
+        <p:cTn id="1" dur="indefinite" restart="never" nodeType="tmRoot"/>
+      </p:par>
+    </p:tnLst>
+  </p:timing>
 </p:sld>
 </file>
 
@@ -18321,7 +18328,7 @@
           <p:cNvPr id="15" name="标题 3">
             <a:extLst>
               <a:ext uri="{FF2B5EF4-FFF2-40B4-BE49-F238E27FC236}">
-                <a16:creationId xmlns:a16="http://schemas.microsoft.com/office/drawing/2014/main" xmlns="" id="{F68BA453-3377-4256-A938-E7CF0F36192B}"/>
+                <a16:creationId xmlns="" xmlns:a16="http://schemas.microsoft.com/office/drawing/2014/main" id="{F68BA453-3377-4256-A938-E7CF0F36192B}"/>
               </a:ext>
             </a:extLst>
           </p:cNvPr>
@@ -18374,7 +18381,7 @@
           <p:cNvPr id="9" name="TextBox 16">
             <a:extLst>
               <a:ext uri="{FF2B5EF4-FFF2-40B4-BE49-F238E27FC236}">
-                <a16:creationId xmlns:a16="http://schemas.microsoft.com/office/drawing/2014/main" xmlns="" id="{D5617185-F20C-4289-87BB-94CEDC0F5226}"/>
+                <a16:creationId xmlns="" xmlns:a16="http://schemas.microsoft.com/office/drawing/2014/main" id="{D5617185-F20C-4289-87BB-94CEDC0F5226}"/>
               </a:ext>
             </a:extLst>
           </p:cNvPr>
@@ -18443,32 +18450,66 @@
       </p:sp>
       <p:pic>
         <p:nvPicPr>
-          <p:cNvPr id="3" name="图片 2">
-            <a:extLst>
-              <a:ext uri="{FF2B5EF4-FFF2-40B4-BE49-F238E27FC236}">
-                <a16:creationId xmlns:a16="http://schemas.microsoft.com/office/drawing/2014/main" xmlns="" id="{5C2AA254-7573-420C-AC08-FC3EE6BC7AC4}"/>
-              </a:ext>
-            </a:extLst>
-          </p:cNvPr>
+          <p:cNvPr id="1026" name="Picture 2"/>
           <p:cNvPicPr>
-            <a:picLocks noChangeAspect="1"/>
+            <a:picLocks noChangeAspect="1" noChangeArrowheads="1"/>
           </p:cNvPicPr>
           <p:nvPr/>
         </p:nvPicPr>
         <p:blipFill>
-          <a:blip r:embed="rId3"/>
+          <a:blip r:embed="rId3">
+            <a:extLst>
+              <a:ext uri="{28A0092B-C50C-407E-A947-70E740481C1C}">
+                <a14:useLocalDpi xmlns:a14="http://schemas.microsoft.com/office/drawing/2010/main" val="0"/>
+              </a:ext>
+            </a:extLst>
+          </a:blip>
+          <a:srcRect/>
           <a:stretch>
             <a:fillRect/>
           </a:stretch>
         </p:blipFill>
-        <p:spPr>
+        <p:spPr bwMode="auto">
           <a:xfrm>
-            <a:off x="2483768" y="260648"/>
-            <a:ext cx="6475065" cy="6541991"/>
+            <a:off x="35496" y="1942641"/>
+            <a:ext cx="8892480" cy="3338972"/>
           </a:xfrm>
           <a:prstGeom prst="rect">
             <a:avLst/>
           </a:prstGeom>
+          <a:noFill/>
+          <a:ln>
+            <a:noFill/>
+          </a:ln>
+          <a:effectLst/>
+          <a:extLst>
+            <a:ext uri="{909E8E84-426E-40DD-AFC4-6F175D3DCCD1}">
+              <a14:hiddenFill xmlns:a14="http://schemas.microsoft.com/office/drawing/2010/main">
+                <a:solidFill>
+                  <a:schemeClr val="accent1"/>
+                </a:solidFill>
+              </a14:hiddenFill>
+            </a:ext>
+            <a:ext uri="{91240B29-F687-4F45-9708-019B960494DF}">
+              <a14:hiddenLine xmlns:a14="http://schemas.microsoft.com/office/drawing/2010/main" w="9525">
+                <a:solidFill>
+                  <a:schemeClr val="tx1"/>
+                </a:solidFill>
+                <a:miter lim="800000"/>
+                <a:headEnd/>
+                <a:tailEnd/>
+              </a14:hiddenLine>
+            </a:ext>
+            <a:ext uri="{AF507438-7753-43E0-B8FC-AC1667EBCBE1}">
+              <a14:hiddenEffects xmlns:a14="http://schemas.microsoft.com/office/drawing/2010/main">
+                <a:effectLst>
+                  <a:outerShdw dist="35921" dir="2700000" algn="ctr" rotWithShape="0">
+                    <a:schemeClr val="bg2"/>
+                  </a:outerShdw>
+                </a:effectLst>
+              </a14:hiddenEffects>
+            </a:ext>
+          </a:extLst>
         </p:spPr>
       </p:pic>
     </p:spTree>
@@ -18481,6 +18522,13 @@
   <p:clrMapOvr>
     <a:masterClrMapping/>
   </p:clrMapOvr>
+  <p:timing>
+    <p:tnLst>
+      <p:par>
+        <p:cTn id="1" dur="indefinite" restart="never" nodeType="tmRoot"/>
+      </p:par>
+    </p:tnLst>
+  </p:timing>
 </p:sld>
 </file>
 
@@ -18543,7 +18591,7 @@
           <p:cNvPr id="15" name="标题 3">
             <a:extLst>
               <a:ext uri="{FF2B5EF4-FFF2-40B4-BE49-F238E27FC236}">
-                <a16:creationId xmlns:a16="http://schemas.microsoft.com/office/drawing/2014/main" xmlns="" id="{F68BA453-3377-4256-A938-E7CF0F36192B}"/>
+                <a16:creationId xmlns="" xmlns:a16="http://schemas.microsoft.com/office/drawing/2014/main" id="{F68BA453-3377-4256-A938-E7CF0F36192B}"/>
               </a:ext>
             </a:extLst>
           </p:cNvPr>
@@ -18594,7 +18642,7 @@
           <p:cNvPr id="9" name="TextBox 16">
             <a:extLst>
               <a:ext uri="{FF2B5EF4-FFF2-40B4-BE49-F238E27FC236}">
-                <a16:creationId xmlns:a16="http://schemas.microsoft.com/office/drawing/2014/main" xmlns="" id="{D5617185-F20C-4289-87BB-94CEDC0F5226}"/>
+                <a16:creationId xmlns="" xmlns:a16="http://schemas.microsoft.com/office/drawing/2014/main" id="{D5617185-F20C-4289-87BB-94CEDC0F5226}"/>
               </a:ext>
             </a:extLst>
           </p:cNvPr>
@@ -18666,7 +18714,7 @@
           <p:cNvPr id="2" name="图片 1">
             <a:extLst>
               <a:ext uri="{FF2B5EF4-FFF2-40B4-BE49-F238E27FC236}">
-                <a16:creationId xmlns:a16="http://schemas.microsoft.com/office/drawing/2014/main" xmlns="" id="{B23F19BE-60E5-4629-8453-9EAB2BF90829}"/>
+                <a16:creationId xmlns="" xmlns:a16="http://schemas.microsoft.com/office/drawing/2014/main" id="{B23F19BE-60E5-4629-8453-9EAB2BF90829}"/>
               </a:ext>
             </a:extLst>
           </p:cNvPr>
@@ -18696,7 +18744,7 @@
           <p:cNvPr id="4" name="矩形 3">
             <a:extLst>
               <a:ext uri="{FF2B5EF4-FFF2-40B4-BE49-F238E27FC236}">
-                <a16:creationId xmlns:a16="http://schemas.microsoft.com/office/drawing/2014/main" xmlns="" id="{CB5BEAF9-C9CC-416F-92D0-3015F04A3871}"/>
+                <a16:creationId xmlns="" xmlns:a16="http://schemas.microsoft.com/office/drawing/2014/main" id="{CB5BEAF9-C9CC-416F-92D0-3015F04A3871}"/>
               </a:ext>
             </a:extLst>
           </p:cNvPr>
@@ -18740,7 +18788,7 @@
           <p:cNvPr id="5" name="矩形 4">
             <a:extLst>
               <a:ext uri="{FF2B5EF4-FFF2-40B4-BE49-F238E27FC236}">
-                <a16:creationId xmlns:a16="http://schemas.microsoft.com/office/drawing/2014/main" xmlns="" id="{2C8D109B-AC18-4E2F-A622-F69E07C53A04}"/>
+                <a16:creationId xmlns="" xmlns:a16="http://schemas.microsoft.com/office/drawing/2014/main" id="{2C8D109B-AC18-4E2F-A622-F69E07C53A04}"/>
               </a:ext>
             </a:extLst>
           </p:cNvPr>
@@ -18843,6 +18891,13 @@
   <p:clrMapOvr>
     <a:masterClrMapping/>
   </p:clrMapOvr>
+  <p:timing>
+    <p:tnLst>
+      <p:par>
+        <p:cTn id="1" dur="indefinite" restart="never" nodeType="tmRoot"/>
+      </p:par>
+    </p:tnLst>
+  </p:timing>
 </p:sld>
 </file>
 
@@ -18905,7 +18960,7 @@
           <p:cNvPr id="15" name="标题 3">
             <a:extLst>
               <a:ext uri="{FF2B5EF4-FFF2-40B4-BE49-F238E27FC236}">
-                <a16:creationId xmlns:a16="http://schemas.microsoft.com/office/drawing/2014/main" xmlns="" id="{F68BA453-3377-4256-A938-E7CF0F36192B}"/>
+                <a16:creationId xmlns="" xmlns:a16="http://schemas.microsoft.com/office/drawing/2014/main" id="{F68BA453-3377-4256-A938-E7CF0F36192B}"/>
               </a:ext>
             </a:extLst>
           </p:cNvPr>
@@ -18956,7 +19011,7 @@
           <p:cNvPr id="5" name="TextBox 16">
             <a:extLst>
               <a:ext uri="{FF2B5EF4-FFF2-40B4-BE49-F238E27FC236}">
-                <a16:creationId xmlns:a16="http://schemas.microsoft.com/office/drawing/2014/main" xmlns="" id="{7933C8E7-0B0C-4F30-8E36-4CA6D4717E20}"/>
+                <a16:creationId xmlns="" xmlns:a16="http://schemas.microsoft.com/office/drawing/2014/main" id="{7933C8E7-0B0C-4F30-8E36-4CA6D4717E20}"/>
               </a:ext>
             </a:extLst>
           </p:cNvPr>
@@ -19022,7 +19077,7 @@
           <p:cNvPr id="3" name="图片 2">
             <a:extLst>
               <a:ext uri="{FF2B5EF4-FFF2-40B4-BE49-F238E27FC236}">
-                <a16:creationId xmlns:a16="http://schemas.microsoft.com/office/drawing/2014/main" xmlns="" id="{E62885FA-2C3A-41D4-B747-4D5A396D79E7}"/>
+                <a16:creationId xmlns="" xmlns:a16="http://schemas.microsoft.com/office/drawing/2014/main" id="{E62885FA-2C3A-41D4-B747-4D5A396D79E7}"/>
               </a:ext>
             </a:extLst>
           </p:cNvPr>
@@ -19052,7 +19107,7 @@
           <p:cNvPr id="4" name="矩形 3">
             <a:extLst>
               <a:ext uri="{FF2B5EF4-FFF2-40B4-BE49-F238E27FC236}">
-                <a16:creationId xmlns:a16="http://schemas.microsoft.com/office/drawing/2014/main" xmlns="" id="{98DB3250-0E34-4CD9-9E6F-61D26A2D49C7}"/>
+                <a16:creationId xmlns="" xmlns:a16="http://schemas.microsoft.com/office/drawing/2014/main" id="{98DB3250-0E34-4CD9-9E6F-61D26A2D49C7}"/>
               </a:ext>
             </a:extLst>
           </p:cNvPr>
@@ -19096,7 +19151,7 @@
           <p:cNvPr id="6" name="图片 5">
             <a:extLst>
               <a:ext uri="{FF2B5EF4-FFF2-40B4-BE49-F238E27FC236}">
-                <a16:creationId xmlns:a16="http://schemas.microsoft.com/office/drawing/2014/main" xmlns="" id="{271B65B9-DAE2-4416-A1CA-568123FC1019}"/>
+                <a16:creationId xmlns="" xmlns:a16="http://schemas.microsoft.com/office/drawing/2014/main" id="{271B65B9-DAE2-4416-A1CA-568123FC1019}"/>
               </a:ext>
             </a:extLst>
           </p:cNvPr>
@@ -19126,7 +19181,7 @@
           <p:cNvPr id="9" name="矩形 8">
             <a:extLst>
               <a:ext uri="{FF2B5EF4-FFF2-40B4-BE49-F238E27FC236}">
-                <a16:creationId xmlns:a16="http://schemas.microsoft.com/office/drawing/2014/main" xmlns="" id="{969B001B-5F55-4FA2-BC76-B9AC24825CB2}"/>
+                <a16:creationId xmlns="" xmlns:a16="http://schemas.microsoft.com/office/drawing/2014/main" id="{969B001B-5F55-4FA2-BC76-B9AC24825CB2}"/>
               </a:ext>
             </a:extLst>
           </p:cNvPr>
@@ -19166,6 +19221,13 @@
   <p:clrMapOvr>
     <a:masterClrMapping/>
   </p:clrMapOvr>
+  <p:timing>
+    <p:tnLst>
+      <p:par>
+        <p:cTn id="1" dur="indefinite" restart="never" nodeType="tmRoot"/>
+      </p:par>
+    </p:tnLst>
+  </p:timing>
 </p:sld>
 </file>
 
@@ -19275,7 +19337,7 @@
           <p:cNvPr id="14" name="TextBox 16">
             <a:extLst>
               <a:ext uri="{FF2B5EF4-FFF2-40B4-BE49-F238E27FC236}">
-                <a16:creationId xmlns:a16="http://schemas.microsoft.com/office/drawing/2014/main" xmlns="" id="{9B1E28E6-FF69-463D-8EDA-9E844B7A2F1D}"/>
+                <a16:creationId xmlns="" xmlns:a16="http://schemas.microsoft.com/office/drawing/2014/main" id="{9B1E28E6-FF69-463D-8EDA-9E844B7A2F1D}"/>
               </a:ext>
             </a:extLst>
           </p:cNvPr>
@@ -19348,7 +19410,7 @@
           <p:cNvPr id="8" name="TextBox 16">
             <a:extLst>
               <a:ext uri="{FF2B5EF4-FFF2-40B4-BE49-F238E27FC236}">
-                <a16:creationId xmlns:a16="http://schemas.microsoft.com/office/drawing/2014/main" xmlns="" id="{4C2282F9-32D3-4CE5-8838-A48B6F8A48B8}"/>
+                <a16:creationId xmlns="" xmlns:a16="http://schemas.microsoft.com/office/drawing/2014/main" id="{4C2282F9-32D3-4CE5-8838-A48B6F8A48B8}"/>
               </a:ext>
             </a:extLst>
           </p:cNvPr>
@@ -19575,7 +19637,7 @@
           <p:cNvPr id="15" name="标题 3">
             <a:extLst>
               <a:ext uri="{FF2B5EF4-FFF2-40B4-BE49-F238E27FC236}">
-                <a16:creationId xmlns:a16="http://schemas.microsoft.com/office/drawing/2014/main" xmlns="" id="{F68BA453-3377-4256-A938-E7CF0F36192B}"/>
+                <a16:creationId xmlns="" xmlns:a16="http://schemas.microsoft.com/office/drawing/2014/main" id="{F68BA453-3377-4256-A938-E7CF0F36192B}"/>
               </a:ext>
             </a:extLst>
           </p:cNvPr>
@@ -19628,7 +19690,7 @@
           <p:cNvPr id="2" name="图片 1">
             <a:extLst>
               <a:ext uri="{FF2B5EF4-FFF2-40B4-BE49-F238E27FC236}">
-                <a16:creationId xmlns:a16="http://schemas.microsoft.com/office/drawing/2014/main" xmlns="" id="{9DBED304-291B-45FA-AF51-1C43BFDE08D0}"/>
+                <a16:creationId xmlns="" xmlns:a16="http://schemas.microsoft.com/office/drawing/2014/main" id="{9DBED304-291B-45FA-AF51-1C43BFDE08D0}"/>
               </a:ext>
             </a:extLst>
           </p:cNvPr>
@@ -19725,7 +19787,7 @@
           <p:cNvPr id="15" name="标题 3">
             <a:extLst>
               <a:ext uri="{FF2B5EF4-FFF2-40B4-BE49-F238E27FC236}">
-                <a16:creationId xmlns:a16="http://schemas.microsoft.com/office/drawing/2014/main" xmlns="" id="{F68BA453-3377-4256-A938-E7CF0F36192B}"/>
+                <a16:creationId xmlns="" xmlns:a16="http://schemas.microsoft.com/office/drawing/2014/main" id="{F68BA453-3377-4256-A938-E7CF0F36192B}"/>
               </a:ext>
             </a:extLst>
           </p:cNvPr>
@@ -19782,7 +19844,7 @@
           <p:cNvPr id="5" name="TextBox 16">
             <a:extLst>
               <a:ext uri="{FF2B5EF4-FFF2-40B4-BE49-F238E27FC236}">
-                <a16:creationId xmlns:a16="http://schemas.microsoft.com/office/drawing/2014/main" xmlns="" id="{DEDB19A1-0490-463A-9A9E-10132D9DF7E3}"/>
+                <a16:creationId xmlns="" xmlns:a16="http://schemas.microsoft.com/office/drawing/2014/main" id="{DEDB19A1-0490-463A-9A9E-10132D9DF7E3}"/>
               </a:ext>
             </a:extLst>
           </p:cNvPr>
@@ -19944,7 +20006,7 @@
           <p:cNvPr id="2" name="图片 1">
             <a:extLst>
               <a:ext uri="{FF2B5EF4-FFF2-40B4-BE49-F238E27FC236}">
-                <a16:creationId xmlns:a16="http://schemas.microsoft.com/office/drawing/2014/main" xmlns="" id="{913444BD-F6AF-46D4-976C-995FB99950A9}"/>
+                <a16:creationId xmlns="" xmlns:a16="http://schemas.microsoft.com/office/drawing/2014/main" id="{913444BD-F6AF-46D4-976C-995FB99950A9}"/>
               </a:ext>
             </a:extLst>
           </p:cNvPr>
@@ -19980,7 +20042,7 @@
           <p:cNvPr id="3" name="矩形 2">
             <a:extLst>
               <a:ext uri="{FF2B5EF4-FFF2-40B4-BE49-F238E27FC236}">
-                <a16:creationId xmlns:a16="http://schemas.microsoft.com/office/drawing/2014/main" xmlns="" id="{D795F15C-BB51-4BB6-85FA-8C7E81D2788C}"/>
+                <a16:creationId xmlns="" xmlns:a16="http://schemas.microsoft.com/office/drawing/2014/main" id="{D795F15C-BB51-4BB6-85FA-8C7E81D2788C}"/>
               </a:ext>
             </a:extLst>
           </p:cNvPr>
@@ -20331,7 +20393,7 @@
           <p:cNvPr id="7" name="TextBox 16">
             <a:extLst>
               <a:ext uri="{FF2B5EF4-FFF2-40B4-BE49-F238E27FC236}">
-                <a16:creationId xmlns:a16="http://schemas.microsoft.com/office/drawing/2014/main" xmlns="" id="{0ECBC174-8EE7-4D48-B168-91CFF26277BE}"/>
+                <a16:creationId xmlns="" xmlns:a16="http://schemas.microsoft.com/office/drawing/2014/main" id="{0ECBC174-8EE7-4D48-B168-91CFF26277BE}"/>
               </a:ext>
             </a:extLst>
           </p:cNvPr>
@@ -20692,7 +20754,7 @@
           <p:cNvPr id="3" name="图片 2">
             <a:extLst>
               <a:ext uri="{FF2B5EF4-FFF2-40B4-BE49-F238E27FC236}">
-                <a16:creationId xmlns:a16="http://schemas.microsoft.com/office/drawing/2014/main" xmlns="" id="{300AC4DD-23A7-486F-B151-EFF726B52E23}"/>
+                <a16:creationId xmlns="" xmlns:a16="http://schemas.microsoft.com/office/drawing/2014/main" id="{300AC4DD-23A7-486F-B151-EFF726B52E23}"/>
               </a:ext>
             </a:extLst>
           </p:cNvPr>
@@ -20722,7 +20784,7 @@
           <p:cNvPr id="6" name="TextBox 16">
             <a:extLst>
               <a:ext uri="{FF2B5EF4-FFF2-40B4-BE49-F238E27FC236}">
-                <a16:creationId xmlns:a16="http://schemas.microsoft.com/office/drawing/2014/main" xmlns="" id="{5D8D6323-3660-43E9-8F67-3CD8040C0AAB}"/>
+                <a16:creationId xmlns="" xmlns:a16="http://schemas.microsoft.com/office/drawing/2014/main" id="{5D8D6323-3660-43E9-8F67-3CD8040C0AAB}"/>
               </a:ext>
             </a:extLst>
           </p:cNvPr>
@@ -20778,7 +20840,7 @@
           <p:cNvPr id="7" name="TextBox 16">
             <a:extLst>
               <a:ext uri="{FF2B5EF4-FFF2-40B4-BE49-F238E27FC236}">
-                <a16:creationId xmlns:a16="http://schemas.microsoft.com/office/drawing/2014/main" xmlns="" id="{5E237ECC-5595-4798-9F21-941220EAA639}"/>
+                <a16:creationId xmlns="" xmlns:a16="http://schemas.microsoft.com/office/drawing/2014/main" id="{5E237ECC-5595-4798-9F21-941220EAA639}"/>
               </a:ext>
             </a:extLst>
           </p:cNvPr>
@@ -20834,7 +20896,7 @@
           <p:cNvPr id="9" name="TextBox 16">
             <a:extLst>
               <a:ext uri="{FF2B5EF4-FFF2-40B4-BE49-F238E27FC236}">
-                <a16:creationId xmlns:a16="http://schemas.microsoft.com/office/drawing/2014/main" xmlns="" id="{B25ECFE2-DD28-4268-920B-C93700629F01}"/>
+                <a16:creationId xmlns="" xmlns:a16="http://schemas.microsoft.com/office/drawing/2014/main" id="{B25ECFE2-DD28-4268-920B-C93700629F01}"/>
               </a:ext>
             </a:extLst>
           </p:cNvPr>
@@ -20890,7 +20952,7 @@
           <p:cNvPr id="10" name="TextBox 16">
             <a:extLst>
               <a:ext uri="{FF2B5EF4-FFF2-40B4-BE49-F238E27FC236}">
-                <a16:creationId xmlns:a16="http://schemas.microsoft.com/office/drawing/2014/main" xmlns="" id="{F66B3B41-6F27-47BC-A352-B8DCC5312C15}"/>
+                <a16:creationId xmlns="" xmlns:a16="http://schemas.microsoft.com/office/drawing/2014/main" id="{F66B3B41-6F27-47BC-A352-B8DCC5312C15}"/>
               </a:ext>
             </a:extLst>
           </p:cNvPr>
@@ -20946,7 +21008,7 @@
           <p:cNvPr id="11" name="TextBox 16">
             <a:extLst>
               <a:ext uri="{FF2B5EF4-FFF2-40B4-BE49-F238E27FC236}">
-                <a16:creationId xmlns:a16="http://schemas.microsoft.com/office/drawing/2014/main" xmlns="" id="{2BCE7A4B-C7B7-49A0-98EA-805883BCD742}"/>
+                <a16:creationId xmlns="" xmlns:a16="http://schemas.microsoft.com/office/drawing/2014/main" id="{2BCE7A4B-C7B7-49A0-98EA-805883BCD742}"/>
               </a:ext>
             </a:extLst>
           </p:cNvPr>
@@ -21076,7 +21138,7 @@
           <p:cNvPr id="9" name="标题 3">
             <a:extLst>
               <a:ext uri="{FF2B5EF4-FFF2-40B4-BE49-F238E27FC236}">
-                <a16:creationId xmlns:a16="http://schemas.microsoft.com/office/drawing/2014/main" xmlns="" id="{1AD2C09E-4EDF-4514-867C-F44C80518920}"/>
+                <a16:creationId xmlns="" xmlns:a16="http://schemas.microsoft.com/office/drawing/2014/main" id="{1AD2C09E-4EDF-4514-867C-F44C80518920}"/>
               </a:ext>
             </a:extLst>
           </p:cNvPr>
@@ -21133,7 +21195,7 @@
           <p:cNvPr id="10" name="TextBox 16">
             <a:extLst>
               <a:ext uri="{FF2B5EF4-FFF2-40B4-BE49-F238E27FC236}">
-                <a16:creationId xmlns:a16="http://schemas.microsoft.com/office/drawing/2014/main" xmlns="" id="{10D6EF88-7785-4D6C-AF6A-900C6C9CFB6F}"/>
+                <a16:creationId xmlns="" xmlns:a16="http://schemas.microsoft.com/office/drawing/2014/main" id="{10D6EF88-7785-4D6C-AF6A-900C6C9CFB6F}"/>
               </a:ext>
             </a:extLst>
           </p:cNvPr>
@@ -21275,7 +21337,7 @@
           <p:cNvPr id="12" name="TextBox 16">
             <a:extLst>
               <a:ext uri="{FF2B5EF4-FFF2-40B4-BE49-F238E27FC236}">
-                <a16:creationId xmlns:a16="http://schemas.microsoft.com/office/drawing/2014/main" xmlns="" id="{C8CC8B91-D277-4C1E-81C5-A1E83C16ADC6}"/>
+                <a16:creationId xmlns="" xmlns:a16="http://schemas.microsoft.com/office/drawing/2014/main" id="{C8CC8B91-D277-4C1E-81C5-A1E83C16ADC6}"/>
               </a:ext>
             </a:extLst>
           </p:cNvPr>
@@ -21327,7 +21389,7 @@
           <p:cNvPr id="16" name="TextBox 16">
             <a:extLst>
               <a:ext uri="{FF2B5EF4-FFF2-40B4-BE49-F238E27FC236}">
-                <a16:creationId xmlns:a16="http://schemas.microsoft.com/office/drawing/2014/main" xmlns="" id="{67141AC1-7DDF-4FEC-85A7-5CCF687EBF3C}"/>
+                <a16:creationId xmlns="" xmlns:a16="http://schemas.microsoft.com/office/drawing/2014/main" id="{67141AC1-7DDF-4FEC-85A7-5CCF687EBF3C}"/>
               </a:ext>
             </a:extLst>
           </p:cNvPr>
@@ -21629,7 +21691,7 @@
           <p:cNvPr id="18" name="标题 3">
             <a:extLst>
               <a:ext uri="{FF2B5EF4-FFF2-40B4-BE49-F238E27FC236}">
-                <a16:creationId xmlns:a16="http://schemas.microsoft.com/office/drawing/2014/main" xmlns="" id="{21C6828D-CEE0-4B38-AF17-B0EFAD566D5C}"/>
+                <a16:creationId xmlns="" xmlns:a16="http://schemas.microsoft.com/office/drawing/2014/main" id="{21C6828D-CEE0-4B38-AF17-B0EFAD566D5C}"/>
               </a:ext>
             </a:extLst>
           </p:cNvPr>
@@ -21690,7 +21752,7 @@
               <p:cNvPr id="11" name="TextBox 16">
                 <a:extLst>
                   <a:ext uri="{FF2B5EF4-FFF2-40B4-BE49-F238E27FC236}">
-                    <a16:creationId xmlns:a16="http://schemas.microsoft.com/office/drawing/2014/main" xmlns="" id="{B3F1701A-816B-475D-9A28-48799A4EFD75}"/>
+                    <a16:creationId xmlns="" xmlns:a16="http://schemas.microsoft.com/office/drawing/2014/main" id="{B3F1701A-816B-475D-9A28-48799A4EFD75}"/>
                   </a:ext>
                 </a:extLst>
               </p:cNvPr>
@@ -21926,7 +21988,7 @@
           <p:cNvPr id="12" name="TextBox 16">
             <a:extLst>
               <a:ext uri="{FF2B5EF4-FFF2-40B4-BE49-F238E27FC236}">
-                <a16:creationId xmlns:a16="http://schemas.microsoft.com/office/drawing/2014/main" xmlns="" id="{7F9BC412-4666-4A9D-A54B-E5A584169075}"/>
+                <a16:creationId xmlns="" xmlns:a16="http://schemas.microsoft.com/office/drawing/2014/main" id="{7F9BC412-4666-4A9D-A54B-E5A584169075}"/>
               </a:ext>
             </a:extLst>
           </p:cNvPr>
@@ -21998,7 +22060,7 @@
           <p:cNvPr id="13" name="TextBox 16">
             <a:extLst>
               <a:ext uri="{FF2B5EF4-FFF2-40B4-BE49-F238E27FC236}">
-                <a16:creationId xmlns:a16="http://schemas.microsoft.com/office/drawing/2014/main" xmlns="" id="{0FA04E86-0E04-459E-B66B-3873A4CE732A}"/>
+                <a16:creationId xmlns="" xmlns:a16="http://schemas.microsoft.com/office/drawing/2014/main" id="{0FA04E86-0E04-459E-B66B-3873A4CE732A}"/>
               </a:ext>
             </a:extLst>
           </p:cNvPr>
@@ -22101,7 +22163,7 @@
           <p:cNvPr id="7" name="图片 6">
             <a:extLst>
               <a:ext uri="{FF2B5EF4-FFF2-40B4-BE49-F238E27FC236}">
-                <a16:creationId xmlns:a16="http://schemas.microsoft.com/office/drawing/2014/main" xmlns="" id="{380FAD7C-CFA6-4DDB-BFC9-40D5769BA610}"/>
+                <a16:creationId xmlns="" xmlns:a16="http://schemas.microsoft.com/office/drawing/2014/main" id="{380FAD7C-CFA6-4DDB-BFC9-40D5769BA610}"/>
               </a:ext>
             </a:extLst>
           </p:cNvPr>
@@ -22275,7 +22337,7 @@
           <p:cNvPr id="4" name="图片 3">
             <a:extLst>
               <a:ext uri="{FF2B5EF4-FFF2-40B4-BE49-F238E27FC236}">
-                <a16:creationId xmlns:a16="http://schemas.microsoft.com/office/drawing/2014/main" xmlns="" id="{C7680DCA-F520-4FEA-9A89-C5FBF1443403}"/>
+                <a16:creationId xmlns="" xmlns:a16="http://schemas.microsoft.com/office/drawing/2014/main" id="{C7680DCA-F520-4FEA-9A89-C5FBF1443403}"/>
               </a:ext>
             </a:extLst>
           </p:cNvPr>
@@ -22342,7 +22404,7 @@
           <p:cNvPr id="18" name="标题 3">
             <a:extLst>
               <a:ext uri="{FF2B5EF4-FFF2-40B4-BE49-F238E27FC236}">
-                <a16:creationId xmlns:a16="http://schemas.microsoft.com/office/drawing/2014/main" xmlns="" id="{21C6828D-CEE0-4B38-AF17-B0EFAD566D5C}"/>
+                <a16:creationId xmlns="" xmlns:a16="http://schemas.microsoft.com/office/drawing/2014/main" id="{21C6828D-CEE0-4B38-AF17-B0EFAD566D5C}"/>
               </a:ext>
             </a:extLst>
           </p:cNvPr>
@@ -22403,7 +22465,7 @@
               <p:cNvPr id="11" name="TextBox 16">
                 <a:extLst>
                   <a:ext uri="{FF2B5EF4-FFF2-40B4-BE49-F238E27FC236}">
-                    <a16:creationId xmlns:a16="http://schemas.microsoft.com/office/drawing/2014/main" xmlns="" id="{B3F1701A-816B-475D-9A28-48799A4EFD75}"/>
+                    <a16:creationId xmlns="" xmlns:a16="http://schemas.microsoft.com/office/drawing/2014/main" id="{B3F1701A-816B-475D-9A28-48799A4EFD75}"/>
                   </a:ext>
                 </a:extLst>
               </p:cNvPr>
@@ -22953,7 +23015,7 @@
           <p:cNvPr id="3" name="图片 2">
             <a:extLst>
               <a:ext uri="{FF2B5EF4-FFF2-40B4-BE49-F238E27FC236}">
-                <a16:creationId xmlns:a16="http://schemas.microsoft.com/office/drawing/2014/main" xmlns="" id="{4EEB21E6-F47D-46C5-A332-DB6BFA886D84}"/>
+                <a16:creationId xmlns="" xmlns:a16="http://schemas.microsoft.com/office/drawing/2014/main" id="{4EEB21E6-F47D-46C5-A332-DB6BFA886D84}"/>
               </a:ext>
             </a:extLst>
           </p:cNvPr>
@@ -23410,7 +23472,7 @@
           <p:cNvPr id="7" name="标题 3">
             <a:extLst>
               <a:ext uri="{FF2B5EF4-FFF2-40B4-BE49-F238E27FC236}">
-                <a16:creationId xmlns:a16="http://schemas.microsoft.com/office/drawing/2014/main" xmlns="" id="{AAFAD872-B2FF-49B3-BD0A-FEA7C3C937B4}"/>
+                <a16:creationId xmlns="" xmlns:a16="http://schemas.microsoft.com/office/drawing/2014/main" id="{AAFAD872-B2FF-49B3-BD0A-FEA7C3C937B4}"/>
               </a:ext>
             </a:extLst>
           </p:cNvPr>
@@ -23469,7 +23531,7 @@
           <p:cNvPr id="3" name="图片 2">
             <a:extLst>
               <a:ext uri="{FF2B5EF4-FFF2-40B4-BE49-F238E27FC236}">
-                <a16:creationId xmlns:a16="http://schemas.microsoft.com/office/drawing/2014/main" xmlns="" id="{159AE77A-4285-469C-B713-9CC86D9C88F6}"/>
+                <a16:creationId xmlns="" xmlns:a16="http://schemas.microsoft.com/office/drawing/2014/main" id="{159AE77A-4285-469C-B713-9CC86D9C88F6}"/>
               </a:ext>
             </a:extLst>
           </p:cNvPr>
@@ -23499,7 +23561,7 @@
           <p:cNvPr id="9" name="TextBox 16">
             <a:extLst>
               <a:ext uri="{FF2B5EF4-FFF2-40B4-BE49-F238E27FC236}">
-                <a16:creationId xmlns:a16="http://schemas.microsoft.com/office/drawing/2014/main" xmlns="" id="{B5512625-EE7C-4C85-91B3-702C1962F6DE}"/>
+                <a16:creationId xmlns="" xmlns:a16="http://schemas.microsoft.com/office/drawing/2014/main" id="{B5512625-EE7C-4C85-91B3-702C1962F6DE}"/>
               </a:ext>
             </a:extLst>
           </p:cNvPr>
@@ -23589,7 +23651,7 @@
           <p:cNvPr id="10" name="TextBox 16">
             <a:extLst>
               <a:ext uri="{FF2B5EF4-FFF2-40B4-BE49-F238E27FC236}">
-                <a16:creationId xmlns:a16="http://schemas.microsoft.com/office/drawing/2014/main" xmlns="" id="{5E79B5CF-745A-4503-9C4E-A1CFE344B885}"/>
+                <a16:creationId xmlns="" xmlns:a16="http://schemas.microsoft.com/office/drawing/2014/main" id="{5E79B5CF-745A-4503-9C4E-A1CFE344B885}"/>
               </a:ext>
             </a:extLst>
           </p:cNvPr>
@@ -23690,7 +23752,7 @@
           <p:cNvPr id="2" name="矩形 1">
             <a:extLst>
               <a:ext uri="{FF2B5EF4-FFF2-40B4-BE49-F238E27FC236}">
-                <a16:creationId xmlns:a16="http://schemas.microsoft.com/office/drawing/2014/main" xmlns="" id="{EF30BE79-ED24-4C99-9ED0-90CB158774BC}"/>
+                <a16:creationId xmlns="" xmlns:a16="http://schemas.microsoft.com/office/drawing/2014/main" id="{EF30BE79-ED24-4C99-9ED0-90CB158774BC}"/>
               </a:ext>
             </a:extLst>
           </p:cNvPr>
@@ -23795,7 +23857,7 @@
           <p:cNvPr id="7" name="标题 3">
             <a:extLst>
               <a:ext uri="{FF2B5EF4-FFF2-40B4-BE49-F238E27FC236}">
-                <a16:creationId xmlns:a16="http://schemas.microsoft.com/office/drawing/2014/main" xmlns="" id="{AAFAD872-B2FF-49B3-BD0A-FEA7C3C937B4}"/>
+                <a16:creationId xmlns="" xmlns:a16="http://schemas.microsoft.com/office/drawing/2014/main" id="{AAFAD872-B2FF-49B3-BD0A-FEA7C3C937B4}"/>
               </a:ext>
             </a:extLst>
           </p:cNvPr>
@@ -23854,7 +23916,7 @@
           <p:cNvPr id="12" name="TextBox 16">
             <a:extLst>
               <a:ext uri="{FF2B5EF4-FFF2-40B4-BE49-F238E27FC236}">
-                <a16:creationId xmlns:a16="http://schemas.microsoft.com/office/drawing/2014/main" xmlns="" id="{747C9A37-6B1F-41D4-B159-EE16AE1EFF1F}"/>
+                <a16:creationId xmlns="" xmlns:a16="http://schemas.microsoft.com/office/drawing/2014/main" id="{747C9A37-6B1F-41D4-B159-EE16AE1EFF1F}"/>
               </a:ext>
             </a:extLst>
           </p:cNvPr>
@@ -23968,7 +24030,7 @@
           <p:cNvPr id="15" name="Rectangle 17">
             <a:extLst>
               <a:ext uri="{FF2B5EF4-FFF2-40B4-BE49-F238E27FC236}">
-                <a16:creationId xmlns:a16="http://schemas.microsoft.com/office/drawing/2014/main" xmlns="" id="{E978F26B-F7E1-4A62-8D5A-1BF0782E38D8}"/>
+                <a16:creationId xmlns="" xmlns:a16="http://schemas.microsoft.com/office/drawing/2014/main" id="{E978F26B-F7E1-4A62-8D5A-1BF0782E38D8}"/>
               </a:ext>
             </a:extLst>
           </p:cNvPr>
@@ -24191,7 +24253,7 @@
               <p:cNvPr id="16" name="文本框 3">
                 <a:extLst>
                   <a:ext uri="{FF2B5EF4-FFF2-40B4-BE49-F238E27FC236}">
-                    <a16:creationId xmlns:a16="http://schemas.microsoft.com/office/drawing/2014/main" xmlns="" id="{09FF97FB-3521-4FD8-9A69-E7CC030400DA}"/>
+                    <a16:creationId xmlns="" xmlns:a16="http://schemas.microsoft.com/office/drawing/2014/main" id="{09FF97FB-3521-4FD8-9A69-E7CC030400DA}"/>
                   </a:ext>
                 </a:extLst>
               </p:cNvPr>
@@ -24831,7 +24893,7 @@
           <p:cNvPr id="17" name="Rectangle 17">
             <a:extLst>
               <a:ext uri="{FF2B5EF4-FFF2-40B4-BE49-F238E27FC236}">
-                <a16:creationId xmlns:a16="http://schemas.microsoft.com/office/drawing/2014/main" xmlns="" id="{067E966F-B7B4-417C-8E8E-547FE76AD0D5}"/>
+                <a16:creationId xmlns="" xmlns:a16="http://schemas.microsoft.com/office/drawing/2014/main" id="{067E966F-B7B4-417C-8E8E-547FE76AD0D5}"/>
               </a:ext>
             </a:extLst>
           </p:cNvPr>
@@ -25077,7 +25139,7 @@
               <p:cNvPr id="18" name="Rectangle 17">
                 <a:extLst>
                   <a:ext uri="{FF2B5EF4-FFF2-40B4-BE49-F238E27FC236}">
-                    <a16:creationId xmlns:a16="http://schemas.microsoft.com/office/drawing/2014/main" xmlns="" id="{B63E7EC3-4D84-403D-B59A-EDEA29B00D1A}"/>
+                    <a16:creationId xmlns="" xmlns:a16="http://schemas.microsoft.com/office/drawing/2014/main" id="{B63E7EC3-4D84-403D-B59A-EDEA29B00D1A}"/>
                   </a:ext>
                 </a:extLst>
               </p:cNvPr>
@@ -25389,7 +25451,7 @@
           <p:cNvPr id="19" name="Rectangle 17">
             <a:extLst>
               <a:ext uri="{FF2B5EF4-FFF2-40B4-BE49-F238E27FC236}">
-                <a16:creationId xmlns:a16="http://schemas.microsoft.com/office/drawing/2014/main" xmlns="" id="{4E7D4E6E-0D7D-4992-80A6-575D5566DFC3}"/>
+                <a16:creationId xmlns="" xmlns:a16="http://schemas.microsoft.com/office/drawing/2014/main" id="{4E7D4E6E-0D7D-4992-80A6-575D5566DFC3}"/>
               </a:ext>
             </a:extLst>
           </p:cNvPr>
@@ -25591,7 +25653,7 @@
           <p:cNvPr id="4" name="图片 3">
             <a:extLst>
               <a:ext uri="{FF2B5EF4-FFF2-40B4-BE49-F238E27FC236}">
-                <a16:creationId xmlns:a16="http://schemas.microsoft.com/office/drawing/2014/main" xmlns="" id="{B6E431FC-4957-44C3-B097-F22360B320A2}"/>
+                <a16:creationId xmlns="" xmlns:a16="http://schemas.microsoft.com/office/drawing/2014/main" id="{B6E431FC-4957-44C3-B097-F22360B320A2}"/>
               </a:ext>
             </a:extLst>
           </p:cNvPr>
